--- a/BFS_Capstone_Approach.pptx
+++ b/BFS_Capstone_Approach.pptx
@@ -2,10 +2,10 @@
 <file path=ppt/presentation.xml><?xml version="1.0" encoding="utf-8"?>
 <p:presentation xmlns:a="http://schemas.openxmlformats.org/drawingml/2006/main" xmlns:r="http://schemas.openxmlformats.org/officeDocument/2006/relationships" xmlns:p="http://schemas.openxmlformats.org/presentationml/2006/main" saveSubsetFonts="1">
   <p:sldMasterIdLst>
-    <p:sldMasterId id="2147483660" r:id="rId1"/>
+    <p:sldMasterId id="2147483684" r:id="rId1"/>
   </p:sldMasterIdLst>
   <p:notesMasterIdLst>
-    <p:notesMasterId r:id="rId19"/>
+    <p:notesMasterId r:id="rId17"/>
   </p:notesMasterIdLst>
   <p:sldIdLst>
     <p:sldId id="256" r:id="rId2"/>
@@ -16,15 +16,13 @@
     <p:sldId id="289" r:id="rId7"/>
     <p:sldId id="271" r:id="rId8"/>
     <p:sldId id="290" r:id="rId9"/>
-    <p:sldId id="291" r:id="rId10"/>
-    <p:sldId id="292" r:id="rId11"/>
-    <p:sldId id="293" r:id="rId12"/>
-    <p:sldId id="272" r:id="rId13"/>
-    <p:sldId id="294" r:id="rId14"/>
-    <p:sldId id="295" r:id="rId15"/>
-    <p:sldId id="296" r:id="rId16"/>
-    <p:sldId id="279" r:id="rId17"/>
-    <p:sldId id="282" r:id="rId18"/>
+    <p:sldId id="297" r:id="rId10"/>
+    <p:sldId id="291" r:id="rId11"/>
+    <p:sldId id="272" r:id="rId12"/>
+    <p:sldId id="294" r:id="rId13"/>
+    <p:sldId id="296" r:id="rId14"/>
+    <p:sldId id="279" r:id="rId15"/>
+    <p:sldId id="282" r:id="rId16"/>
   </p:sldIdLst>
   <p:sldSz cx="12192000" cy="6858000"/>
   <p:notesSz cx="6858000" cy="9144000"/>
@@ -125,10 +123,10 @@
   </p:defaultTextStyle>
   <p:extLst>
     <p:ext uri="{EFAFB233-063F-42B5-8137-9DF3F51BA10A}">
-      <p15:sldGuideLst xmlns:p15="http://schemas.microsoft.com/office/powerpoint/2012/main" xmlns=""/>
+      <p15:sldGuideLst xmlns="" xmlns:p15="http://schemas.microsoft.com/office/powerpoint/2012/main"/>
     </p:ext>
     <p:ext uri="{2D200454-40CA-4A62-9FC3-DE9A4176ACB9}">
-      <p15:notesGuideLst xmlns:p15="http://schemas.microsoft.com/office/powerpoint/2012/main" xmlns=""/>
+      <p15:notesGuideLst xmlns="" xmlns:p15="http://schemas.microsoft.com/office/powerpoint/2012/main"/>
     </p:ext>
   </p:extLst>
 </p:presentation>
@@ -2154,8 +2152,8 @@
   </dgm:ptLst>
   <dgm:cxnLst>
     <dgm:cxn modelId="{5D3738FD-255F-4C6C-B5AC-D8C80BA0B35F}" type="presOf" srcId="{B2138B94-A578-43FB-9F1D-29082A3CFA67}" destId="{73DD7712-20D0-4B18-AE86-77488F64E422}" srcOrd="0" destOrd="0" presId="urn:microsoft.com/office/officeart/2005/8/layout/vList2"/>
+    <dgm:cxn modelId="{F9D0B3FC-3224-44A5-9440-D7D6AD23B9FF}" srcId="{C3C35C9D-C067-48E0-8EDC-489E4F144428}" destId="{A5A213C5-8C32-4825-A362-AA06C6D42D1B}" srcOrd="0" destOrd="0" parTransId="{6F4D2393-9E56-4ABF-A513-5BBA07DFE3CA}" sibTransId="{1D56DD97-8973-4B90-B18D-3449E63FE7DF}"/>
     <dgm:cxn modelId="{A75F2F26-C9D2-4AFA-B7D0-1346879D5FDF}" srcId="{35A27BDB-9170-4384-AC0B-9558CDCA55EA}" destId="{C3C35C9D-C067-48E0-8EDC-489E4F144428}" srcOrd="1" destOrd="0" parTransId="{F85E8C38-7820-4032-AEC2-6014824948C8}" sibTransId="{411C6054-E69B-4CC7-AA0A-F76533E97B57}"/>
-    <dgm:cxn modelId="{F9D0B3FC-3224-44A5-9440-D7D6AD23B9FF}" srcId="{C3C35C9D-C067-48E0-8EDC-489E4F144428}" destId="{A5A213C5-8C32-4825-A362-AA06C6D42D1B}" srcOrd="0" destOrd="0" parTransId="{6F4D2393-9E56-4ABF-A513-5BBA07DFE3CA}" sibTransId="{1D56DD97-8973-4B90-B18D-3449E63FE7DF}"/>
     <dgm:cxn modelId="{95C98E46-D3C9-4CBB-B554-9C9FE4EBBA58}" srcId="{B2138B94-A578-43FB-9F1D-29082A3CFA67}" destId="{A2261130-755F-4AC1-A930-CBD6A108D561}" srcOrd="0" destOrd="0" parTransId="{85F55393-0915-4A03-A170-29FFA78CCAC0}" sibTransId="{97F77BB8-6E2D-4FE0-AB91-1C36BAE46B70}"/>
     <dgm:cxn modelId="{11B9CDA3-8EE9-4690-AF83-1509CD66EEDF}" srcId="{0B1B447F-1338-4A06-830C-FB55B3563AFA}" destId="{DD0FA776-ABED-4EED-B339-69342C4B9852}" srcOrd="1" destOrd="0" parTransId="{BC2D8F18-65D1-42DE-A733-CE03698FCF2B}" sibTransId="{0AB2C688-A5AC-42E6-BB06-22D2F2318626}"/>
     <dgm:cxn modelId="{F4BB8D1D-D158-454E-BE6B-30DDD1E8F01B}" type="presOf" srcId="{4326BE16-1025-44FD-BBA3-7F3581ECA08B}" destId="{DFE2281E-5897-4365-9D26-C043D0889BFE}" srcOrd="0" destOrd="0" presId="urn:microsoft.com/office/officeart/2005/8/layout/vList2"/>
@@ -5904,7 +5902,7 @@
     </p:spTree>
     <p:extLst>
       <p:ext uri="{BB962C8B-B14F-4D97-AF65-F5344CB8AC3E}">
-        <p14:creationId xmlns:p14="http://schemas.microsoft.com/office/powerpoint/2010/main" xmlns="" val="2867562135"/>
+        <p14:creationId xmlns="" xmlns:p14="http://schemas.microsoft.com/office/powerpoint/2010/main" val="2867562135"/>
       </p:ext>
     </p:extLst>
   </p:cSld>
@@ -6007,6 +6005,237 @@
 <file path=ppt/slideLayouts/slideLayout1.xml><?xml version="1.0" encoding="utf-8"?>
 <p:sldLayout xmlns:a="http://schemas.openxmlformats.org/drawingml/2006/main" xmlns:r="http://schemas.openxmlformats.org/officeDocument/2006/relationships" xmlns:p="http://schemas.openxmlformats.org/presentationml/2006/main" type="title" preserve="1">
   <p:cSld name="Title Slide">
+    <p:bg>
+      <p:bgRef idx="1002">
+        <a:schemeClr val="bg2"/>
+      </p:bgRef>
+    </p:bg>
+    <p:spTree>
+      <p:nvGrpSpPr>
+        <p:cNvPr id="1" name=""/>
+        <p:cNvGrpSpPr/>
+        <p:nvPr/>
+      </p:nvGrpSpPr>
+      <p:grpSpPr>
+        <a:xfrm>
+          <a:off x="0" y="0"/>
+          <a:ext cx="0" cy="0"/>
+          <a:chOff x="0" y="0"/>
+          <a:chExt cx="0" cy="0"/>
+        </a:xfrm>
+      </p:grpSpPr>
+      <p:sp>
+        <p:nvSpPr>
+          <p:cNvPr id="9" name="Title 8"/>
+          <p:cNvSpPr>
+            <a:spLocks noGrp="1"/>
+          </p:cNvSpPr>
+          <p:nvPr>
+            <p:ph type="ctrTitle"/>
+          </p:nvPr>
+        </p:nvSpPr>
+        <p:spPr>
+          <a:xfrm>
+            <a:off x="711200" y="1371600"/>
+            <a:ext cx="10468864" cy="1828800"/>
+          </a:xfrm>
+          <a:ln>
+            <a:noFill/>
+          </a:ln>
+        </p:spPr>
+        <p:txBody>
+          <a:bodyPr vert="horz" tIns="0" rIns="18288" bIns="0" anchor="b">
+            <a:normAutofit/>
+            <a:scene3d>
+              <a:camera prst="orthographicFront"/>
+              <a:lightRig rig="freezing" dir="t">
+                <a:rot lat="0" lon="0" rev="5640000"/>
+              </a:lightRig>
+            </a:scene3d>
+            <a:sp3d prstMaterial="flat">
+              <a:bevelT w="38100" h="38100"/>
+              <a:contourClr>
+                <a:schemeClr val="tx2"/>
+              </a:contourClr>
+            </a:sp3d>
+          </a:bodyPr>
+          <a:lstStyle>
+            <a:lvl1pPr algn="r" rtl="0">
+              <a:spcBef>
+                <a:spcPct val="0"/>
+              </a:spcBef>
+              <a:buNone/>
+              <a:defRPr sz="5600" b="1">
+                <a:ln>
+                  <a:noFill/>
+                </a:ln>
+                <a:solidFill>
+                  <a:schemeClr val="accent3">
+                    <a:tint val="90000"/>
+                    <a:satMod val="120000"/>
+                  </a:schemeClr>
+                </a:solidFill>
+                <a:effectLst>
+                  <a:outerShdw blurRad="38100" dist="25400" dir="5400000" algn="tl" rotWithShape="0">
+                    <a:srgbClr val="000000">
+                      <a:alpha val="43000"/>
+                    </a:srgbClr>
+                  </a:outerShdw>
+                </a:effectLst>
+                <a:latin typeface="+mj-lt"/>
+                <a:ea typeface="+mj-ea"/>
+                <a:cs typeface="+mj-cs"/>
+              </a:defRPr>
+            </a:lvl1pPr>
+          </a:lstStyle>
+          <a:p>
+            <a:r>
+              <a:rPr kumimoji="0" lang="en-US" smtClean="0"/>
+              <a:t>Click to edit Master title style</a:t>
+            </a:r>
+            <a:endParaRPr kumimoji="0" lang="en-US"/>
+          </a:p>
+        </p:txBody>
+      </p:sp>
+      <p:sp>
+        <p:nvSpPr>
+          <p:cNvPr id="17" name="Subtitle 16"/>
+          <p:cNvSpPr>
+            <a:spLocks noGrp="1"/>
+          </p:cNvSpPr>
+          <p:nvPr>
+            <p:ph type="subTitle" idx="1"/>
+          </p:nvPr>
+        </p:nvSpPr>
+        <p:spPr>
+          <a:xfrm>
+            <a:off x="711200" y="3228536"/>
+            <a:ext cx="10472928" cy="1752600"/>
+          </a:xfrm>
+        </p:spPr>
+        <p:txBody>
+          <a:bodyPr lIns="0" rIns="18288"/>
+          <a:lstStyle>
+            <a:lvl1pPr marL="0" marR="45720" indent="0" algn="r">
+              <a:buNone/>
+              <a:defRPr>
+                <a:solidFill>
+                  <a:schemeClr val="tx1"/>
+                </a:solidFill>
+              </a:defRPr>
+            </a:lvl1pPr>
+            <a:lvl2pPr marL="457200" indent="0" algn="ctr">
+              <a:buNone/>
+            </a:lvl2pPr>
+            <a:lvl3pPr marL="914400" indent="0" algn="ctr">
+              <a:buNone/>
+            </a:lvl3pPr>
+            <a:lvl4pPr marL="1371600" indent="0" algn="ctr">
+              <a:buNone/>
+            </a:lvl4pPr>
+            <a:lvl5pPr marL="1828800" indent="0" algn="ctr">
+              <a:buNone/>
+            </a:lvl5pPr>
+            <a:lvl6pPr marL="2286000" indent="0" algn="ctr">
+              <a:buNone/>
+            </a:lvl6pPr>
+            <a:lvl7pPr marL="2743200" indent="0" algn="ctr">
+              <a:buNone/>
+            </a:lvl7pPr>
+            <a:lvl8pPr marL="3200400" indent="0" algn="ctr">
+              <a:buNone/>
+            </a:lvl8pPr>
+            <a:lvl9pPr marL="3657600" indent="0" algn="ctr">
+              <a:buNone/>
+            </a:lvl9pPr>
+          </a:lstStyle>
+          <a:p>
+            <a:r>
+              <a:rPr kumimoji="0" lang="en-US" smtClean="0"/>
+              <a:t>Click to edit Master subtitle style</a:t>
+            </a:r>
+            <a:endParaRPr kumimoji="0" lang="en-US"/>
+          </a:p>
+        </p:txBody>
+      </p:sp>
+      <p:sp>
+        <p:nvSpPr>
+          <p:cNvPr id="30" name="Date Placeholder 29"/>
+          <p:cNvSpPr>
+            <a:spLocks noGrp="1"/>
+          </p:cNvSpPr>
+          <p:nvPr>
+            <p:ph type="dt" sz="half" idx="10"/>
+          </p:nvPr>
+        </p:nvSpPr>
+        <p:spPr/>
+        <p:txBody>
+          <a:bodyPr/>
+          <a:lstStyle/>
+          <a:p>
+            <a:fld id="{70C018FE-C8D6-4A9C-A702-41F1E0C1C452}" type="datetimeFigureOut">
+              <a:rPr lang="en-IN" smtClean="0"/>
+              <a:pPr/>
+              <a:t>19-05-2019</a:t>
+            </a:fld>
+            <a:endParaRPr lang="en-IN"/>
+          </a:p>
+        </p:txBody>
+      </p:sp>
+      <p:sp>
+        <p:nvSpPr>
+          <p:cNvPr id="19" name="Footer Placeholder 18"/>
+          <p:cNvSpPr>
+            <a:spLocks noGrp="1"/>
+          </p:cNvSpPr>
+          <p:nvPr>
+            <p:ph type="ftr" sz="quarter" idx="11"/>
+          </p:nvPr>
+        </p:nvSpPr>
+        <p:spPr/>
+        <p:txBody>
+          <a:bodyPr/>
+          <a:lstStyle/>
+          <a:p>
+            <a:endParaRPr lang="en-IN"/>
+          </a:p>
+        </p:txBody>
+      </p:sp>
+      <p:sp>
+        <p:nvSpPr>
+          <p:cNvPr id="27" name="Slide Number Placeholder 26"/>
+          <p:cNvSpPr>
+            <a:spLocks noGrp="1"/>
+          </p:cNvSpPr>
+          <p:nvPr>
+            <p:ph type="sldNum" sz="quarter" idx="12"/>
+          </p:nvPr>
+        </p:nvSpPr>
+        <p:spPr/>
+        <p:txBody>
+          <a:bodyPr/>
+          <a:lstStyle/>
+          <a:p>
+            <a:fld id="{B4FB9132-D0D3-4182-9F3A-A2B393A6FF16}" type="slidenum">
+              <a:rPr lang="en-IN" smtClean="0"/>
+              <a:pPr/>
+              <a:t>‹#›</a:t>
+            </a:fld>
+            <a:endParaRPr lang="en-IN"/>
+          </a:p>
+        </p:txBody>
+      </p:sp>
+    </p:spTree>
+  </p:cSld>
+  <p:clrMapOvr>
+    <a:overrideClrMapping bg1="dk1" tx1="lt1" bg2="dk2" tx2="lt2" accent1="accent1" accent2="accent2" accent3="accent3" accent4="accent4" accent5="accent5" accent6="accent6" hlink="hlink" folHlink="folHlink"/>
+  </p:clrMapOvr>
+</p:sldLayout>
+</file>
+
+<file path=ppt/slideLayouts/slideLayout10.xml><?xml version="1.0" encoding="utf-8"?>
+<p:sldLayout xmlns:a="http://schemas.openxmlformats.org/drawingml/2006/main" xmlns:r="http://schemas.openxmlformats.org/officeDocument/2006/relationships" xmlns:p="http://schemas.openxmlformats.org/presentationml/2006/main" type="vertTx" preserve="1">
+  <p:cSld name="Title and Vertical Text">
     <p:spTree>
       <p:nvGrpSpPr>
         <p:cNvPr id="1" name=""/>
@@ -6028,93 +6257,71 @@
             <a:spLocks noGrp="1"/>
           </p:cNvSpPr>
           <p:nvPr>
-            <p:ph type="ctrTitle"/>
+            <p:ph type="title"/>
           </p:nvPr>
         </p:nvSpPr>
-        <p:spPr>
-          <a:xfrm>
-            <a:off x="1524000" y="1122363"/>
-            <a:ext cx="9144000" cy="2387600"/>
-          </a:xfrm>
-        </p:spPr>
+        <p:spPr/>
         <p:txBody>
-          <a:bodyPr anchor="b"/>
-          <a:lstStyle>
-            <a:lvl1pPr algn="ctr">
-              <a:defRPr sz="6000"/>
-            </a:lvl1pPr>
-          </a:lstStyle>
+          <a:bodyPr/>
+          <a:lstStyle/>
           <a:p>
             <a:r>
-              <a:rPr lang="en-US"/>
+              <a:rPr kumimoji="0" lang="en-US" smtClean="0"/>
               <a:t>Click to edit Master title style</a:t>
             </a:r>
-            <a:endParaRPr lang="en-US" dirty="0"/>
+            <a:endParaRPr kumimoji="0" lang="en-US"/>
           </a:p>
         </p:txBody>
       </p:sp>
       <p:sp>
         <p:nvSpPr>
-          <p:cNvPr id="3" name="Subtitle 2"/>
+          <p:cNvPr id="3" name="Vertical Text Placeholder 2"/>
           <p:cNvSpPr>
             <a:spLocks noGrp="1"/>
           </p:cNvSpPr>
           <p:nvPr>
-            <p:ph type="subTitle" idx="1"/>
+            <p:ph type="body" orient="vert" idx="1"/>
           </p:nvPr>
         </p:nvSpPr>
-        <p:spPr>
-          <a:xfrm>
-            <a:off x="1524000" y="3602038"/>
-            <a:ext cx="9144000" cy="1655762"/>
-          </a:xfrm>
-        </p:spPr>
+        <p:spPr/>
         <p:txBody>
-          <a:bodyPr/>
-          <a:lstStyle>
-            <a:lvl1pPr marL="0" indent="0" algn="ctr">
-              <a:buNone/>
-              <a:defRPr sz="2400"/>
-            </a:lvl1pPr>
-            <a:lvl2pPr marL="457200" indent="0" algn="ctr">
-              <a:buNone/>
-              <a:defRPr sz="2000"/>
-            </a:lvl2pPr>
-            <a:lvl3pPr marL="914400" indent="0" algn="ctr">
-              <a:buNone/>
-              <a:defRPr sz="1800"/>
-            </a:lvl3pPr>
-            <a:lvl4pPr marL="1371600" indent="0" algn="ctr">
-              <a:buNone/>
-              <a:defRPr sz="1600"/>
-            </a:lvl4pPr>
-            <a:lvl5pPr marL="1828800" indent="0" algn="ctr">
-              <a:buNone/>
-              <a:defRPr sz="1600"/>
-            </a:lvl5pPr>
-            <a:lvl6pPr marL="2286000" indent="0" algn="ctr">
-              <a:buNone/>
-              <a:defRPr sz="1600"/>
-            </a:lvl6pPr>
-            <a:lvl7pPr marL="2743200" indent="0" algn="ctr">
-              <a:buNone/>
-              <a:defRPr sz="1600"/>
-            </a:lvl7pPr>
-            <a:lvl8pPr marL="3200400" indent="0" algn="ctr">
-              <a:buNone/>
-              <a:defRPr sz="1600"/>
-            </a:lvl8pPr>
-            <a:lvl9pPr marL="3657600" indent="0" algn="ctr">
-              <a:buNone/>
-              <a:defRPr sz="1600"/>
-            </a:lvl9pPr>
-          </a:lstStyle>
+          <a:bodyPr vert="eaVert"/>
+          <a:lstStyle/>
           <a:p>
+            <a:pPr lvl="0" eaLnBrk="1" latinLnBrk="0" hangingPunct="1"/>
             <a:r>
-              <a:rPr lang="en-US"/>
-              <a:t>Click to edit Master subtitle style</a:t>
+              <a:rPr lang="en-US" smtClean="0"/>
+              <a:t>Click to edit Master text styles</a:t>
             </a:r>
-            <a:endParaRPr lang="en-US" dirty="0"/>
+          </a:p>
+          <a:p>
+            <a:pPr lvl="1" eaLnBrk="1" latinLnBrk="0" hangingPunct="1"/>
+            <a:r>
+              <a:rPr lang="en-US" smtClean="0"/>
+              <a:t>Second level</a:t>
+            </a:r>
+          </a:p>
+          <a:p>
+            <a:pPr lvl="2" eaLnBrk="1" latinLnBrk="0" hangingPunct="1"/>
+            <a:r>
+              <a:rPr lang="en-US" smtClean="0"/>
+              <a:t>Third level</a:t>
+            </a:r>
+          </a:p>
+          <a:p>
+            <a:pPr lvl="3" eaLnBrk="1" latinLnBrk="0" hangingPunct="1"/>
+            <a:r>
+              <a:rPr lang="en-US" smtClean="0"/>
+              <a:t>Fourth level</a:t>
+            </a:r>
+          </a:p>
+          <a:p>
+            <a:pPr lvl="4" eaLnBrk="1" latinLnBrk="0" hangingPunct="1"/>
+            <a:r>
+              <a:rPr lang="en-US" smtClean="0"/>
+              <a:t>Fifth level</a:t>
+            </a:r>
+            <a:endParaRPr kumimoji="0" lang="en-US"/>
           </a:p>
         </p:txBody>
       </p:sp>
@@ -6186,11 +6393,6 @@
         </p:txBody>
       </p:sp>
     </p:spTree>
-    <p:extLst>
-      <p:ext uri="{BB962C8B-B14F-4D97-AF65-F5344CB8AC3E}">
-        <p14:creationId xmlns:p14="http://schemas.microsoft.com/office/powerpoint/2010/main" xmlns="" val="1446675276"/>
-      </p:ext>
-    </p:extLst>
   </p:cSld>
   <p:clrMapOvr>
     <a:masterClrMapping/>
@@ -6198,9 +6400,9 @@
 </p:sldLayout>
 </file>
 
-<file path=ppt/slideLayouts/slideLayout10.xml><?xml version="1.0" encoding="utf-8"?>
-<p:sldLayout xmlns:a="http://schemas.openxmlformats.org/drawingml/2006/main" xmlns:r="http://schemas.openxmlformats.org/officeDocument/2006/relationships" xmlns:p="http://schemas.openxmlformats.org/presentationml/2006/main" type="vertTx" preserve="1">
-  <p:cSld name="Title and Vertical Text">
+<file path=ppt/slideLayouts/slideLayout11.xml><?xml version="1.0" encoding="utf-8"?>
+<p:sldLayout xmlns:a="http://schemas.openxmlformats.org/drawingml/2006/main" xmlns:r="http://schemas.openxmlformats.org/officeDocument/2006/relationships" xmlns:p="http://schemas.openxmlformats.org/presentationml/2006/main" type="vertTitleAndTx" preserve="1">
+  <p:cSld name="Vertical Title and Text">
     <p:spTree>
       <p:nvGrpSpPr>
         <p:cNvPr id="1" name=""/>
@@ -6217,24 +6419,29 @@
       </p:grpSpPr>
       <p:sp>
         <p:nvSpPr>
-          <p:cNvPr id="2" name="Title 1"/>
+          <p:cNvPr id="2" name="Vertical Title 1"/>
           <p:cNvSpPr>
             <a:spLocks noGrp="1"/>
           </p:cNvSpPr>
           <p:nvPr>
-            <p:ph type="title"/>
+            <p:ph type="title" orient="vert"/>
           </p:nvPr>
         </p:nvSpPr>
-        <p:spPr/>
+        <p:spPr>
+          <a:xfrm>
+            <a:off x="8839200" y="914402"/>
+            <a:ext cx="2743200" cy="5211763"/>
+          </a:xfrm>
+        </p:spPr>
         <p:txBody>
-          <a:bodyPr/>
+          <a:bodyPr vert="eaVert"/>
           <a:lstStyle/>
           <a:p>
             <a:r>
-              <a:rPr lang="en-US"/>
+              <a:rPr kumimoji="0" lang="en-US" smtClean="0"/>
               <a:t>Click to edit Master title style</a:t>
             </a:r>
-            <a:endParaRPr lang="en-US" dirty="0"/>
+            <a:endParaRPr kumimoji="0" lang="en-US"/>
           </a:p>
         </p:txBody>
       </p:sp>
@@ -6248,45 +6455,50 @@
             <p:ph type="body" orient="vert" idx="1"/>
           </p:nvPr>
         </p:nvSpPr>
-        <p:spPr/>
+        <p:spPr>
+          <a:xfrm>
+            <a:off x="609600" y="914402"/>
+            <a:ext cx="8026400" cy="5211763"/>
+          </a:xfrm>
+        </p:spPr>
         <p:txBody>
           <a:bodyPr vert="eaVert"/>
           <a:lstStyle/>
           <a:p>
-            <a:pPr lvl="0"/>
+            <a:pPr lvl="0" eaLnBrk="1" latinLnBrk="0" hangingPunct="1"/>
             <a:r>
-              <a:rPr lang="en-US"/>
-              <a:t>Edit Master text styles</a:t>
+              <a:rPr lang="en-US" smtClean="0"/>
+              <a:t>Click to edit Master text styles</a:t>
             </a:r>
           </a:p>
           <a:p>
-            <a:pPr lvl="1"/>
+            <a:pPr lvl="1" eaLnBrk="1" latinLnBrk="0" hangingPunct="1"/>
             <a:r>
-              <a:rPr lang="en-US"/>
+              <a:rPr lang="en-US" smtClean="0"/>
               <a:t>Second level</a:t>
             </a:r>
           </a:p>
           <a:p>
-            <a:pPr lvl="2"/>
+            <a:pPr lvl="2" eaLnBrk="1" latinLnBrk="0" hangingPunct="1"/>
             <a:r>
-              <a:rPr lang="en-US"/>
+              <a:rPr lang="en-US" smtClean="0"/>
               <a:t>Third level</a:t>
             </a:r>
           </a:p>
           <a:p>
-            <a:pPr lvl="3"/>
+            <a:pPr lvl="3" eaLnBrk="1" latinLnBrk="0" hangingPunct="1"/>
             <a:r>
-              <a:rPr lang="en-US"/>
+              <a:rPr lang="en-US" smtClean="0"/>
               <a:t>Fourth level</a:t>
             </a:r>
           </a:p>
           <a:p>
-            <a:pPr lvl="4"/>
+            <a:pPr lvl="4" eaLnBrk="1" latinLnBrk="0" hangingPunct="1"/>
             <a:r>
-              <a:rPr lang="en-US"/>
+              <a:rPr lang="en-US" smtClean="0"/>
               <a:t>Fifth level</a:t>
             </a:r>
-            <a:endParaRPr lang="en-US" dirty="0"/>
+            <a:endParaRPr kumimoji="0" lang="en-US"/>
           </a:p>
         </p:txBody>
       </p:sp>
@@ -6358,193 +6570,6 @@
         </p:txBody>
       </p:sp>
     </p:spTree>
-    <p:extLst>
-      <p:ext uri="{BB962C8B-B14F-4D97-AF65-F5344CB8AC3E}">
-        <p14:creationId xmlns:p14="http://schemas.microsoft.com/office/powerpoint/2010/main" xmlns="" val="1725356468"/>
-      </p:ext>
-    </p:extLst>
-  </p:cSld>
-  <p:clrMapOvr>
-    <a:masterClrMapping/>
-  </p:clrMapOvr>
-</p:sldLayout>
-</file>
-
-<file path=ppt/slideLayouts/slideLayout11.xml><?xml version="1.0" encoding="utf-8"?>
-<p:sldLayout xmlns:a="http://schemas.openxmlformats.org/drawingml/2006/main" xmlns:r="http://schemas.openxmlformats.org/officeDocument/2006/relationships" xmlns:p="http://schemas.openxmlformats.org/presentationml/2006/main" type="vertTitleAndTx" preserve="1">
-  <p:cSld name="Vertical Title and Text">
-    <p:spTree>
-      <p:nvGrpSpPr>
-        <p:cNvPr id="1" name=""/>
-        <p:cNvGrpSpPr/>
-        <p:nvPr/>
-      </p:nvGrpSpPr>
-      <p:grpSpPr>
-        <a:xfrm>
-          <a:off x="0" y="0"/>
-          <a:ext cx="0" cy="0"/>
-          <a:chOff x="0" y="0"/>
-          <a:chExt cx="0" cy="0"/>
-        </a:xfrm>
-      </p:grpSpPr>
-      <p:sp>
-        <p:nvSpPr>
-          <p:cNvPr id="2" name="Vertical Title 1"/>
-          <p:cNvSpPr>
-            <a:spLocks noGrp="1"/>
-          </p:cNvSpPr>
-          <p:nvPr>
-            <p:ph type="title" orient="vert"/>
-          </p:nvPr>
-        </p:nvSpPr>
-        <p:spPr>
-          <a:xfrm>
-            <a:off x="8724900" y="365125"/>
-            <a:ext cx="2628900" cy="5811838"/>
-          </a:xfrm>
-        </p:spPr>
-        <p:txBody>
-          <a:bodyPr vert="eaVert"/>
-          <a:lstStyle/>
-          <a:p>
-            <a:r>
-              <a:rPr lang="en-US"/>
-              <a:t>Click to edit Master title style</a:t>
-            </a:r>
-            <a:endParaRPr lang="en-US" dirty="0"/>
-          </a:p>
-        </p:txBody>
-      </p:sp>
-      <p:sp>
-        <p:nvSpPr>
-          <p:cNvPr id="3" name="Vertical Text Placeholder 2"/>
-          <p:cNvSpPr>
-            <a:spLocks noGrp="1"/>
-          </p:cNvSpPr>
-          <p:nvPr>
-            <p:ph type="body" orient="vert" idx="1"/>
-          </p:nvPr>
-        </p:nvSpPr>
-        <p:spPr>
-          <a:xfrm>
-            <a:off x="838200" y="365125"/>
-            <a:ext cx="7734300" cy="5811838"/>
-          </a:xfrm>
-        </p:spPr>
-        <p:txBody>
-          <a:bodyPr vert="eaVert"/>
-          <a:lstStyle/>
-          <a:p>
-            <a:pPr lvl="0"/>
-            <a:r>
-              <a:rPr lang="en-US"/>
-              <a:t>Edit Master text styles</a:t>
-            </a:r>
-          </a:p>
-          <a:p>
-            <a:pPr lvl="1"/>
-            <a:r>
-              <a:rPr lang="en-US"/>
-              <a:t>Second level</a:t>
-            </a:r>
-          </a:p>
-          <a:p>
-            <a:pPr lvl="2"/>
-            <a:r>
-              <a:rPr lang="en-US"/>
-              <a:t>Third level</a:t>
-            </a:r>
-          </a:p>
-          <a:p>
-            <a:pPr lvl="3"/>
-            <a:r>
-              <a:rPr lang="en-US"/>
-              <a:t>Fourth level</a:t>
-            </a:r>
-          </a:p>
-          <a:p>
-            <a:pPr lvl="4"/>
-            <a:r>
-              <a:rPr lang="en-US"/>
-              <a:t>Fifth level</a:t>
-            </a:r>
-            <a:endParaRPr lang="en-US" dirty="0"/>
-          </a:p>
-        </p:txBody>
-      </p:sp>
-      <p:sp>
-        <p:nvSpPr>
-          <p:cNvPr id="4" name="Date Placeholder 3"/>
-          <p:cNvSpPr>
-            <a:spLocks noGrp="1"/>
-          </p:cNvSpPr>
-          <p:nvPr>
-            <p:ph type="dt" sz="half" idx="10"/>
-          </p:nvPr>
-        </p:nvSpPr>
-        <p:spPr/>
-        <p:txBody>
-          <a:bodyPr/>
-          <a:lstStyle/>
-          <a:p>
-            <a:fld id="{70C018FE-C8D6-4A9C-A702-41F1E0C1C452}" type="datetimeFigureOut">
-              <a:rPr lang="en-IN" smtClean="0"/>
-              <a:pPr/>
-              <a:t>19-05-2019</a:t>
-            </a:fld>
-            <a:endParaRPr lang="en-IN"/>
-          </a:p>
-        </p:txBody>
-      </p:sp>
-      <p:sp>
-        <p:nvSpPr>
-          <p:cNvPr id="5" name="Footer Placeholder 4"/>
-          <p:cNvSpPr>
-            <a:spLocks noGrp="1"/>
-          </p:cNvSpPr>
-          <p:nvPr>
-            <p:ph type="ftr" sz="quarter" idx="11"/>
-          </p:nvPr>
-        </p:nvSpPr>
-        <p:spPr/>
-        <p:txBody>
-          <a:bodyPr/>
-          <a:lstStyle/>
-          <a:p>
-            <a:endParaRPr lang="en-IN"/>
-          </a:p>
-        </p:txBody>
-      </p:sp>
-      <p:sp>
-        <p:nvSpPr>
-          <p:cNvPr id="6" name="Slide Number Placeholder 5"/>
-          <p:cNvSpPr>
-            <a:spLocks noGrp="1"/>
-          </p:cNvSpPr>
-          <p:nvPr>
-            <p:ph type="sldNum" sz="quarter" idx="12"/>
-          </p:nvPr>
-        </p:nvSpPr>
-        <p:spPr/>
-        <p:txBody>
-          <a:bodyPr/>
-          <a:lstStyle/>
-          <a:p>
-            <a:fld id="{B4FB9132-D0D3-4182-9F3A-A2B393A6FF16}" type="slidenum">
-              <a:rPr lang="en-IN" smtClean="0"/>
-              <a:pPr/>
-              <a:t>‹#›</a:t>
-            </a:fld>
-            <a:endParaRPr lang="en-IN"/>
-          </a:p>
-        </p:txBody>
-      </p:sp>
-    </p:spTree>
-    <p:extLst>
-      <p:ext uri="{BB962C8B-B14F-4D97-AF65-F5344CB8AC3E}">
-        <p14:creationId xmlns:p14="http://schemas.microsoft.com/office/powerpoint/2010/main" xmlns="" val="1927597908"/>
-      </p:ext>
-    </p:extLst>
   </p:cSld>
   <p:clrMapOvr>
     <a:masterClrMapping/>
@@ -6576,27 +6601,19 @@
             <a:spLocks noGrp="1"/>
           </p:cNvSpPr>
           <p:nvPr>
-            <p:ph type="title" hasCustomPrompt="1"/>
+            <p:ph type="title"/>
           </p:nvPr>
         </p:nvSpPr>
-        <p:spPr>
-          <a:xfrm>
-            <a:off x="1136469" y="640080"/>
-            <a:ext cx="9313817" cy="856138"/>
-          </a:xfrm>
-        </p:spPr>
+        <p:spPr/>
         <p:txBody>
           <a:bodyPr/>
-          <a:lstStyle>
-            <a:lvl1pPr>
-              <a:defRPr sz="4000"/>
-            </a:lvl1pPr>
-          </a:lstStyle>
+          <a:lstStyle/>
           <a:p>
             <a:r>
-              <a:rPr lang="en-US" dirty="0"/>
-              <a:t>CLICK TO EDIT MASTER TITLE STYLE</a:t>
+              <a:rPr kumimoji="0" lang="en-US" smtClean="0"/>
+              <a:t>Click to edit Master title style</a:t>
             </a:r>
+            <a:endParaRPr kumimoji="0" lang="en-US"/>
           </a:p>
         </p:txBody>
       </p:sp>
@@ -6610,49 +6627,45 @@
             <p:ph idx="1"/>
           </p:nvPr>
         </p:nvSpPr>
-        <p:spPr>
-          <a:xfrm>
-            <a:off x="404949" y="1854926"/>
-            <a:ext cx="11168742" cy="4344261"/>
-          </a:xfrm>
-        </p:spPr>
+        <p:spPr/>
         <p:txBody>
           <a:bodyPr/>
           <a:lstStyle/>
           <a:p>
-            <a:pPr lvl="0"/>
+            <a:pPr lvl="0" eaLnBrk="1" latinLnBrk="0" hangingPunct="1"/>
             <a:r>
-              <a:rPr lang="en-US" dirty="0"/>
-              <a:t>Edit Master text styles</a:t>
+              <a:rPr lang="en-US" smtClean="0"/>
+              <a:t>Click to edit Master text styles</a:t>
             </a:r>
           </a:p>
           <a:p>
-            <a:pPr lvl="1"/>
+            <a:pPr lvl="1" eaLnBrk="1" latinLnBrk="0" hangingPunct="1"/>
             <a:r>
-              <a:rPr lang="en-US" dirty="0"/>
+              <a:rPr lang="en-US" smtClean="0"/>
               <a:t>Second level</a:t>
             </a:r>
           </a:p>
           <a:p>
-            <a:pPr lvl="2"/>
+            <a:pPr lvl="2" eaLnBrk="1" latinLnBrk="0" hangingPunct="1"/>
             <a:r>
-              <a:rPr lang="en-US" dirty="0"/>
+              <a:rPr lang="en-US" smtClean="0"/>
               <a:t>Third level</a:t>
             </a:r>
           </a:p>
           <a:p>
-            <a:pPr lvl="3"/>
+            <a:pPr lvl="3" eaLnBrk="1" latinLnBrk="0" hangingPunct="1"/>
             <a:r>
-              <a:rPr lang="en-US" dirty="0"/>
+              <a:rPr lang="en-US" smtClean="0"/>
               <a:t>Fourth level</a:t>
             </a:r>
           </a:p>
           <a:p>
-            <a:pPr lvl="4"/>
+            <a:pPr lvl="4" eaLnBrk="1" latinLnBrk="0" hangingPunct="1"/>
             <a:r>
-              <a:rPr lang="en-US" dirty="0"/>
+              <a:rPr lang="en-US" smtClean="0"/>
               <a:t>Fifth level</a:t>
             </a:r>
+            <a:endParaRPr kumimoji="0" lang="en-US"/>
           </a:p>
         </p:txBody>
       </p:sp>
@@ -6672,7 +6685,7 @@
           <a:lstStyle/>
           <a:p>
             <a:r>
-              <a:rPr lang="en-IN"/>
+              <a:rPr lang="en-IN" smtClean="0"/>
               <a:t>09-06-2016</a:t>
             </a:r>
             <a:endParaRPr lang="en-IN" dirty="0"/>
@@ -6695,7 +6708,7 @@
           <a:lstStyle/>
           <a:p>
             <a:r>
-              <a:rPr lang="en-IN"/>
+              <a:rPr lang="en-IN" smtClean="0"/>
               <a:t>Investment Case Study</a:t>
             </a:r>
             <a:endParaRPr lang="en-IN" dirty="0"/>
@@ -6718,7 +6731,7 @@
           <a:lstStyle/>
           <a:p>
             <a:r>
-              <a:rPr lang="en-IN"/>
+              <a:rPr lang="en-IN" smtClean="0"/>
               <a:t>1</a:t>
             </a:r>
             <a:endParaRPr lang="en-IN" dirty="0"/>
@@ -6726,11 +6739,6 @@
         </p:txBody>
       </p:sp>
     </p:spTree>
-    <p:extLst>
-      <p:ext uri="{BB962C8B-B14F-4D97-AF65-F5344CB8AC3E}">
-        <p14:creationId xmlns:p14="http://schemas.microsoft.com/office/powerpoint/2010/main" xmlns="" val="1375848570"/>
-      </p:ext>
-    </p:extLst>
   </p:cSld>
   <p:clrMapOvr>
     <a:masterClrMapping/>
@@ -6741,6 +6749,11 @@
 <file path=ppt/slideLayouts/slideLayout3.xml><?xml version="1.0" encoding="utf-8"?>
 <p:sldLayout xmlns:a="http://schemas.openxmlformats.org/drawingml/2006/main" xmlns:r="http://schemas.openxmlformats.org/officeDocument/2006/relationships" xmlns:p="http://schemas.openxmlformats.org/presentationml/2006/main" type="secHead" preserve="1">
   <p:cSld name="Section Header">
+    <p:bg>
+      <p:bgRef idx="1002">
+        <a:schemeClr val="bg2"/>
+      </p:bgRef>
+    </p:bg>
     <p:spTree>
       <p:nvGrpSpPr>
         <p:cNvPr id="1" name=""/>
@@ -6767,23 +6780,61 @@
         </p:nvSpPr>
         <p:spPr>
           <a:xfrm>
-            <a:off x="831850" y="1709738"/>
-            <a:ext cx="10515600" cy="2852737"/>
+            <a:off x="707136" y="1316736"/>
+            <a:ext cx="10363200" cy="1362456"/>
           </a:xfrm>
+          <a:ln>
+            <a:noFill/>
+          </a:ln>
         </p:spPr>
         <p:txBody>
-          <a:bodyPr anchor="b"/>
+          <a:bodyPr vert="horz" tIns="0" bIns="0" anchor="b">
+            <a:noAutofit/>
+            <a:scene3d>
+              <a:camera prst="orthographicFront"/>
+              <a:lightRig rig="freezing" dir="t">
+                <a:rot lat="0" lon="0" rev="5640000"/>
+              </a:lightRig>
+            </a:scene3d>
+            <a:sp3d prstMaterial="flat">
+              <a:bevelT w="38100" h="38100"/>
+            </a:sp3d>
+          </a:bodyPr>
           <a:lstStyle>
-            <a:lvl1pPr>
-              <a:defRPr sz="6000"/>
+            <a:lvl1pPr algn="l" rtl="0">
+              <a:spcBef>
+                <a:spcPct val="0"/>
+              </a:spcBef>
+              <a:buNone/>
+              <a:defRPr lang="en-US" sz="5600" b="1" cap="none" baseline="0" dirty="0">
+                <a:ln w="635">
+                  <a:noFill/>
+                </a:ln>
+                <a:solidFill>
+                  <a:schemeClr val="accent4">
+                    <a:tint val="90000"/>
+                    <a:satMod val="125000"/>
+                  </a:schemeClr>
+                </a:solidFill>
+                <a:effectLst>
+                  <a:outerShdw blurRad="38100" dist="25400" dir="5400000" algn="tl" rotWithShape="0">
+                    <a:srgbClr val="000000">
+                      <a:alpha val="43000"/>
+                    </a:srgbClr>
+                  </a:outerShdw>
+                </a:effectLst>
+                <a:latin typeface="+mj-lt"/>
+                <a:ea typeface="+mj-ea"/>
+                <a:cs typeface="+mj-cs"/>
+              </a:defRPr>
             </a:lvl1pPr>
           </a:lstStyle>
           <a:p>
             <a:r>
-              <a:rPr lang="en-US"/>
+              <a:rPr kumimoji="0" lang="en-US" smtClean="0"/>
               <a:t>Click to edit Master title style</a:t>
             </a:r>
-            <a:endParaRPr lang="en-US" dirty="0"/>
+            <a:endParaRPr kumimoji="0" lang="en-US"/>
           </a:p>
         </p:txBody>
       </p:sp>
@@ -6799,34 +6850,22 @@
         </p:nvSpPr>
         <p:spPr>
           <a:xfrm>
-            <a:off x="831850" y="4589463"/>
-            <a:ext cx="10515600" cy="1500187"/>
+            <a:off x="707136" y="2704664"/>
+            <a:ext cx="10363200" cy="1509712"/>
           </a:xfrm>
         </p:spPr>
         <p:txBody>
-          <a:bodyPr/>
+          <a:bodyPr lIns="45720" rIns="45720" anchor="t"/>
           <a:lstStyle>
             <a:lvl1pPr marL="0" indent="0">
               <a:buNone/>
-              <a:defRPr sz="2400">
+              <a:defRPr sz="2200">
                 <a:solidFill>
-                  <a:schemeClr val="tx1">
-                    <a:tint val="75000"/>
-                  </a:schemeClr>
+                  <a:schemeClr val="tx1"/>
                 </a:solidFill>
               </a:defRPr>
             </a:lvl1pPr>
-            <a:lvl2pPr marL="457200" indent="0">
-              <a:buNone/>
-              <a:defRPr sz="2000">
-                <a:solidFill>
-                  <a:schemeClr val="tx1">
-                    <a:tint val="75000"/>
-                  </a:schemeClr>
-                </a:solidFill>
-              </a:defRPr>
-            </a:lvl2pPr>
-            <a:lvl3pPr marL="914400" indent="0">
+            <a:lvl2pPr>
               <a:buNone/>
               <a:defRPr sz="1800">
                 <a:solidFill>
@@ -6835,8 +6874,8 @@
                   </a:schemeClr>
                 </a:solidFill>
               </a:defRPr>
-            </a:lvl3pPr>
-            <a:lvl4pPr marL="1371600" indent="0">
+            </a:lvl2pPr>
+            <a:lvl3pPr>
               <a:buNone/>
               <a:defRPr sz="1600">
                 <a:solidFill>
@@ -6845,10 +6884,20 @@
                   </a:schemeClr>
                 </a:solidFill>
               </a:defRPr>
+            </a:lvl3pPr>
+            <a:lvl4pPr>
+              <a:buNone/>
+              <a:defRPr sz="1400">
+                <a:solidFill>
+                  <a:schemeClr val="tx1">
+                    <a:tint val="75000"/>
+                  </a:schemeClr>
+                </a:solidFill>
+              </a:defRPr>
             </a:lvl4pPr>
-            <a:lvl5pPr marL="1828800" indent="0">
+            <a:lvl5pPr>
               <a:buNone/>
-              <a:defRPr sz="1600">
+              <a:defRPr sz="1400">
                 <a:solidFill>
                   <a:schemeClr val="tx1">
                     <a:tint val="75000"/>
@@ -6856,52 +6905,12 @@
                 </a:solidFill>
               </a:defRPr>
             </a:lvl5pPr>
-            <a:lvl6pPr marL="2286000" indent="0">
-              <a:buNone/>
-              <a:defRPr sz="1600">
-                <a:solidFill>
-                  <a:schemeClr val="tx1">
-                    <a:tint val="75000"/>
-                  </a:schemeClr>
-                </a:solidFill>
-              </a:defRPr>
-            </a:lvl6pPr>
-            <a:lvl7pPr marL="2743200" indent="0">
-              <a:buNone/>
-              <a:defRPr sz="1600">
-                <a:solidFill>
-                  <a:schemeClr val="tx1">
-                    <a:tint val="75000"/>
-                  </a:schemeClr>
-                </a:solidFill>
-              </a:defRPr>
-            </a:lvl7pPr>
-            <a:lvl8pPr marL="3200400" indent="0">
-              <a:buNone/>
-              <a:defRPr sz="1600">
-                <a:solidFill>
-                  <a:schemeClr val="tx1">
-                    <a:tint val="75000"/>
-                  </a:schemeClr>
-                </a:solidFill>
-              </a:defRPr>
-            </a:lvl8pPr>
-            <a:lvl9pPr marL="3657600" indent="0">
-              <a:buNone/>
-              <a:defRPr sz="1600">
-                <a:solidFill>
-                  <a:schemeClr val="tx1">
-                    <a:tint val="75000"/>
-                  </a:schemeClr>
-                </a:solidFill>
-              </a:defRPr>
-            </a:lvl9pPr>
           </a:lstStyle>
           <a:p>
-            <a:pPr lvl="0"/>
+            <a:pPr lvl="0" eaLnBrk="1" latinLnBrk="0" hangingPunct="1"/>
             <a:r>
-              <a:rPr lang="en-US"/>
-              <a:t>Edit Master text styles</a:t>
+              <a:rPr kumimoji="0" lang="en-US" smtClean="0"/>
+              <a:t>Click to edit Master text styles</a:t>
             </a:r>
           </a:p>
         </p:txBody>
@@ -6974,14 +6983,9 @@
         </p:txBody>
       </p:sp>
     </p:spTree>
-    <p:extLst>
-      <p:ext uri="{BB962C8B-B14F-4D97-AF65-F5344CB8AC3E}">
-        <p14:creationId xmlns:p14="http://schemas.microsoft.com/office/powerpoint/2010/main" xmlns="" val="3420441129"/>
-      </p:ext>
-    </p:extLst>
   </p:cSld>
   <p:clrMapOvr>
-    <a:masterClrMapping/>
+    <a:overrideClrMapping bg1="dk1" tx1="lt1" bg2="dk2" tx2="lt2" accent1="accent1" accent2="accent2" accent3="accent3" accent4="accent4" accent5="accent5" accent6="accent6" hlink="hlink" folHlink="folHlink"/>
   </p:clrMapOvr>
 </p:sldLayout>
 </file>
@@ -7013,16 +7017,21 @@
             <p:ph type="title"/>
           </p:nvPr>
         </p:nvSpPr>
-        <p:spPr/>
+        <p:spPr>
+          <a:xfrm>
+            <a:off x="609600" y="704088"/>
+            <a:ext cx="10972800" cy="1143000"/>
+          </a:xfrm>
+        </p:spPr>
         <p:txBody>
           <a:bodyPr/>
           <a:lstStyle/>
           <a:p>
             <a:r>
-              <a:rPr lang="en-US"/>
+              <a:rPr kumimoji="0" lang="en-US" smtClean="0"/>
               <a:t>Click to edit Master title style</a:t>
             </a:r>
-            <a:endParaRPr lang="en-US" dirty="0"/>
+            <a:endParaRPr kumimoji="0" lang="en-US"/>
           </a:p>
         </p:txBody>
       </p:sp>
@@ -7038,48 +7047,64 @@
         </p:nvSpPr>
         <p:spPr>
           <a:xfrm>
-            <a:off x="838200" y="1825625"/>
-            <a:ext cx="5181600" cy="4351338"/>
+            <a:off x="609600" y="1920085"/>
+            <a:ext cx="5384800" cy="4434840"/>
           </a:xfrm>
         </p:spPr>
         <p:txBody>
           <a:bodyPr/>
-          <a:lstStyle/>
+          <a:lstStyle>
+            <a:lvl1pPr>
+              <a:defRPr sz="2600"/>
+            </a:lvl1pPr>
+            <a:lvl2pPr>
+              <a:defRPr sz="2400"/>
+            </a:lvl2pPr>
+            <a:lvl3pPr>
+              <a:defRPr sz="2000"/>
+            </a:lvl3pPr>
+            <a:lvl4pPr>
+              <a:defRPr sz="1800"/>
+            </a:lvl4pPr>
+            <a:lvl5pPr>
+              <a:defRPr sz="1800"/>
+            </a:lvl5pPr>
+          </a:lstStyle>
           <a:p>
-            <a:pPr lvl="0"/>
+            <a:pPr lvl="0" eaLnBrk="1" latinLnBrk="0" hangingPunct="1"/>
             <a:r>
-              <a:rPr lang="en-US"/>
-              <a:t>Edit Master text styles</a:t>
+              <a:rPr lang="en-US" smtClean="0"/>
+              <a:t>Click to edit Master text styles</a:t>
             </a:r>
           </a:p>
           <a:p>
-            <a:pPr lvl="1"/>
+            <a:pPr lvl="1" eaLnBrk="1" latinLnBrk="0" hangingPunct="1"/>
             <a:r>
-              <a:rPr lang="en-US"/>
+              <a:rPr lang="en-US" smtClean="0"/>
               <a:t>Second level</a:t>
             </a:r>
           </a:p>
           <a:p>
-            <a:pPr lvl="2"/>
+            <a:pPr lvl="2" eaLnBrk="1" latinLnBrk="0" hangingPunct="1"/>
             <a:r>
-              <a:rPr lang="en-US"/>
+              <a:rPr lang="en-US" smtClean="0"/>
               <a:t>Third level</a:t>
             </a:r>
           </a:p>
           <a:p>
-            <a:pPr lvl="3"/>
+            <a:pPr lvl="3" eaLnBrk="1" latinLnBrk="0" hangingPunct="1"/>
             <a:r>
-              <a:rPr lang="en-US"/>
+              <a:rPr lang="en-US" smtClean="0"/>
               <a:t>Fourth level</a:t>
             </a:r>
           </a:p>
           <a:p>
-            <a:pPr lvl="4"/>
+            <a:pPr lvl="4" eaLnBrk="1" latinLnBrk="0" hangingPunct="1"/>
             <a:r>
-              <a:rPr lang="en-US"/>
+              <a:rPr lang="en-US" smtClean="0"/>
               <a:t>Fifth level</a:t>
             </a:r>
-            <a:endParaRPr lang="en-US" dirty="0"/>
+            <a:endParaRPr kumimoji="0" lang="en-US"/>
           </a:p>
         </p:txBody>
       </p:sp>
@@ -7095,48 +7120,64 @@
         </p:nvSpPr>
         <p:spPr>
           <a:xfrm>
-            <a:off x="6172200" y="1825625"/>
-            <a:ext cx="5181600" cy="4351338"/>
+            <a:off x="6197600" y="1920085"/>
+            <a:ext cx="5384800" cy="4434840"/>
           </a:xfrm>
         </p:spPr>
         <p:txBody>
           <a:bodyPr/>
-          <a:lstStyle/>
+          <a:lstStyle>
+            <a:lvl1pPr>
+              <a:defRPr sz="2600"/>
+            </a:lvl1pPr>
+            <a:lvl2pPr>
+              <a:defRPr sz="2400"/>
+            </a:lvl2pPr>
+            <a:lvl3pPr>
+              <a:defRPr sz="2000"/>
+            </a:lvl3pPr>
+            <a:lvl4pPr>
+              <a:defRPr sz="1800"/>
+            </a:lvl4pPr>
+            <a:lvl5pPr>
+              <a:defRPr sz="1800"/>
+            </a:lvl5pPr>
+          </a:lstStyle>
           <a:p>
-            <a:pPr lvl="0"/>
+            <a:pPr lvl="0" eaLnBrk="1" latinLnBrk="0" hangingPunct="1"/>
             <a:r>
-              <a:rPr lang="en-US"/>
-              <a:t>Edit Master text styles</a:t>
+              <a:rPr lang="en-US" smtClean="0"/>
+              <a:t>Click to edit Master text styles</a:t>
             </a:r>
           </a:p>
           <a:p>
-            <a:pPr lvl="1"/>
+            <a:pPr lvl="1" eaLnBrk="1" latinLnBrk="0" hangingPunct="1"/>
             <a:r>
-              <a:rPr lang="en-US"/>
+              <a:rPr lang="en-US" smtClean="0"/>
               <a:t>Second level</a:t>
             </a:r>
           </a:p>
           <a:p>
-            <a:pPr lvl="2"/>
+            <a:pPr lvl="2" eaLnBrk="1" latinLnBrk="0" hangingPunct="1"/>
             <a:r>
-              <a:rPr lang="en-US"/>
+              <a:rPr lang="en-US" smtClean="0"/>
               <a:t>Third level</a:t>
             </a:r>
           </a:p>
           <a:p>
-            <a:pPr lvl="3"/>
+            <a:pPr lvl="3" eaLnBrk="1" latinLnBrk="0" hangingPunct="1"/>
             <a:r>
-              <a:rPr lang="en-US"/>
+              <a:rPr lang="en-US" smtClean="0"/>
               <a:t>Fourth level</a:t>
             </a:r>
           </a:p>
           <a:p>
-            <a:pPr lvl="4"/>
+            <a:pPr lvl="4" eaLnBrk="1" latinLnBrk="0" hangingPunct="1"/>
             <a:r>
-              <a:rPr lang="en-US"/>
+              <a:rPr lang="en-US" smtClean="0"/>
               <a:t>Fifth level</a:t>
             </a:r>
-            <a:endParaRPr lang="en-US" dirty="0"/>
+            <a:endParaRPr kumimoji="0" lang="en-US"/>
           </a:p>
         </p:txBody>
       </p:sp>
@@ -7208,11 +7249,6 @@
         </p:txBody>
       </p:sp>
     </p:spTree>
-    <p:extLst>
-      <p:ext uri="{BB962C8B-B14F-4D97-AF65-F5344CB8AC3E}">
-        <p14:creationId xmlns:p14="http://schemas.microsoft.com/office/powerpoint/2010/main" xmlns="" val="3026578523"/>
-      </p:ext>
-    </p:extLst>
   </p:cSld>
   <p:clrMapOvr>
     <a:masterClrMapping/>
@@ -7249,19 +7285,23 @@
         </p:nvSpPr>
         <p:spPr>
           <a:xfrm>
-            <a:off x="839788" y="365125"/>
-            <a:ext cx="10515600" cy="1325563"/>
+            <a:off x="609600" y="704088"/>
+            <a:ext cx="10972800" cy="1143000"/>
           </a:xfrm>
         </p:spPr>
         <p:txBody>
-          <a:bodyPr/>
-          <a:lstStyle/>
+          <a:bodyPr tIns="45720" anchor="b"/>
+          <a:lstStyle>
+            <a:lvl1pPr>
+              <a:defRPr/>
+            </a:lvl1pPr>
+          </a:lstStyle>
           <a:p>
             <a:r>
-              <a:rPr lang="en-US"/>
+              <a:rPr kumimoji="0" lang="en-US" smtClean="0"/>
               <a:t>Click to edit Master title style</a:t>
             </a:r>
-            <a:endParaRPr lang="en-US" dirty="0"/>
+            <a:endParaRPr kumimoji="0" lang="en-US"/>
           </a:p>
         </p:txBody>
       </p:sp>
@@ -7277,178 +7317,174 @@
         </p:nvSpPr>
         <p:spPr>
           <a:xfrm>
-            <a:off x="839788" y="1681163"/>
-            <a:ext cx="5157787" cy="823912"/>
+            <a:off x="609600" y="1855248"/>
+            <a:ext cx="5386917" cy="659352"/>
           </a:xfrm>
         </p:spPr>
         <p:txBody>
-          <a:bodyPr anchor="b"/>
+          <a:bodyPr lIns="45720" tIns="0" rIns="45720" bIns="0" anchor="ctr">
+            <a:noAutofit/>
+          </a:bodyPr>
           <a:lstStyle>
             <a:lvl1pPr marL="0" indent="0">
               <a:buNone/>
-              <a:defRPr sz="2400" b="1"/>
+              <a:defRPr sz="2400" b="1" cap="none" baseline="0">
+                <a:solidFill>
+                  <a:schemeClr val="tx2"/>
+                </a:solidFill>
+                <a:effectLst/>
+              </a:defRPr>
             </a:lvl1pPr>
-            <a:lvl2pPr marL="457200" indent="0">
+            <a:lvl2pPr>
               <a:buNone/>
               <a:defRPr sz="2000" b="1"/>
             </a:lvl2pPr>
-            <a:lvl3pPr marL="914400" indent="0">
+            <a:lvl3pPr>
               <a:buNone/>
               <a:defRPr sz="1800" b="1"/>
             </a:lvl3pPr>
-            <a:lvl4pPr marL="1371600" indent="0">
+            <a:lvl4pPr>
               <a:buNone/>
               <a:defRPr sz="1600" b="1"/>
             </a:lvl4pPr>
-            <a:lvl5pPr marL="1828800" indent="0">
+            <a:lvl5pPr>
               <a:buNone/>
               <a:defRPr sz="1600" b="1"/>
             </a:lvl5pPr>
-            <a:lvl6pPr marL="2286000" indent="0">
-              <a:buNone/>
-              <a:defRPr sz="1600" b="1"/>
-            </a:lvl6pPr>
-            <a:lvl7pPr marL="2743200" indent="0">
-              <a:buNone/>
-              <a:defRPr sz="1600" b="1"/>
-            </a:lvl7pPr>
-            <a:lvl8pPr marL="3200400" indent="0">
-              <a:buNone/>
-              <a:defRPr sz="1600" b="1"/>
-            </a:lvl8pPr>
-            <a:lvl9pPr marL="3657600" indent="0">
-              <a:buNone/>
-              <a:defRPr sz="1600" b="1"/>
-            </a:lvl9pPr>
           </a:lstStyle>
           <a:p>
-            <a:pPr lvl="0"/>
+            <a:pPr lvl="0" eaLnBrk="1" latinLnBrk="0" hangingPunct="1"/>
             <a:r>
-              <a:rPr lang="en-US"/>
-              <a:t>Edit Master text styles</a:t>
+              <a:rPr kumimoji="0" lang="en-US" smtClean="0"/>
+              <a:t>Click to edit Master text styles</a:t>
             </a:r>
           </a:p>
         </p:txBody>
       </p:sp>
       <p:sp>
         <p:nvSpPr>
-          <p:cNvPr id="4" name="Content Placeholder 3"/>
+          <p:cNvPr id="4" name="Text Placeholder 3"/>
           <p:cNvSpPr>
             <a:spLocks noGrp="1"/>
           </p:cNvSpPr>
           <p:nvPr>
-            <p:ph sz="half" idx="2"/>
+            <p:ph type="body" sz="half" idx="3"/>
           </p:nvPr>
         </p:nvSpPr>
         <p:spPr>
           <a:xfrm>
-            <a:off x="839788" y="2505075"/>
-            <a:ext cx="5157787" cy="3684588"/>
+            <a:off x="6193368" y="1859758"/>
+            <a:ext cx="5389033" cy="654843"/>
           </a:xfrm>
         </p:spPr>
         <p:txBody>
-          <a:bodyPr/>
-          <a:lstStyle/>
+          <a:bodyPr lIns="45720" tIns="0" rIns="45720" bIns="0" anchor="ctr"/>
+          <a:lstStyle>
+            <a:lvl1pPr marL="0" indent="0">
+              <a:buNone/>
+              <a:defRPr sz="2400" b="1" cap="none" baseline="0">
+                <a:solidFill>
+                  <a:schemeClr val="tx2"/>
+                </a:solidFill>
+                <a:effectLst/>
+              </a:defRPr>
+            </a:lvl1pPr>
+            <a:lvl2pPr>
+              <a:buNone/>
+              <a:defRPr sz="2000" b="1"/>
+            </a:lvl2pPr>
+            <a:lvl3pPr>
+              <a:buNone/>
+              <a:defRPr sz="1800" b="1"/>
+            </a:lvl3pPr>
+            <a:lvl4pPr>
+              <a:buNone/>
+              <a:defRPr sz="1600" b="1"/>
+            </a:lvl4pPr>
+            <a:lvl5pPr>
+              <a:buNone/>
+              <a:defRPr sz="1600" b="1"/>
+            </a:lvl5pPr>
+          </a:lstStyle>
           <a:p>
-            <a:pPr lvl="0"/>
+            <a:pPr lvl="0" eaLnBrk="1" latinLnBrk="0" hangingPunct="1"/>
             <a:r>
-              <a:rPr lang="en-US"/>
-              <a:t>Edit Master text styles</a:t>
+              <a:rPr kumimoji="0" lang="en-US" smtClean="0"/>
+              <a:t>Click to edit Master text styles</a:t>
             </a:r>
-          </a:p>
-          <a:p>
-            <a:pPr lvl="1"/>
-            <a:r>
-              <a:rPr lang="en-US"/>
-              <a:t>Second level</a:t>
-            </a:r>
-          </a:p>
-          <a:p>
-            <a:pPr lvl="2"/>
-            <a:r>
-              <a:rPr lang="en-US"/>
-              <a:t>Third level</a:t>
-            </a:r>
-          </a:p>
-          <a:p>
-            <a:pPr lvl="3"/>
-            <a:r>
-              <a:rPr lang="en-US"/>
-              <a:t>Fourth level</a:t>
-            </a:r>
-          </a:p>
-          <a:p>
-            <a:pPr lvl="4"/>
-            <a:r>
-              <a:rPr lang="en-US"/>
-              <a:t>Fifth level</a:t>
-            </a:r>
-            <a:endParaRPr lang="en-US" dirty="0"/>
           </a:p>
         </p:txBody>
       </p:sp>
       <p:sp>
         <p:nvSpPr>
-          <p:cNvPr id="5" name="Text Placeholder 4"/>
+          <p:cNvPr id="5" name="Content Placeholder 4"/>
           <p:cNvSpPr>
             <a:spLocks noGrp="1"/>
           </p:cNvSpPr>
           <p:nvPr>
-            <p:ph type="body" sz="quarter" idx="3"/>
+            <p:ph sz="quarter" idx="2"/>
           </p:nvPr>
         </p:nvSpPr>
         <p:spPr>
           <a:xfrm>
-            <a:off x="6172200" y="1681163"/>
-            <a:ext cx="5183188" cy="823912"/>
+            <a:off x="609600" y="2514600"/>
+            <a:ext cx="5386917" cy="3845720"/>
           </a:xfrm>
         </p:spPr>
         <p:txBody>
-          <a:bodyPr anchor="b"/>
+          <a:bodyPr tIns="0"/>
           <a:lstStyle>
-            <a:lvl1pPr marL="0" indent="0">
-              <a:buNone/>
-              <a:defRPr sz="2400" b="1"/>
+            <a:lvl1pPr>
+              <a:defRPr sz="2200"/>
             </a:lvl1pPr>
-            <a:lvl2pPr marL="457200" indent="0">
-              <a:buNone/>
-              <a:defRPr sz="2000" b="1"/>
+            <a:lvl2pPr>
+              <a:defRPr sz="2000"/>
             </a:lvl2pPr>
-            <a:lvl3pPr marL="914400" indent="0">
-              <a:buNone/>
-              <a:defRPr sz="1800" b="1"/>
+            <a:lvl3pPr>
+              <a:defRPr sz="1800"/>
             </a:lvl3pPr>
-            <a:lvl4pPr marL="1371600" indent="0">
-              <a:buNone/>
-              <a:defRPr sz="1600" b="1"/>
+            <a:lvl4pPr>
+              <a:defRPr sz="1600"/>
             </a:lvl4pPr>
-            <a:lvl5pPr marL="1828800" indent="0">
-              <a:buNone/>
-              <a:defRPr sz="1600" b="1"/>
+            <a:lvl5pPr>
+              <a:defRPr sz="1600"/>
             </a:lvl5pPr>
-            <a:lvl6pPr marL="2286000" indent="0">
-              <a:buNone/>
-              <a:defRPr sz="1600" b="1"/>
-            </a:lvl6pPr>
-            <a:lvl7pPr marL="2743200" indent="0">
-              <a:buNone/>
-              <a:defRPr sz="1600" b="1"/>
-            </a:lvl7pPr>
-            <a:lvl8pPr marL="3200400" indent="0">
-              <a:buNone/>
-              <a:defRPr sz="1600" b="1"/>
-            </a:lvl8pPr>
-            <a:lvl9pPr marL="3657600" indent="0">
-              <a:buNone/>
-              <a:defRPr sz="1600" b="1"/>
-            </a:lvl9pPr>
           </a:lstStyle>
           <a:p>
-            <a:pPr lvl="0"/>
+            <a:pPr lvl="0" eaLnBrk="1" latinLnBrk="0" hangingPunct="1"/>
             <a:r>
-              <a:rPr lang="en-US"/>
-              <a:t>Edit Master text styles</a:t>
+              <a:rPr lang="en-US" smtClean="0"/>
+              <a:t>Click to edit Master text styles</a:t>
             </a:r>
+          </a:p>
+          <a:p>
+            <a:pPr lvl="1" eaLnBrk="1" latinLnBrk="0" hangingPunct="1"/>
+            <a:r>
+              <a:rPr lang="en-US" smtClean="0"/>
+              <a:t>Second level</a:t>
+            </a:r>
+          </a:p>
+          <a:p>
+            <a:pPr lvl="2" eaLnBrk="1" latinLnBrk="0" hangingPunct="1"/>
+            <a:r>
+              <a:rPr lang="en-US" smtClean="0"/>
+              <a:t>Third level</a:t>
+            </a:r>
+          </a:p>
+          <a:p>
+            <a:pPr lvl="3" eaLnBrk="1" latinLnBrk="0" hangingPunct="1"/>
+            <a:r>
+              <a:rPr lang="en-US" smtClean="0"/>
+              <a:t>Fourth level</a:t>
+            </a:r>
+          </a:p>
+          <a:p>
+            <a:pPr lvl="4" eaLnBrk="1" latinLnBrk="0" hangingPunct="1"/>
+            <a:r>
+              <a:rPr lang="en-US" smtClean="0"/>
+              <a:t>Fifth level</a:t>
+            </a:r>
+            <a:endParaRPr kumimoji="0" lang="en-US"/>
           </a:p>
         </p:txBody>
       </p:sp>
@@ -7464,48 +7500,64 @@
         </p:nvSpPr>
         <p:spPr>
           <a:xfrm>
-            <a:off x="6172200" y="2505075"/>
-            <a:ext cx="5183188" cy="3684588"/>
+            <a:off x="6193368" y="2514600"/>
+            <a:ext cx="5389033" cy="3845720"/>
           </a:xfrm>
         </p:spPr>
         <p:txBody>
-          <a:bodyPr/>
-          <a:lstStyle/>
+          <a:bodyPr tIns="0"/>
+          <a:lstStyle>
+            <a:lvl1pPr>
+              <a:defRPr sz="2200"/>
+            </a:lvl1pPr>
+            <a:lvl2pPr>
+              <a:defRPr sz="2000"/>
+            </a:lvl2pPr>
+            <a:lvl3pPr>
+              <a:defRPr sz="1800"/>
+            </a:lvl3pPr>
+            <a:lvl4pPr>
+              <a:defRPr sz="1600"/>
+            </a:lvl4pPr>
+            <a:lvl5pPr>
+              <a:defRPr sz="1600"/>
+            </a:lvl5pPr>
+          </a:lstStyle>
           <a:p>
-            <a:pPr lvl="0"/>
+            <a:pPr lvl="0" eaLnBrk="1" latinLnBrk="0" hangingPunct="1"/>
             <a:r>
-              <a:rPr lang="en-US"/>
-              <a:t>Edit Master text styles</a:t>
+              <a:rPr lang="en-US" smtClean="0"/>
+              <a:t>Click to edit Master text styles</a:t>
             </a:r>
           </a:p>
           <a:p>
-            <a:pPr lvl="1"/>
+            <a:pPr lvl="1" eaLnBrk="1" latinLnBrk="0" hangingPunct="1"/>
             <a:r>
-              <a:rPr lang="en-US"/>
+              <a:rPr lang="en-US" smtClean="0"/>
               <a:t>Second level</a:t>
             </a:r>
           </a:p>
           <a:p>
-            <a:pPr lvl="2"/>
+            <a:pPr lvl="2" eaLnBrk="1" latinLnBrk="0" hangingPunct="1"/>
             <a:r>
-              <a:rPr lang="en-US"/>
+              <a:rPr lang="en-US" smtClean="0"/>
               <a:t>Third level</a:t>
             </a:r>
           </a:p>
           <a:p>
-            <a:pPr lvl="3"/>
+            <a:pPr lvl="3" eaLnBrk="1" latinLnBrk="0" hangingPunct="1"/>
             <a:r>
-              <a:rPr lang="en-US"/>
+              <a:rPr lang="en-US" smtClean="0"/>
               <a:t>Fourth level</a:t>
             </a:r>
           </a:p>
           <a:p>
-            <a:pPr lvl="4"/>
+            <a:pPr lvl="4" eaLnBrk="1" latinLnBrk="0" hangingPunct="1"/>
             <a:r>
-              <a:rPr lang="en-US"/>
+              <a:rPr lang="en-US" smtClean="0"/>
               <a:t>Fifth level</a:t>
             </a:r>
-            <a:endParaRPr lang="en-US" dirty="0"/>
+            <a:endParaRPr kumimoji="0" lang="en-US"/>
           </a:p>
         </p:txBody>
       </p:sp>
@@ -7577,11 +7629,6 @@
         </p:txBody>
       </p:sp>
     </p:spTree>
-    <p:extLst>
-      <p:ext uri="{BB962C8B-B14F-4D97-AF65-F5344CB8AC3E}">
-        <p14:creationId xmlns:p14="http://schemas.microsoft.com/office/powerpoint/2010/main" xmlns="" val="3845587079"/>
-      </p:ext>
-    </p:extLst>
   </p:cSld>
   <p:clrMapOvr>
     <a:masterClrMapping/>
@@ -7616,16 +7663,53 @@
             <p:ph type="title"/>
           </p:nvPr>
         </p:nvSpPr>
-        <p:spPr/>
+        <p:spPr>
+          <a:xfrm>
+            <a:off x="609600" y="704088"/>
+            <a:ext cx="11074400" cy="1143000"/>
+          </a:xfrm>
+        </p:spPr>
         <p:txBody>
-          <a:bodyPr/>
-          <a:lstStyle/>
+          <a:bodyPr vert="horz" tIns="45720" bIns="0" anchor="b">
+            <a:normAutofit/>
+            <a:scene3d>
+              <a:camera prst="orthographicFront"/>
+              <a:lightRig rig="freezing" dir="t">
+                <a:rot lat="0" lon="0" rev="5640000"/>
+              </a:lightRig>
+            </a:scene3d>
+            <a:sp3d prstMaterial="flat">
+              <a:contourClr>
+                <a:schemeClr val="tx2"/>
+              </a:contourClr>
+            </a:sp3d>
+          </a:bodyPr>
+          <a:lstStyle>
+            <a:lvl1pPr algn="l" rtl="0">
+              <a:spcBef>
+                <a:spcPct val="0"/>
+              </a:spcBef>
+              <a:buNone/>
+              <a:defRPr sz="5000" b="0">
+                <a:ln>
+                  <a:noFill/>
+                </a:ln>
+                <a:solidFill>
+                  <a:schemeClr val="tx2"/>
+                </a:solidFill>
+                <a:effectLst/>
+                <a:latin typeface="+mj-lt"/>
+                <a:ea typeface="+mj-ea"/>
+                <a:cs typeface="+mj-cs"/>
+              </a:defRPr>
+            </a:lvl1pPr>
+          </a:lstStyle>
           <a:p>
             <a:r>
-              <a:rPr lang="en-US"/>
+              <a:rPr kumimoji="0" lang="en-US" smtClean="0"/>
               <a:t>Click to edit Master title style</a:t>
             </a:r>
-            <a:endParaRPr lang="en-US" dirty="0"/>
+            <a:endParaRPr kumimoji="0" lang="en-US"/>
           </a:p>
         </p:txBody>
       </p:sp>
@@ -7697,11 +7781,6 @@
         </p:txBody>
       </p:sp>
     </p:spTree>
-    <p:extLst>
-      <p:ext uri="{BB962C8B-B14F-4D97-AF65-F5344CB8AC3E}">
-        <p14:creationId xmlns:p14="http://schemas.microsoft.com/office/powerpoint/2010/main" xmlns="" val="2173476234"/>
-      </p:ext>
-    </p:extLst>
   </p:cSld>
   <p:clrMapOvr>
     <a:masterClrMapping/>
@@ -7794,11 +7873,6 @@
         </p:txBody>
       </p:sp>
     </p:spTree>
-    <p:extLst>
-      <p:ext uri="{BB962C8B-B14F-4D97-AF65-F5344CB8AC3E}">
-        <p14:creationId xmlns:p14="http://schemas.microsoft.com/office/powerpoint/2010/main" xmlns="" val="1279458004"/>
-      </p:ext>
-    </p:extLst>
   </p:cSld>
   <p:clrMapOvr>
     <a:masterClrMapping/>
@@ -7835,50 +7909,116 @@
         </p:nvSpPr>
         <p:spPr>
           <a:xfrm>
-            <a:off x="838200" y="987424"/>
-            <a:ext cx="3933825" cy="1069975"/>
+            <a:off x="914400" y="514352"/>
+            <a:ext cx="3657600" cy="1162050"/>
           </a:xfrm>
         </p:spPr>
         <p:txBody>
-          <a:bodyPr anchor="b"/>
+          <a:bodyPr lIns="0" anchor="b">
+            <a:noAutofit/>
+          </a:bodyPr>
           <a:lstStyle>
-            <a:lvl1pPr>
-              <a:defRPr sz="3200"/>
+            <a:lvl1pPr algn="l" rtl="0">
+              <a:spcBef>
+                <a:spcPct val="0"/>
+              </a:spcBef>
+              <a:buNone/>
+              <a:defRPr sz="2600" b="0">
+                <a:ln>
+                  <a:noFill/>
+                </a:ln>
+                <a:solidFill>
+                  <a:schemeClr val="tx2"/>
+                </a:solidFill>
+                <a:effectLst/>
+                <a:latin typeface="+mj-lt"/>
+                <a:ea typeface="+mj-ea"/>
+                <a:cs typeface="+mj-cs"/>
+              </a:defRPr>
             </a:lvl1pPr>
           </a:lstStyle>
           <a:p>
             <a:r>
-              <a:rPr lang="en-US"/>
+              <a:rPr kumimoji="0" lang="en-US" smtClean="0"/>
               <a:t>Click to edit Master title style</a:t>
             </a:r>
-            <a:endParaRPr lang="en-US" dirty="0"/>
+            <a:endParaRPr kumimoji="0" lang="en-US"/>
           </a:p>
         </p:txBody>
       </p:sp>
       <p:sp>
         <p:nvSpPr>
-          <p:cNvPr id="3" name="Content Placeholder 2"/>
+          <p:cNvPr id="3" name="Text Placeholder 2"/>
           <p:cNvSpPr>
             <a:spLocks noGrp="1"/>
           </p:cNvSpPr>
           <p:nvPr>
-            <p:ph idx="1"/>
+            <p:ph type="body" idx="2"/>
           </p:nvPr>
         </p:nvSpPr>
         <p:spPr>
           <a:xfrm>
-            <a:off x="5172891" y="987425"/>
-            <a:ext cx="6182497" cy="4873626"/>
+            <a:off x="914400" y="1676400"/>
+            <a:ext cx="3657600" cy="4572000"/>
           </a:xfrm>
         </p:spPr>
         <p:txBody>
-          <a:bodyPr/>
+          <a:bodyPr lIns="18288" rIns="18288"/>
+          <a:lstStyle>
+            <a:lvl1pPr marL="0" indent="0" algn="l">
+              <a:buNone/>
+              <a:defRPr sz="1400"/>
+            </a:lvl1pPr>
+            <a:lvl2pPr indent="0" algn="l">
+              <a:buNone/>
+              <a:defRPr sz="1200"/>
+            </a:lvl2pPr>
+            <a:lvl3pPr indent="0" algn="l">
+              <a:buNone/>
+              <a:defRPr sz="1000"/>
+            </a:lvl3pPr>
+            <a:lvl4pPr indent="0" algn="l">
+              <a:buNone/>
+              <a:defRPr sz="900"/>
+            </a:lvl4pPr>
+            <a:lvl5pPr indent="0" algn="l">
+              <a:buNone/>
+              <a:defRPr sz="900"/>
+            </a:lvl5pPr>
+          </a:lstStyle>
+          <a:p>
+            <a:pPr lvl="0" eaLnBrk="1" latinLnBrk="0" hangingPunct="1"/>
+            <a:r>
+              <a:rPr kumimoji="0" lang="en-US" smtClean="0"/>
+              <a:t>Click to edit Master text styles</a:t>
+            </a:r>
+          </a:p>
+        </p:txBody>
+      </p:sp>
+      <p:sp>
+        <p:nvSpPr>
+          <p:cNvPr id="4" name="Content Placeholder 3"/>
+          <p:cNvSpPr>
+            <a:spLocks noGrp="1"/>
+          </p:cNvSpPr>
+          <p:nvPr>
+            <p:ph sz="half" idx="1"/>
+          </p:nvPr>
+        </p:nvSpPr>
+        <p:spPr>
+          <a:xfrm>
+            <a:off x="4766733" y="1676400"/>
+            <a:ext cx="6815667" cy="4572000"/>
+          </a:xfrm>
+        </p:spPr>
+        <p:txBody>
+          <a:bodyPr tIns="0"/>
           <a:lstStyle>
             <a:lvl1pPr>
-              <a:defRPr sz="3200"/>
+              <a:defRPr sz="2800"/>
             </a:lvl1pPr>
             <a:lvl2pPr>
-              <a:defRPr sz="2800"/>
+              <a:defRPr sz="2600"/>
             </a:lvl2pPr>
             <a:lvl3pPr>
               <a:defRPr sz="2400"/>
@@ -7887,120 +8027,44 @@
               <a:defRPr sz="2000"/>
             </a:lvl4pPr>
             <a:lvl5pPr>
-              <a:defRPr sz="2000"/>
+              <a:defRPr sz="1800"/>
             </a:lvl5pPr>
-            <a:lvl6pPr>
-              <a:defRPr sz="2000"/>
-            </a:lvl6pPr>
-            <a:lvl7pPr>
-              <a:defRPr sz="2000"/>
-            </a:lvl7pPr>
-            <a:lvl8pPr>
-              <a:defRPr sz="2000"/>
-            </a:lvl8pPr>
-            <a:lvl9pPr>
-              <a:defRPr sz="2000"/>
-            </a:lvl9pPr>
           </a:lstStyle>
           <a:p>
-            <a:pPr lvl="0"/>
+            <a:pPr lvl="0" eaLnBrk="1" latinLnBrk="0" hangingPunct="1"/>
             <a:r>
-              <a:rPr lang="en-US" dirty="0"/>
-              <a:t>Edit Master text styles</a:t>
+              <a:rPr lang="en-US" smtClean="0"/>
+              <a:t>Click to edit Master text styles</a:t>
             </a:r>
           </a:p>
           <a:p>
-            <a:pPr lvl="1"/>
+            <a:pPr lvl="1" eaLnBrk="1" latinLnBrk="0" hangingPunct="1"/>
             <a:r>
-              <a:rPr lang="en-US" dirty="0"/>
+              <a:rPr lang="en-US" smtClean="0"/>
               <a:t>Second level</a:t>
             </a:r>
           </a:p>
           <a:p>
-            <a:pPr lvl="2"/>
+            <a:pPr lvl="2" eaLnBrk="1" latinLnBrk="0" hangingPunct="1"/>
             <a:r>
-              <a:rPr lang="en-US" dirty="0"/>
+              <a:rPr lang="en-US" smtClean="0"/>
               <a:t>Third level</a:t>
             </a:r>
           </a:p>
           <a:p>
-            <a:pPr lvl="3"/>
+            <a:pPr lvl="3" eaLnBrk="1" latinLnBrk="0" hangingPunct="1"/>
             <a:r>
-              <a:rPr lang="en-US" dirty="0"/>
+              <a:rPr lang="en-US" smtClean="0"/>
               <a:t>Fourth level</a:t>
             </a:r>
           </a:p>
           <a:p>
-            <a:pPr lvl="4"/>
+            <a:pPr lvl="4" eaLnBrk="1" latinLnBrk="0" hangingPunct="1"/>
             <a:r>
-              <a:rPr lang="en-US" dirty="0"/>
+              <a:rPr lang="en-US" smtClean="0"/>
               <a:t>Fifth level</a:t>
             </a:r>
-          </a:p>
-        </p:txBody>
-      </p:sp>
-      <p:sp>
-        <p:nvSpPr>
-          <p:cNvPr id="4" name="Text Placeholder 3"/>
-          <p:cNvSpPr>
-            <a:spLocks noGrp="1"/>
-          </p:cNvSpPr>
-          <p:nvPr>
-            <p:ph type="body" sz="half" idx="2"/>
-          </p:nvPr>
-        </p:nvSpPr>
-        <p:spPr>
-          <a:xfrm>
-            <a:off x="839788" y="2057400"/>
-            <a:ext cx="3932237" cy="3811588"/>
-          </a:xfrm>
-        </p:spPr>
-        <p:txBody>
-          <a:bodyPr/>
-          <a:lstStyle>
-            <a:lvl1pPr marL="0" indent="0">
-              <a:buNone/>
-              <a:defRPr sz="1600"/>
-            </a:lvl1pPr>
-            <a:lvl2pPr marL="457200" indent="0">
-              <a:buNone/>
-              <a:defRPr sz="1400"/>
-            </a:lvl2pPr>
-            <a:lvl3pPr marL="914400" indent="0">
-              <a:buNone/>
-              <a:defRPr sz="1200"/>
-            </a:lvl3pPr>
-            <a:lvl4pPr marL="1371600" indent="0">
-              <a:buNone/>
-              <a:defRPr sz="1000"/>
-            </a:lvl4pPr>
-            <a:lvl5pPr marL="1828800" indent="0">
-              <a:buNone/>
-              <a:defRPr sz="1000"/>
-            </a:lvl5pPr>
-            <a:lvl6pPr marL="2286000" indent="0">
-              <a:buNone/>
-              <a:defRPr sz="1000"/>
-            </a:lvl6pPr>
-            <a:lvl7pPr marL="2743200" indent="0">
-              <a:buNone/>
-              <a:defRPr sz="1000"/>
-            </a:lvl7pPr>
-            <a:lvl8pPr marL="3200400" indent="0">
-              <a:buNone/>
-              <a:defRPr sz="1000"/>
-            </a:lvl8pPr>
-            <a:lvl9pPr marL="3657600" indent="0">
-              <a:buNone/>
-              <a:defRPr sz="1000"/>
-            </a:lvl9pPr>
-          </a:lstStyle>
-          <a:p>
-            <a:pPr lvl="0"/>
-            <a:r>
-              <a:rPr lang="en-US"/>
-              <a:t>Edit Master text styles</a:t>
-            </a:r>
+            <a:endParaRPr kumimoji="0" lang="en-US"/>
           </a:p>
         </p:txBody>
       </p:sp>
@@ -8072,11 +8136,6 @@
         </p:txBody>
       </p:sp>
     </p:spTree>
-    <p:extLst>
-      <p:ext uri="{BB962C8B-B14F-4D97-AF65-F5344CB8AC3E}">
-        <p14:creationId xmlns:p14="http://schemas.microsoft.com/office/powerpoint/2010/main" xmlns="" val="3104558352"/>
-      </p:ext>
-    </p:extLst>
   </p:cSld>
   <p:clrMapOvr>
     <a:masterClrMapping/>
@@ -8085,7 +8144,7 @@
 </file>
 
 <file path=ppt/slideLayouts/slideLayout9.xml><?xml version="1.0" encoding="utf-8"?>
-<p:sldLayout xmlns:a="http://schemas.openxmlformats.org/drawingml/2006/main" xmlns:r="http://schemas.openxmlformats.org/officeDocument/2006/relationships" xmlns:p="http://schemas.openxmlformats.org/presentationml/2006/main" type="picTx" preserve="1">
+<p:sldLayout xmlns:a="http://schemas.openxmlformats.org/drawingml/2006/main" xmlns:r="http://schemas.openxmlformats.org/officeDocument/2006/relationships" xmlns:p="http://schemas.openxmlformats.org/presentationml/2006/main" showMasterSp="0" type="picTx" preserve="1">
   <p:cSld name="Picture with Caption">
     <p:spTree>
       <p:nvGrpSpPr>
@@ -8103,6 +8162,118 @@
       </p:grpSpPr>
       <p:sp>
         <p:nvSpPr>
+          <p:cNvPr id="9" name="Snip and Round Single Corner Rectangle 8"/>
+          <p:cNvSpPr/>
+          <p:nvPr/>
+        </p:nvSpPr>
+        <p:spPr>
+          <a:xfrm rot="420000" flipV="1">
+            <a:off x="4221004" y="1108077"/>
+            <a:ext cx="7010400" cy="4114800"/>
+          </a:xfrm>
+          <a:prstGeom prst="snipRoundRect">
+            <a:avLst>
+              <a:gd name="adj1" fmla="val 0"/>
+              <a:gd name="adj2" fmla="val 3646"/>
+            </a:avLst>
+          </a:prstGeom>
+          <a:solidFill>
+            <a:srgbClr val="FFFFFF"/>
+          </a:solidFill>
+          <a:ln w="3175" cap="rnd" cmpd="sng" algn="ctr">
+            <a:solidFill>
+              <a:srgbClr val="C0C0C0"/>
+            </a:solidFill>
+            <a:prstDash val="solid"/>
+          </a:ln>
+          <a:effectLst>
+            <a:outerShdw blurRad="63500" dist="38500" dir="7500000" sx="98500" sy="100080" kx="100000" algn="tl" rotWithShape="0">
+              <a:srgbClr val="000000">
+                <a:alpha val="25000"/>
+              </a:srgbClr>
+            </a:outerShdw>
+          </a:effectLst>
+        </p:spPr>
+        <p:style>
+          <a:lnRef idx="2">
+            <a:schemeClr val="accent1"/>
+          </a:lnRef>
+          <a:fillRef idx="1">
+            <a:schemeClr val="accent1"/>
+          </a:fillRef>
+          <a:effectRef idx="0">
+            <a:schemeClr val="accent1"/>
+          </a:effectRef>
+          <a:fontRef idx="minor">
+            <a:schemeClr val="lt1"/>
+          </a:fontRef>
+        </p:style>
+        <p:txBody>
+          <a:bodyPr rtlCol="0" anchor="ctr"/>
+          <a:lstStyle/>
+          <a:p>
+            <a:pPr algn="ctr" eaLnBrk="1" latinLnBrk="0" hangingPunct="1"/>
+            <a:endParaRPr kumimoji="0" lang="en-US"/>
+          </a:p>
+        </p:txBody>
+      </p:sp>
+      <p:sp>
+        <p:nvSpPr>
+          <p:cNvPr id="12" name="Right Triangle 11"/>
+          <p:cNvSpPr/>
+          <p:nvPr/>
+        </p:nvSpPr>
+        <p:spPr>
+          <a:xfrm rot="420000" flipV="1">
+            <a:off x="10672179" y="5359769"/>
+            <a:ext cx="207264" cy="155448"/>
+          </a:xfrm>
+          <a:prstGeom prst="rtTriangle">
+            <a:avLst/>
+          </a:prstGeom>
+          <a:solidFill>
+            <a:srgbClr val="FFFFFF"/>
+          </a:solidFill>
+          <a:ln w="12700" cap="flat" cmpd="sng" algn="ctr">
+            <a:solidFill>
+              <a:srgbClr val="FFFFFF"/>
+            </a:solidFill>
+            <a:prstDash val="solid"/>
+            <a:bevel/>
+          </a:ln>
+          <a:effectLst>
+            <a:outerShdw blurRad="19685" dist="6350" dir="12900000" algn="tl" rotWithShape="0">
+              <a:srgbClr val="000000">
+                <a:alpha val="47000"/>
+              </a:srgbClr>
+            </a:outerShdw>
+          </a:effectLst>
+        </p:spPr>
+        <p:style>
+          <a:lnRef idx="2">
+            <a:schemeClr val="accent1"/>
+          </a:lnRef>
+          <a:fillRef idx="1">
+            <a:schemeClr val="accent1"/>
+          </a:fillRef>
+          <a:effectRef idx="0">
+            <a:schemeClr val="accent1"/>
+          </a:effectRef>
+          <a:fontRef idx="minor">
+            <a:schemeClr val="lt1"/>
+          </a:fontRef>
+        </p:style>
+        <p:txBody>
+          <a:bodyPr rtlCol="0" anchor="ctr"/>
+          <a:lstStyle/>
+          <a:p>
+            <a:pPr algn="ctr" eaLnBrk="1" latinLnBrk="0" hangingPunct="1"/>
+            <a:endParaRPr kumimoji="0" lang="en-US"/>
+          </a:p>
+        </p:txBody>
+      </p:sp>
+      <p:sp>
+        <p:nvSpPr>
           <p:cNvPr id="2" name="Title 1"/>
           <p:cNvSpPr>
             <a:spLocks noGrp="1"/>
@@ -8113,88 +8284,28 @@
         </p:nvSpPr>
         <p:spPr>
           <a:xfrm>
-            <a:off x="838200" y="987424"/>
-            <a:ext cx="3933825" cy="1069975"/>
+            <a:off x="812800" y="1176997"/>
+            <a:ext cx="2950464" cy="1582621"/>
           </a:xfrm>
         </p:spPr>
         <p:txBody>
-          <a:bodyPr anchor="b"/>
+          <a:bodyPr vert="horz" lIns="45720" tIns="45720" rIns="45720" bIns="45720" anchor="b"/>
           <a:lstStyle>
-            <a:lvl1pPr>
-              <a:defRPr sz="3200"/>
+            <a:lvl1pPr algn="l">
+              <a:buNone/>
+              <a:defRPr sz="2000" b="1">
+                <a:solidFill>
+                  <a:schemeClr val="tx2"/>
+                </a:solidFill>
+              </a:defRPr>
             </a:lvl1pPr>
           </a:lstStyle>
           <a:p>
             <a:r>
-              <a:rPr lang="en-US"/>
+              <a:rPr kumimoji="0" lang="en-US" smtClean="0"/>
               <a:t>Click to edit Master title style</a:t>
             </a:r>
-            <a:endParaRPr lang="en-US" dirty="0"/>
-          </a:p>
-        </p:txBody>
-      </p:sp>
-      <p:sp>
-        <p:nvSpPr>
-          <p:cNvPr id="3" name="Picture Placeholder 2"/>
-          <p:cNvSpPr>
-            <a:spLocks noGrp="1" noChangeAspect="1"/>
-          </p:cNvSpPr>
-          <p:nvPr>
-            <p:ph type="pic" idx="1"/>
-          </p:nvPr>
-        </p:nvSpPr>
-        <p:spPr>
-          <a:xfrm>
-            <a:off x="5183188" y="987425"/>
-            <a:ext cx="6172200" cy="4873625"/>
-          </a:xfrm>
-        </p:spPr>
-        <p:txBody>
-          <a:bodyPr anchor="t"/>
-          <a:lstStyle>
-            <a:lvl1pPr marL="0" indent="0">
-              <a:buNone/>
-              <a:defRPr sz="3200"/>
-            </a:lvl1pPr>
-            <a:lvl2pPr marL="457200" indent="0">
-              <a:buNone/>
-              <a:defRPr sz="2800"/>
-            </a:lvl2pPr>
-            <a:lvl3pPr marL="914400" indent="0">
-              <a:buNone/>
-              <a:defRPr sz="2400"/>
-            </a:lvl3pPr>
-            <a:lvl4pPr marL="1371600" indent="0">
-              <a:buNone/>
-              <a:defRPr sz="2000"/>
-            </a:lvl4pPr>
-            <a:lvl5pPr marL="1828800" indent="0">
-              <a:buNone/>
-              <a:defRPr sz="2000"/>
-            </a:lvl5pPr>
-            <a:lvl6pPr marL="2286000" indent="0">
-              <a:buNone/>
-              <a:defRPr sz="2000"/>
-            </a:lvl6pPr>
-            <a:lvl7pPr marL="2743200" indent="0">
-              <a:buNone/>
-              <a:defRPr sz="2000"/>
-            </a:lvl7pPr>
-            <a:lvl8pPr marL="3200400" indent="0">
-              <a:buNone/>
-              <a:defRPr sz="2000"/>
-            </a:lvl8pPr>
-            <a:lvl9pPr marL="3657600" indent="0">
-              <a:buNone/>
-              <a:defRPr sz="2000"/>
-            </a:lvl9pPr>
-          </a:lstStyle>
-          <a:p>
-            <a:r>
-              <a:rPr lang="en-US"/>
-              <a:t>Click icon to add picture</a:t>
-            </a:r>
-            <a:endParaRPr lang="en-US" dirty="0"/>
+            <a:endParaRPr kumimoji="0" lang="en-US"/>
           </a:p>
         </p:txBody>
       </p:sp>
@@ -8210,55 +8321,39 @@
         </p:nvSpPr>
         <p:spPr>
           <a:xfrm>
-            <a:off x="839788" y="2057400"/>
-            <a:ext cx="3932237" cy="3811588"/>
+            <a:off x="812800" y="2828785"/>
+            <a:ext cx="2946400" cy="2179320"/>
           </a:xfrm>
         </p:spPr>
         <p:txBody>
-          <a:bodyPr/>
+          <a:bodyPr lIns="64008" rIns="45720" bIns="45720" anchor="t"/>
           <a:lstStyle>
-            <a:lvl1pPr marL="0" indent="0">
+            <a:lvl1pPr marL="0" indent="0" algn="l">
+              <a:spcBef>
+                <a:spcPts val="250"/>
+              </a:spcBef>
+              <a:buFontTx/>
               <a:buNone/>
-              <a:defRPr sz="1600"/>
+              <a:defRPr sz="1300"/>
             </a:lvl1pPr>
-            <a:lvl2pPr marL="457200" indent="0">
-              <a:buNone/>
-              <a:defRPr sz="1400"/>
+            <a:lvl2pPr>
+              <a:defRPr sz="1200"/>
             </a:lvl2pPr>
-            <a:lvl3pPr marL="914400" indent="0">
-              <a:buNone/>
-              <a:defRPr sz="1200"/>
+            <a:lvl3pPr>
+              <a:defRPr sz="1000"/>
             </a:lvl3pPr>
-            <a:lvl4pPr marL="1371600" indent="0">
-              <a:buNone/>
-              <a:defRPr sz="1000"/>
+            <a:lvl4pPr>
+              <a:defRPr sz="900"/>
             </a:lvl4pPr>
-            <a:lvl5pPr marL="1828800" indent="0">
-              <a:buNone/>
-              <a:defRPr sz="1000"/>
+            <a:lvl5pPr>
+              <a:defRPr sz="900"/>
             </a:lvl5pPr>
-            <a:lvl6pPr marL="2286000" indent="0">
-              <a:buNone/>
-              <a:defRPr sz="1000"/>
-            </a:lvl6pPr>
-            <a:lvl7pPr marL="2743200" indent="0">
-              <a:buNone/>
-              <a:defRPr sz="1000"/>
-            </a:lvl7pPr>
-            <a:lvl8pPr marL="3200400" indent="0">
-              <a:buNone/>
-              <a:defRPr sz="1000"/>
-            </a:lvl8pPr>
-            <a:lvl9pPr marL="3657600" indent="0">
-              <a:buNone/>
-              <a:defRPr sz="1000"/>
-            </a:lvl9pPr>
           </a:lstStyle>
           <a:p>
-            <a:pPr lvl="0"/>
+            <a:pPr lvl="0" eaLnBrk="1" latinLnBrk="0" hangingPunct="1"/>
             <a:r>
-              <a:rPr lang="en-US"/>
-              <a:t>Edit Master text styles</a:t>
+              <a:rPr kumimoji="0" lang="en-US" smtClean="0"/>
+              <a:t>Click to edit Master text styles</a:t>
             </a:r>
           </a:p>
         </p:txBody>
@@ -8316,7 +8411,12 @@
             <p:ph type="sldNum" sz="quarter" idx="12"/>
           </p:nvPr>
         </p:nvSpPr>
-        <p:spPr/>
+        <p:spPr>
+          <a:xfrm>
+            <a:off x="10769600" y="6356351"/>
+            <a:ext cx="812800" cy="365125"/>
+          </a:xfrm>
+        </p:spPr>
         <p:txBody>
           <a:bodyPr/>
           <a:lstStyle/>
@@ -8330,12 +8430,309 @@
           </a:p>
         </p:txBody>
       </p:sp>
+      <p:sp>
+        <p:nvSpPr>
+          <p:cNvPr id="3" name="Picture Placeholder 2"/>
+          <p:cNvSpPr>
+            <a:spLocks noGrp="1"/>
+          </p:cNvSpPr>
+          <p:nvPr>
+            <p:ph type="pic" idx="1"/>
+          </p:nvPr>
+        </p:nvSpPr>
+        <p:spPr>
+          <a:xfrm rot="420000">
+            <a:off x="4647724" y="1199517"/>
+            <a:ext cx="6156960" cy="3931920"/>
+          </a:xfrm>
+          <a:prstGeom prst="rect">
+            <a:avLst/>
+          </a:prstGeom>
+          <a:solidFill>
+            <a:schemeClr val="bg2"/>
+          </a:solidFill>
+          <a:ln w="3000" cap="rnd">
+            <a:solidFill>
+              <a:srgbClr val="C0C0C0"/>
+            </a:solidFill>
+            <a:round/>
+          </a:ln>
+          <a:effectLst/>
+        </p:spPr>
+        <p:txBody>
+          <a:bodyPr/>
+          <a:lstStyle>
+            <a:lvl1pPr marL="0" indent="0">
+              <a:buNone/>
+              <a:defRPr sz="3200"/>
+            </a:lvl1pPr>
+          </a:lstStyle>
+          <a:p>
+            <a:r>
+              <a:rPr kumimoji="0" lang="en-US" smtClean="0"/>
+              <a:t>Click icon to add picture</a:t>
+            </a:r>
+            <a:endParaRPr kumimoji="0" lang="en-US" dirty="0"/>
+          </a:p>
+        </p:txBody>
+      </p:sp>
+      <p:sp>
+        <p:nvSpPr>
+          <p:cNvPr id="10" name="Freeform 9"/>
+          <p:cNvSpPr>
+            <a:spLocks/>
+          </p:cNvSpPr>
+          <p:nvPr/>
+        </p:nvSpPr>
+        <p:spPr bwMode="auto">
+          <a:xfrm flipV="1">
+            <a:off x="-12700" y="5816600"/>
+            <a:ext cx="12217400" cy="1041400"/>
+          </a:xfrm>
+          <a:custGeom>
+            <a:avLst>
+              <a:gd name="A1" fmla="val 0"/>
+              <a:gd name="A2" fmla="val 0"/>
+              <a:gd name="A3" fmla="val 0"/>
+              <a:gd name="A4" fmla="val 0"/>
+              <a:gd name="A5" fmla="val 0"/>
+              <a:gd name="A6" fmla="val 0"/>
+              <a:gd name="A7" fmla="val 0"/>
+              <a:gd name="A8" fmla="val 0"/>
+            </a:avLst>
+            <a:gdLst/>
+            <a:ahLst/>
+            <a:cxnLst>
+              <a:cxn ang="0">
+                <a:pos x="6" y="2"/>
+              </a:cxn>
+              <a:cxn ang="0">
+                <a:pos x="2542" y="0"/>
+              </a:cxn>
+              <a:cxn ang="0">
+                <a:pos x="4374" y="367"/>
+              </a:cxn>
+              <a:cxn ang="0">
+                <a:pos x="5766" y="55"/>
+              </a:cxn>
+              <a:cxn ang="0">
+                <a:pos x="5772" y="213"/>
+              </a:cxn>
+              <a:cxn ang="0">
+                <a:pos x="4302" y="439"/>
+              </a:cxn>
+              <a:cxn ang="0">
+                <a:pos x="1488" y="201"/>
+              </a:cxn>
+              <a:cxn ang="0">
+                <a:pos x="0" y="656"/>
+              </a:cxn>
+              <a:cxn ang="0">
+                <a:pos x="6" y="2"/>
+              </a:cxn>
+            </a:cxnLst>
+            <a:rect l="0" t="0" r="0" b="0"/>
+            <a:pathLst>
+              <a:path w="5772" h="656">
+                <a:moveTo>
+                  <a:pt x="6" y="2"/>
+                </a:moveTo>
+                <a:lnTo>
+                  <a:pt x="2542" y="0"/>
+                </a:lnTo>
+                <a:cubicBezTo>
+                  <a:pt x="2746" y="101"/>
+                  <a:pt x="3828" y="367"/>
+                  <a:pt x="4374" y="367"/>
+                </a:cubicBezTo>
+                <a:cubicBezTo>
+                  <a:pt x="4920" y="367"/>
+                  <a:pt x="5526" y="152"/>
+                  <a:pt x="5766" y="55"/>
+                </a:cubicBezTo>
+                <a:lnTo>
+                  <a:pt x="5772" y="213"/>
+                </a:lnTo>
+                <a:cubicBezTo>
+                  <a:pt x="5670" y="257"/>
+                  <a:pt x="5016" y="441"/>
+                  <a:pt x="4302" y="439"/>
+                </a:cubicBezTo>
+                <a:cubicBezTo>
+                  <a:pt x="3588" y="437"/>
+                  <a:pt x="2205" y="165"/>
+                  <a:pt x="1488" y="201"/>
+                </a:cubicBezTo>
+                <a:cubicBezTo>
+                  <a:pt x="750" y="209"/>
+                  <a:pt x="270" y="482"/>
+                  <a:pt x="0" y="656"/>
+                </a:cubicBezTo>
+                <a:lnTo>
+                  <a:pt x="6" y="2"/>
+                </a:lnTo>
+                <a:close/>
+              </a:path>
+            </a:pathLst>
+          </a:custGeom>
+          <a:gradFill>
+            <a:gsLst>
+              <a:gs pos="0">
+                <a:schemeClr val="accent2">
+                  <a:shade val="50000"/>
+                  <a:alpha val="45000"/>
+                  <a:satMod val="120000"/>
+                </a:schemeClr>
+              </a:gs>
+              <a:gs pos="100000">
+                <a:schemeClr val="accent3">
+                  <a:shade val="80000"/>
+                  <a:alpha val="55000"/>
+                  <a:satMod val="155000"/>
+                </a:schemeClr>
+              </a:gs>
+            </a:gsLst>
+            <a:lin ang="5400000" scaled="1"/>
+          </a:gradFill>
+          <a:ln w="9525" cap="flat" cmpd="sng" algn="ctr">
+            <a:noFill/>
+            <a:prstDash val="solid"/>
+            <a:round/>
+            <a:headEnd type="none" w="med" len="med"/>
+            <a:tailEnd type="none" w="med" len="med"/>
+          </a:ln>
+          <a:effectLst/>
+        </p:spPr>
+        <p:txBody>
+          <a:bodyPr vert="horz" wrap="square" lIns="91440" tIns="45720" rIns="91440" bIns="45720" anchor="t" compatLnSpc="1"/>
+          <a:lstStyle/>
+          <a:p>
+            <a:pPr marL="0" algn="l" rtl="0" eaLnBrk="1" latinLnBrk="0" hangingPunct="1"/>
+            <a:endParaRPr kumimoji="0" lang="en-US">
+              <a:solidFill>
+                <a:schemeClr val="tx1"/>
+              </a:solidFill>
+              <a:latin typeface="+mn-lt"/>
+              <a:ea typeface="+mn-ea"/>
+              <a:cs typeface="+mn-cs"/>
+            </a:endParaRPr>
+          </a:p>
+        </p:txBody>
+      </p:sp>
+      <p:sp>
+        <p:nvSpPr>
+          <p:cNvPr id="11" name="Freeform 10"/>
+          <p:cNvSpPr>
+            <a:spLocks/>
+          </p:cNvSpPr>
+          <p:nvPr/>
+        </p:nvSpPr>
+        <p:spPr bwMode="auto">
+          <a:xfrm flipV="1">
+            <a:off x="5842000" y="6219826"/>
+            <a:ext cx="6350000" cy="638175"/>
+          </a:xfrm>
+          <a:custGeom>
+            <a:avLst>
+              <a:gd name="A1" fmla="val 0"/>
+              <a:gd name="A2" fmla="val 0"/>
+              <a:gd name="A3" fmla="val 0"/>
+              <a:gd name="A4" fmla="val 0"/>
+              <a:gd name="A5" fmla="val 0"/>
+              <a:gd name="A6" fmla="val 0"/>
+              <a:gd name="A7" fmla="val 0"/>
+              <a:gd name="A8" fmla="val 0"/>
+            </a:avLst>
+            <a:gdLst/>
+            <a:ahLst/>
+            <a:cxnLst>
+              <a:cxn ang="0">
+                <a:pos x="0" y="0"/>
+              </a:cxn>
+              <a:cxn ang="0">
+                <a:pos x="1668" y="564"/>
+              </a:cxn>
+              <a:cxn ang="0">
+                <a:pos x="3000" y="186"/>
+              </a:cxn>
+              <a:cxn ang="0">
+                <a:pos x="3000" y="6"/>
+              </a:cxn>
+              <a:cxn ang="0">
+                <a:pos x="0" y="0"/>
+              </a:cxn>
+            </a:cxnLst>
+            <a:rect l="0" t="0" r="0" b="0"/>
+            <a:pathLst>
+              <a:path w="3000" h="595">
+                <a:moveTo>
+                  <a:pt x="0" y="0"/>
+                </a:moveTo>
+                <a:cubicBezTo>
+                  <a:pt x="174" y="102"/>
+                  <a:pt x="1168" y="533"/>
+                  <a:pt x="1668" y="564"/>
+                </a:cubicBezTo>
+                <a:cubicBezTo>
+                  <a:pt x="2168" y="595"/>
+                  <a:pt x="2778" y="279"/>
+                  <a:pt x="3000" y="186"/>
+                </a:cubicBezTo>
+                <a:lnTo>
+                  <a:pt x="3000" y="6"/>
+                </a:lnTo>
+                <a:lnTo>
+                  <a:pt x="0" y="0"/>
+                </a:lnTo>
+                <a:close/>
+              </a:path>
+            </a:pathLst>
+          </a:custGeom>
+          <a:gradFill>
+            <a:gsLst>
+              <a:gs pos="0">
+                <a:schemeClr val="accent3">
+                  <a:shade val="50000"/>
+                  <a:alpha val="30000"/>
+                  <a:satMod val="130000"/>
+                </a:schemeClr>
+              </a:gs>
+              <a:gs pos="80000">
+                <a:schemeClr val="accent2">
+                  <a:shade val="75000"/>
+                  <a:alpha val="45000"/>
+                  <a:satMod val="140000"/>
+                </a:schemeClr>
+              </a:gs>
+            </a:gsLst>
+            <a:lin ang="5400000" scaled="1"/>
+          </a:gradFill>
+          <a:ln w="9525" cap="flat" cmpd="sng" algn="ctr">
+            <a:noFill/>
+            <a:prstDash val="solid"/>
+            <a:round/>
+            <a:headEnd type="none" w="med" len="med"/>
+            <a:tailEnd type="none" w="med" len="med"/>
+          </a:ln>
+          <a:effectLst/>
+        </p:spPr>
+        <p:txBody>
+          <a:bodyPr vert="horz" wrap="square" lIns="91440" tIns="45720" rIns="91440" bIns="45720" anchor="t" compatLnSpc="1"/>
+          <a:lstStyle/>
+          <a:p>
+            <a:pPr marL="0" algn="l" rtl="0" eaLnBrk="1" latinLnBrk="0" hangingPunct="1"/>
+            <a:endParaRPr kumimoji="0" lang="en-US">
+              <a:solidFill>
+                <a:schemeClr val="tx1"/>
+              </a:solidFill>
+              <a:latin typeface="+mn-lt"/>
+              <a:ea typeface="+mn-ea"/>
+              <a:cs typeface="+mn-cs"/>
+            </a:endParaRPr>
+          </a:p>
+        </p:txBody>
+      </p:sp>
     </p:spTree>
-    <p:extLst>
-      <p:ext uri="{BB962C8B-B14F-4D97-AF65-F5344CB8AC3E}">
-        <p14:creationId xmlns:p14="http://schemas.microsoft.com/office/powerpoint/2010/main" xmlns="" val="4086360930"/>
-      </p:ext>
-    </p:extLst>
   </p:cSld>
   <p:clrMapOvr>
     <a:masterClrMapping/>
@@ -8347,7 +8744,7 @@
 <p:sldMaster xmlns:a="http://schemas.openxmlformats.org/drawingml/2006/main" xmlns:r="http://schemas.openxmlformats.org/officeDocument/2006/relationships" xmlns:p="http://schemas.openxmlformats.org/presentationml/2006/main">
   <p:cSld>
     <p:bg>
-      <p:bgRef idx="1001">
+      <p:bgRef idx="1003">
         <a:schemeClr val="bg1"/>
       </p:bgRef>
     </p:bg>
@@ -8367,7 +8764,263 @@
       </p:grpSpPr>
       <p:sp>
         <p:nvSpPr>
-          <p:cNvPr id="2" name="Title Placeholder 1"/>
+          <p:cNvPr id="7" name="Freeform 6"/>
+          <p:cNvSpPr>
+            <a:spLocks/>
+          </p:cNvSpPr>
+          <p:nvPr/>
+        </p:nvSpPr>
+        <p:spPr bwMode="auto">
+          <a:xfrm>
+            <a:off x="-12700" y="-7144"/>
+            <a:ext cx="12217400" cy="1041400"/>
+          </a:xfrm>
+          <a:custGeom>
+            <a:avLst>
+              <a:gd name="A1" fmla="val 0"/>
+              <a:gd name="A2" fmla="val 0"/>
+              <a:gd name="A3" fmla="val 0"/>
+              <a:gd name="A4" fmla="val 0"/>
+              <a:gd name="A5" fmla="val 0"/>
+              <a:gd name="A6" fmla="val 0"/>
+              <a:gd name="A7" fmla="val 0"/>
+              <a:gd name="A8" fmla="val 0"/>
+            </a:avLst>
+            <a:gdLst/>
+            <a:ahLst/>
+            <a:cxnLst>
+              <a:cxn ang="0">
+                <a:pos x="6" y="2"/>
+              </a:cxn>
+              <a:cxn ang="0">
+                <a:pos x="2542" y="0"/>
+              </a:cxn>
+              <a:cxn ang="0">
+                <a:pos x="4374" y="367"/>
+              </a:cxn>
+              <a:cxn ang="0">
+                <a:pos x="5766" y="55"/>
+              </a:cxn>
+              <a:cxn ang="0">
+                <a:pos x="5772" y="213"/>
+              </a:cxn>
+              <a:cxn ang="0">
+                <a:pos x="4302" y="439"/>
+              </a:cxn>
+              <a:cxn ang="0">
+                <a:pos x="1488" y="201"/>
+              </a:cxn>
+              <a:cxn ang="0">
+                <a:pos x="0" y="656"/>
+              </a:cxn>
+              <a:cxn ang="0">
+                <a:pos x="6" y="2"/>
+              </a:cxn>
+            </a:cxnLst>
+            <a:rect l="0" t="0" r="0" b="0"/>
+            <a:pathLst>
+              <a:path w="5772" h="656">
+                <a:moveTo>
+                  <a:pt x="6" y="2"/>
+                </a:moveTo>
+                <a:lnTo>
+                  <a:pt x="2542" y="0"/>
+                </a:lnTo>
+                <a:cubicBezTo>
+                  <a:pt x="2746" y="101"/>
+                  <a:pt x="3828" y="367"/>
+                  <a:pt x="4374" y="367"/>
+                </a:cubicBezTo>
+                <a:cubicBezTo>
+                  <a:pt x="4920" y="367"/>
+                  <a:pt x="5526" y="152"/>
+                  <a:pt x="5766" y="55"/>
+                </a:cubicBezTo>
+                <a:lnTo>
+                  <a:pt x="5772" y="213"/>
+                </a:lnTo>
+                <a:cubicBezTo>
+                  <a:pt x="5670" y="257"/>
+                  <a:pt x="5016" y="441"/>
+                  <a:pt x="4302" y="439"/>
+                </a:cubicBezTo>
+                <a:cubicBezTo>
+                  <a:pt x="3588" y="437"/>
+                  <a:pt x="2205" y="165"/>
+                  <a:pt x="1488" y="201"/>
+                </a:cubicBezTo>
+                <a:cubicBezTo>
+                  <a:pt x="750" y="209"/>
+                  <a:pt x="270" y="482"/>
+                  <a:pt x="0" y="656"/>
+                </a:cubicBezTo>
+                <a:lnTo>
+                  <a:pt x="6" y="2"/>
+                </a:lnTo>
+                <a:close/>
+              </a:path>
+            </a:pathLst>
+          </a:custGeom>
+          <a:gradFill>
+            <a:gsLst>
+              <a:gs pos="0">
+                <a:schemeClr val="accent2">
+                  <a:shade val="50000"/>
+                  <a:alpha val="45000"/>
+                  <a:satMod val="120000"/>
+                </a:schemeClr>
+              </a:gs>
+              <a:gs pos="100000">
+                <a:schemeClr val="accent3">
+                  <a:shade val="80000"/>
+                  <a:alpha val="55000"/>
+                  <a:satMod val="155000"/>
+                </a:schemeClr>
+              </a:gs>
+            </a:gsLst>
+            <a:lin ang="5400000" scaled="1"/>
+          </a:gradFill>
+          <a:ln w="9525" cap="flat" cmpd="sng" algn="ctr">
+            <a:noFill/>
+            <a:prstDash val="solid"/>
+            <a:round/>
+            <a:headEnd type="none" w="med" len="med"/>
+            <a:tailEnd type="none" w="med" len="med"/>
+          </a:ln>
+          <a:effectLst/>
+        </p:spPr>
+        <p:txBody>
+          <a:bodyPr vert="horz" wrap="square" lIns="91440" tIns="45720" rIns="91440" bIns="45720" anchor="t" compatLnSpc="1"/>
+          <a:lstStyle/>
+          <a:p>
+            <a:pPr marL="0" algn="l" rtl="0" eaLnBrk="1" latinLnBrk="0" hangingPunct="1"/>
+            <a:endParaRPr kumimoji="0" lang="en-US">
+              <a:solidFill>
+                <a:schemeClr val="tx1"/>
+              </a:solidFill>
+              <a:latin typeface="+mn-lt"/>
+              <a:ea typeface="+mn-ea"/>
+              <a:cs typeface="+mn-cs"/>
+            </a:endParaRPr>
+          </a:p>
+        </p:txBody>
+      </p:sp>
+      <p:sp>
+        <p:nvSpPr>
+          <p:cNvPr id="8" name="Freeform 7"/>
+          <p:cNvSpPr>
+            <a:spLocks/>
+          </p:cNvSpPr>
+          <p:nvPr/>
+        </p:nvSpPr>
+        <p:spPr bwMode="auto">
+          <a:xfrm>
+            <a:off x="5842000" y="-7144"/>
+            <a:ext cx="6350000" cy="638175"/>
+          </a:xfrm>
+          <a:custGeom>
+            <a:avLst>
+              <a:gd name="A1" fmla="val 0"/>
+              <a:gd name="A2" fmla="val 0"/>
+              <a:gd name="A3" fmla="val 0"/>
+              <a:gd name="A4" fmla="val 0"/>
+              <a:gd name="A5" fmla="val 0"/>
+              <a:gd name="A6" fmla="val 0"/>
+              <a:gd name="A7" fmla="val 0"/>
+              <a:gd name="A8" fmla="val 0"/>
+            </a:avLst>
+            <a:gdLst/>
+            <a:ahLst/>
+            <a:cxnLst>
+              <a:cxn ang="0">
+                <a:pos x="0" y="0"/>
+              </a:cxn>
+              <a:cxn ang="0">
+                <a:pos x="1668" y="564"/>
+              </a:cxn>
+              <a:cxn ang="0">
+                <a:pos x="3000" y="186"/>
+              </a:cxn>
+              <a:cxn ang="0">
+                <a:pos x="3000" y="6"/>
+              </a:cxn>
+              <a:cxn ang="0">
+                <a:pos x="0" y="0"/>
+              </a:cxn>
+            </a:cxnLst>
+            <a:rect l="0" t="0" r="0" b="0"/>
+            <a:pathLst>
+              <a:path w="3000" h="595">
+                <a:moveTo>
+                  <a:pt x="0" y="0"/>
+                </a:moveTo>
+                <a:cubicBezTo>
+                  <a:pt x="174" y="102"/>
+                  <a:pt x="1168" y="533"/>
+                  <a:pt x="1668" y="564"/>
+                </a:cubicBezTo>
+                <a:cubicBezTo>
+                  <a:pt x="2168" y="595"/>
+                  <a:pt x="2778" y="279"/>
+                  <a:pt x="3000" y="186"/>
+                </a:cubicBezTo>
+                <a:lnTo>
+                  <a:pt x="3000" y="6"/>
+                </a:lnTo>
+                <a:lnTo>
+                  <a:pt x="0" y="0"/>
+                </a:lnTo>
+                <a:close/>
+              </a:path>
+            </a:pathLst>
+          </a:custGeom>
+          <a:gradFill>
+            <a:gsLst>
+              <a:gs pos="0">
+                <a:schemeClr val="accent3">
+                  <a:shade val="50000"/>
+                  <a:alpha val="30000"/>
+                  <a:satMod val="130000"/>
+                </a:schemeClr>
+              </a:gs>
+              <a:gs pos="80000">
+                <a:schemeClr val="accent2">
+                  <a:shade val="75000"/>
+                  <a:alpha val="45000"/>
+                  <a:satMod val="140000"/>
+                </a:schemeClr>
+              </a:gs>
+            </a:gsLst>
+            <a:lin ang="5400000" scaled="1"/>
+          </a:gradFill>
+          <a:ln w="9525" cap="flat" cmpd="sng" algn="ctr">
+            <a:noFill/>
+            <a:prstDash val="solid"/>
+            <a:round/>
+            <a:headEnd type="none" w="med" len="med"/>
+            <a:tailEnd type="none" w="med" len="med"/>
+          </a:ln>
+          <a:effectLst/>
+        </p:spPr>
+        <p:txBody>
+          <a:bodyPr vert="horz" wrap="square" lIns="91440" tIns="45720" rIns="91440" bIns="45720" anchor="t" compatLnSpc="1"/>
+          <a:lstStyle/>
+          <a:p>
+            <a:pPr marL="0" algn="l" rtl="0" eaLnBrk="1" latinLnBrk="0" hangingPunct="1"/>
+            <a:endParaRPr kumimoji="0" lang="en-US">
+              <a:solidFill>
+                <a:schemeClr val="tx1"/>
+              </a:solidFill>
+              <a:latin typeface="+mn-lt"/>
+              <a:ea typeface="+mn-ea"/>
+              <a:cs typeface="+mn-cs"/>
+            </a:endParaRPr>
+          </a:p>
+        </p:txBody>
+      </p:sp>
+      <p:sp>
+        <p:nvSpPr>
+          <p:cNvPr id="9" name="Title Placeholder 8"/>
           <p:cNvSpPr>
             <a:spLocks noGrp="1"/>
           </p:cNvSpPr>
@@ -8377,29 +9030,30 @@
         </p:nvSpPr>
         <p:spPr>
           <a:xfrm>
-            <a:off x="1268278" y="705802"/>
-            <a:ext cx="9181075" cy="984886"/>
+            <a:off x="609600" y="704088"/>
+            <a:ext cx="10972800" cy="1143000"/>
           </a:xfrm>
           <a:prstGeom prst="rect">
             <a:avLst/>
           </a:prstGeom>
         </p:spPr>
         <p:txBody>
-          <a:bodyPr vert="horz" lIns="91440" tIns="45720" rIns="91440" bIns="45720" rtlCol="0" anchor="ctr">
+          <a:bodyPr vert="horz" lIns="0" rIns="0" bIns="0" anchor="b">
             <a:normAutofit/>
           </a:bodyPr>
           <a:lstStyle/>
           <a:p>
             <a:r>
-              <a:rPr lang="en-US" dirty="0"/>
-              <a:t>CLICK TO EDIT</a:t>
+              <a:rPr kumimoji="0" lang="en-US" smtClean="0"/>
+              <a:t>Click to edit Master title style</a:t>
             </a:r>
+            <a:endParaRPr kumimoji="0" lang="en-US"/>
           </a:p>
         </p:txBody>
       </p:sp>
       <p:sp>
         <p:nvSpPr>
-          <p:cNvPr id="3" name="Text Placeholder 2"/>
+          <p:cNvPr id="30" name="Text Placeholder 29"/>
           <p:cNvSpPr>
             <a:spLocks noGrp="1"/>
           </p:cNvSpPr>
@@ -8409,58 +9063,59 @@
         </p:nvSpPr>
         <p:spPr>
           <a:xfrm>
-            <a:off x="838200" y="1825625"/>
-            <a:ext cx="10515600" cy="4351338"/>
+            <a:off x="609600" y="1935480"/>
+            <a:ext cx="10972800" cy="4389120"/>
           </a:xfrm>
           <a:prstGeom prst="rect">
             <a:avLst/>
           </a:prstGeom>
         </p:spPr>
         <p:txBody>
-          <a:bodyPr vert="horz" lIns="91440" tIns="45720" rIns="91440" bIns="45720" rtlCol="0">
+          <a:bodyPr vert="horz">
             <a:normAutofit/>
           </a:bodyPr>
           <a:lstStyle/>
           <a:p>
-            <a:pPr lvl="0"/>
+            <a:pPr lvl="0" eaLnBrk="1" latinLnBrk="0" hangingPunct="1"/>
             <a:r>
-              <a:rPr lang="en-US" dirty="0"/>
-              <a:t>Edit Master text styles</a:t>
+              <a:rPr kumimoji="0" lang="en-US" smtClean="0"/>
+              <a:t>Click to edit Master text styles</a:t>
             </a:r>
           </a:p>
           <a:p>
-            <a:pPr lvl="1"/>
+            <a:pPr lvl="1" eaLnBrk="1" latinLnBrk="0" hangingPunct="1"/>
             <a:r>
-              <a:rPr lang="en-US" dirty="0"/>
+              <a:rPr kumimoji="0" lang="en-US" smtClean="0"/>
               <a:t>Second level</a:t>
             </a:r>
           </a:p>
           <a:p>
-            <a:pPr lvl="2"/>
+            <a:pPr lvl="2" eaLnBrk="1" latinLnBrk="0" hangingPunct="1"/>
             <a:r>
-              <a:rPr lang="en-US" dirty="0"/>
+              <a:rPr kumimoji="0" lang="en-US" smtClean="0"/>
               <a:t>Third level</a:t>
             </a:r>
           </a:p>
           <a:p>
-            <a:pPr lvl="3"/>
+            <a:pPr lvl="3" eaLnBrk="1" latinLnBrk="0" hangingPunct="1"/>
             <a:r>
-              <a:rPr lang="en-US" dirty="0"/>
+              <a:rPr kumimoji="0" lang="en-US" smtClean="0"/>
               <a:t>Fourth level</a:t>
             </a:r>
           </a:p>
           <a:p>
-            <a:pPr lvl="4"/>
+            <a:pPr lvl="4" eaLnBrk="1" latinLnBrk="0" hangingPunct="1"/>
             <a:r>
-              <a:rPr lang="en-US" dirty="0"/>
+              <a:rPr kumimoji="0" lang="en-US" smtClean="0"/>
               <a:t>Fifth level</a:t>
             </a:r>
+            <a:endParaRPr kumimoji="0" lang="en-US"/>
           </a:p>
         </p:txBody>
       </p:sp>
       <p:sp>
         <p:nvSpPr>
-          <p:cNvPr id="4" name="Date Placeholder 3"/>
+          <p:cNvPr id="10" name="Date Placeholder 9"/>
           <p:cNvSpPr>
             <a:spLocks noGrp="1"/>
           </p:cNvSpPr>
@@ -8470,21 +9125,21 @@
         </p:nvSpPr>
         <p:spPr>
           <a:xfrm>
-            <a:off x="838200" y="6356350"/>
-            <a:ext cx="2743200" cy="365125"/>
+            <a:off x="609600" y="6356351"/>
+            <a:ext cx="2844800" cy="365125"/>
           </a:xfrm>
           <a:prstGeom prst="rect">
             <a:avLst/>
           </a:prstGeom>
         </p:spPr>
         <p:txBody>
-          <a:bodyPr vert="horz" lIns="91440" tIns="45720" rIns="91440" bIns="45720" rtlCol="0" anchor="ctr"/>
+          <a:bodyPr vert="horz" lIns="0" tIns="0" rIns="0" bIns="0" anchor="b"/>
           <a:lstStyle>
-            <a:lvl1pPr algn="l">
-              <a:defRPr sz="1200">
+            <a:lvl1pPr algn="l" eaLnBrk="1" latinLnBrk="0" hangingPunct="1">
+              <a:defRPr kumimoji="0" sz="1200">
                 <a:solidFill>
-                  <a:schemeClr val="tx1">
-                    <a:tint val="75000"/>
+                  <a:schemeClr val="tx2">
+                    <a:shade val="90000"/>
                   </a:schemeClr>
                 </a:solidFill>
               </a:defRPr>
@@ -8502,7 +9157,7 @@
       </p:sp>
       <p:sp>
         <p:nvSpPr>
-          <p:cNvPr id="5" name="Footer Placeholder 4"/>
+          <p:cNvPr id="22" name="Footer Placeholder 21"/>
           <p:cNvSpPr>
             <a:spLocks noGrp="1"/>
           </p:cNvSpPr>
@@ -8512,21 +9167,21 @@
         </p:nvSpPr>
         <p:spPr>
           <a:xfrm>
-            <a:off x="4038600" y="6356350"/>
-            <a:ext cx="4114800" cy="365125"/>
+            <a:off x="3556000" y="6356351"/>
+            <a:ext cx="4470400" cy="365125"/>
           </a:xfrm>
           <a:prstGeom prst="rect">
             <a:avLst/>
           </a:prstGeom>
         </p:spPr>
         <p:txBody>
-          <a:bodyPr vert="horz" lIns="91440" tIns="45720" rIns="91440" bIns="45720" rtlCol="0" anchor="ctr"/>
+          <a:bodyPr vert="horz" lIns="0" tIns="0" rIns="0" bIns="0" anchor="b"/>
           <a:lstStyle>
-            <a:lvl1pPr algn="ctr">
-              <a:defRPr sz="1200">
+            <a:lvl1pPr algn="l" eaLnBrk="1" latinLnBrk="0" hangingPunct="1">
+              <a:defRPr kumimoji="0" sz="1200">
                 <a:solidFill>
-                  <a:schemeClr val="tx1">
-                    <a:tint val="75000"/>
+                  <a:schemeClr val="tx2">
+                    <a:shade val="90000"/>
                   </a:schemeClr>
                 </a:solidFill>
               </a:defRPr>
@@ -8534,15 +9189,16 @@
           </a:lstStyle>
           <a:p>
             <a:r>
-              <a:rPr lang="en-IN" dirty="0"/>
+              <a:rPr lang="en-IN" smtClean="0"/>
               <a:t>Investment Case Study</a:t>
             </a:r>
+            <a:endParaRPr lang="en-IN" dirty="0"/>
           </a:p>
         </p:txBody>
       </p:sp>
       <p:sp>
         <p:nvSpPr>
-          <p:cNvPr id="6" name="Slide Number Placeholder 5"/>
+          <p:cNvPr id="18" name="Slide Number Placeholder 17"/>
           <p:cNvSpPr>
             <a:spLocks noGrp="1"/>
           </p:cNvSpPr>
@@ -8552,21 +9208,21 @@
         </p:nvSpPr>
         <p:spPr>
           <a:xfrm>
-            <a:off x="8610600" y="6356350"/>
-            <a:ext cx="2743200" cy="365125"/>
+            <a:off x="10566400" y="6356351"/>
+            <a:ext cx="1016000" cy="365125"/>
           </a:xfrm>
           <a:prstGeom prst="rect">
             <a:avLst/>
           </a:prstGeom>
         </p:spPr>
         <p:txBody>
-          <a:bodyPr vert="horz" lIns="91440" tIns="45720" rIns="91440" bIns="45720" rtlCol="0" anchor="ctr"/>
+          <a:bodyPr vert="horz" lIns="0" tIns="0" rIns="0" bIns="0" anchor="b"/>
           <a:lstStyle>
-            <a:lvl1pPr algn="r">
-              <a:defRPr sz="1200">
+            <a:lvl1pPr algn="r" eaLnBrk="1" latinLnBrk="0" hangingPunct="1">
+              <a:defRPr kumimoji="0" sz="1200">
                 <a:solidFill>
-                  <a:schemeClr val="tx1">
-                    <a:tint val="75000"/>
+                  <a:schemeClr val="tx2">
+                    <a:shade val="90000"/>
                   </a:schemeClr>
                 </a:solidFill>
               </a:defRPr>
@@ -8574,15 +9230,230 @@
           </a:lstStyle>
           <a:p>
             <a:r>
-              <a:rPr lang="en-IN" dirty="0"/>
+              <a:rPr lang="en-IN" smtClean="0"/>
               <a:t>1</a:t>
             </a:r>
+            <a:endParaRPr lang="en-IN" dirty="0"/>
           </a:p>
         </p:txBody>
       </p:sp>
+      <p:grpSp>
+        <p:nvGrpSpPr>
+          <p:cNvPr id="2" name="Group 1"/>
+          <p:cNvGrpSpPr/>
+          <p:nvPr/>
+        </p:nvGrpSpPr>
+        <p:grpSpPr>
+          <a:xfrm>
+            <a:off x="-25356" y="202408"/>
+            <a:ext cx="12240731" cy="649224"/>
+            <a:chOff x="-19045" y="216550"/>
+            <a:chExt cx="9180548" cy="649224"/>
+          </a:xfrm>
+        </p:grpSpPr>
+        <p:sp>
+          <p:nvSpPr>
+            <p:cNvPr id="12" name="Freeform 11"/>
+            <p:cNvSpPr>
+              <a:spLocks/>
+            </p:cNvSpPr>
+            <p:nvPr/>
+          </p:nvSpPr>
+          <p:spPr bwMode="auto">
+            <a:xfrm rot="21435692">
+              <a:off x="-19045" y="216550"/>
+              <a:ext cx="9163050" cy="649224"/>
+            </a:xfrm>
+            <a:custGeom>
+              <a:avLst>
+                <a:gd name="A1" fmla="val 0"/>
+                <a:gd name="A2" fmla="val 0"/>
+                <a:gd name="A3" fmla="val 0"/>
+                <a:gd name="A4" fmla="val 0"/>
+                <a:gd name="A5" fmla="val 0"/>
+                <a:gd name="A6" fmla="val 0"/>
+                <a:gd name="A7" fmla="val 0"/>
+                <a:gd name="A8" fmla="val 0"/>
+              </a:avLst>
+              <a:gdLst/>
+              <a:ahLst/>
+              <a:cxnLst>
+                <a:cxn ang="0">
+                  <a:pos x="0" y="966"/>
+                </a:cxn>
+                <a:cxn ang="0">
+                  <a:pos x="1608" y="282"/>
+                </a:cxn>
+                <a:cxn ang="0">
+                  <a:pos x="4110" y="1008"/>
+                </a:cxn>
+                <a:cxn ang="0">
+                  <a:pos x="5772" y="0"/>
+                </a:cxn>
+              </a:cxnLst>
+              <a:rect l="0" t="0" r="0" b="0"/>
+              <a:pathLst>
+                <a:path w="5772" h="1055">
+                  <a:moveTo>
+                    <a:pt x="0" y="966"/>
+                  </a:moveTo>
+                  <a:cubicBezTo>
+                    <a:pt x="282" y="738"/>
+                    <a:pt x="923" y="275"/>
+                    <a:pt x="1608" y="282"/>
+                  </a:cubicBezTo>
+                  <a:cubicBezTo>
+                    <a:pt x="2293" y="289"/>
+                    <a:pt x="3416" y="1055"/>
+                    <a:pt x="4110" y="1008"/>
+                  </a:cubicBezTo>
+                  <a:cubicBezTo>
+                    <a:pt x="4804" y="961"/>
+                    <a:pt x="5426" y="210"/>
+                    <a:pt x="5772" y="0"/>
+                  </a:cubicBezTo>
+                </a:path>
+              </a:pathLst>
+            </a:custGeom>
+            <a:noFill/>
+            <a:ln w="10795" cap="flat" cmpd="sng" algn="ctr">
+              <a:gradFill>
+                <a:gsLst>
+                  <a:gs pos="74000">
+                    <a:schemeClr val="accent3">
+                      <a:shade val="75000"/>
+                    </a:schemeClr>
+                  </a:gs>
+                  <a:gs pos="86000">
+                    <a:schemeClr val="tx1">
+                      <a:alpha val="29000"/>
+                    </a:schemeClr>
+                  </a:gs>
+                  <a:gs pos="16000">
+                    <a:schemeClr val="accent2">
+                      <a:shade val="75000"/>
+                      <a:alpha val="56000"/>
+                    </a:schemeClr>
+                  </a:gs>
+                </a:gsLst>
+                <a:lin ang="5400000" scaled="1"/>
+              </a:gradFill>
+              <a:prstDash val="solid"/>
+              <a:round/>
+              <a:headEnd type="none" w="med" len="med"/>
+              <a:tailEnd type="none" w="med" len="med"/>
+            </a:ln>
+            <a:effectLst/>
+          </p:spPr>
+          <p:txBody>
+            <a:bodyPr vert="horz" wrap="square" lIns="91440" tIns="45720" rIns="91440" bIns="45720" anchor="t" compatLnSpc="1"/>
+            <a:lstStyle/>
+            <a:p>
+              <a:endParaRPr kumimoji="0" lang="en-US"/>
+            </a:p>
+          </p:txBody>
+        </p:sp>
+        <p:sp>
+          <p:nvSpPr>
+            <p:cNvPr id="13" name="Freeform 12"/>
+            <p:cNvSpPr>
+              <a:spLocks/>
+            </p:cNvSpPr>
+            <p:nvPr/>
+          </p:nvSpPr>
+          <p:spPr bwMode="auto">
+            <a:xfrm rot="21435692">
+              <a:off x="-14309" y="290003"/>
+              <a:ext cx="9175812" cy="530352"/>
+            </a:xfrm>
+            <a:custGeom>
+              <a:avLst>
+                <a:gd name="A1" fmla="val 0"/>
+                <a:gd name="A2" fmla="val 0"/>
+                <a:gd name="A3" fmla="val 0"/>
+                <a:gd name="A4" fmla="val 0"/>
+                <a:gd name="A5" fmla="val 0"/>
+                <a:gd name="A6" fmla="val 0"/>
+                <a:gd name="A7" fmla="val 0"/>
+                <a:gd name="A8" fmla="val 0"/>
+              </a:avLst>
+              <a:gdLst/>
+              <a:ahLst/>
+              <a:cxnLst>
+                <a:cxn ang="0">
+                  <a:pos x="0" y="732"/>
+                </a:cxn>
+                <a:cxn ang="0">
+                  <a:pos x="1638" y="228"/>
+                </a:cxn>
+                <a:cxn ang="0">
+                  <a:pos x="4122" y="816"/>
+                </a:cxn>
+                <a:cxn ang="0">
+                  <a:pos x="5766" y="0"/>
+                </a:cxn>
+              </a:cxnLst>
+              <a:rect l="0" t="0" r="0" b="0"/>
+              <a:pathLst>
+                <a:path w="5766" h="854">
+                  <a:moveTo>
+                    <a:pt x="0" y="732"/>
+                  </a:moveTo>
+                  <a:cubicBezTo>
+                    <a:pt x="273" y="647"/>
+                    <a:pt x="951" y="214"/>
+                    <a:pt x="1638" y="228"/>
+                  </a:cubicBezTo>
+                  <a:cubicBezTo>
+                    <a:pt x="2325" y="242"/>
+                    <a:pt x="3434" y="854"/>
+                    <a:pt x="4122" y="816"/>
+                  </a:cubicBezTo>
+                  <a:cubicBezTo>
+                    <a:pt x="4810" y="778"/>
+                    <a:pt x="5424" y="170"/>
+                    <a:pt x="5766" y="0"/>
+                  </a:cubicBezTo>
+                </a:path>
+              </a:pathLst>
+            </a:custGeom>
+            <a:noFill/>
+            <a:ln w="9525" cap="flat" cmpd="sng" algn="ctr">
+              <a:gradFill>
+                <a:gsLst>
+                  <a:gs pos="74000">
+                    <a:schemeClr val="accent4"/>
+                  </a:gs>
+                  <a:gs pos="44000">
+                    <a:schemeClr val="accent1"/>
+                  </a:gs>
+                  <a:gs pos="33000">
+                    <a:schemeClr val="accent2">
+                      <a:alpha val="56000"/>
+                    </a:schemeClr>
+                  </a:gs>
+                </a:gsLst>
+                <a:lin ang="5400000" scaled="1"/>
+              </a:gradFill>
+              <a:prstDash val="solid"/>
+              <a:round/>
+              <a:headEnd type="none" w="med" len="med"/>
+              <a:tailEnd type="none" w="med" len="med"/>
+            </a:ln>
+            <a:effectLst/>
+          </p:spPr>
+          <p:txBody>
+            <a:bodyPr vert="horz" wrap="square" lIns="91440" tIns="45720" rIns="91440" bIns="45720" anchor="t" compatLnSpc="1"/>
+            <a:lstStyle/>
+            <a:p>
+              <a:endParaRPr kumimoji="0" lang="en-US"/>
+            </a:p>
+          </p:txBody>
+        </p:sp>
+      </p:grpSp>
       <p:pic>
         <p:nvPicPr>
-          <p:cNvPr id="7" name="Picture 6"/>
+          <p:cNvPr id="14" name="Picture 13"/>
           <p:cNvPicPr>
             <a:picLocks noChangeAspect="1"/>
           </p:cNvPicPr>
@@ -8592,7 +9463,7 @@
           <a:blip r:embed="rId13">
             <a:extLst>
               <a:ext uri="{28A0092B-C50C-407E-A947-70E740481C1C}">
-                <a14:useLocalDpi xmlns:a14="http://schemas.microsoft.com/office/drawing/2010/main" xmlns="" val="0"/>
+                <a14:useLocalDpi xmlns="" xmlns:a14="http://schemas.microsoft.com/office/drawing/2010/main" val="0"/>
               </a:ext>
             </a:extLst>
           </a:blip>
@@ -8603,7 +9474,7 @@
         <p:spPr>
           <a:xfrm>
             <a:off x="10449353" y="325938"/>
-            <a:ext cx="1446786" cy="379864"/>
+            <a:ext cx="1446787" cy="379864"/>
           </a:xfrm>
           <a:prstGeom prst="rect">
             <a:avLst/>
@@ -8612,7 +9483,7 @@
       </p:pic>
       <p:pic>
         <p:nvPicPr>
-          <p:cNvPr id="8" name="Picture 7"/>
+          <p:cNvPr id="15" name="Picture 14"/>
           <p:cNvPicPr>
             <a:picLocks noChangeAspect="1"/>
           </p:cNvPicPr>
@@ -8622,8 +9493,8 @@
           <a:blip r:embed="rId14">
             <a:extLst>
               <a:ext uri="{BEBA8EAE-BF5A-486C-A8C5-ECC9F3942E4B}">
-                <a14:imgProps xmlns:a14="http://schemas.microsoft.com/office/drawing/2010/main" xmlns="">
-                  <a14:imgLayer r:embed="rId15">
+                <a14:imgProps xmlns="" xmlns:a14="http://schemas.microsoft.com/office/drawing/2010/main">
+                  <a14:imgLayer r:embed="">
                     <a14:imgEffect>
                       <a14:backgroundRemoval t="535" b="100000" l="0" r="100000">
                         <a14:foregroundMark x1="19244" y1="37433" x2="19244" y2="37433"/>
@@ -8645,7 +9516,7 @@
                 </a14:imgProps>
               </a:ext>
               <a:ext uri="{28A0092B-C50C-407E-A947-70E740481C1C}">
-                <a14:useLocalDpi xmlns:a14="http://schemas.microsoft.com/office/drawing/2010/main" xmlns="" val="0"/>
+                <a14:useLocalDpi xmlns="" xmlns:a14="http://schemas.microsoft.com/office/drawing/2010/main" val="0"/>
               </a:ext>
             </a:extLst>
           </a:blip>
@@ -8655,7 +9526,7 @@
         </p:blipFill>
         <p:spPr>
           <a:xfrm>
-            <a:off x="0" y="177766"/>
+            <a:off x="2" y="177768"/>
             <a:ext cx="1268279" cy="815011"/>
           </a:xfrm>
           <a:prstGeom prst="rect">
@@ -8664,147 +9535,149 @@
         </p:spPr>
       </p:pic>
     </p:spTree>
-    <p:extLst>
-      <p:ext uri="{BB962C8B-B14F-4D97-AF65-F5344CB8AC3E}">
-        <p14:creationId xmlns:p14="http://schemas.microsoft.com/office/powerpoint/2010/main" xmlns="" val="3153534456"/>
-      </p:ext>
-    </p:extLst>
   </p:cSld>
   <p:clrMap bg1="lt1" tx1="dk1" bg2="lt2" tx2="dk2" accent1="accent1" accent2="accent2" accent3="accent3" accent4="accent4" accent5="accent5" accent6="accent6" hlink="hlink" folHlink="folHlink"/>
   <p:sldLayoutIdLst>
-    <p:sldLayoutId id="2147483661" r:id="rId1"/>
-    <p:sldLayoutId id="2147483662" r:id="rId2"/>
-    <p:sldLayoutId id="2147483663" r:id="rId3"/>
-    <p:sldLayoutId id="2147483664" r:id="rId4"/>
-    <p:sldLayoutId id="2147483665" r:id="rId5"/>
-    <p:sldLayoutId id="2147483666" r:id="rId6"/>
-    <p:sldLayoutId id="2147483667" r:id="rId7"/>
-    <p:sldLayoutId id="2147483668" r:id="rId8"/>
-    <p:sldLayoutId id="2147483669" r:id="rId9"/>
-    <p:sldLayoutId id="2147483670" r:id="rId10"/>
-    <p:sldLayoutId id="2147483671" r:id="rId11"/>
+    <p:sldLayoutId id="2147483685" r:id="rId1"/>
+    <p:sldLayoutId id="2147483686" r:id="rId2"/>
+    <p:sldLayoutId id="2147483687" r:id="rId3"/>
+    <p:sldLayoutId id="2147483688" r:id="rId4"/>
+    <p:sldLayoutId id="2147483689" r:id="rId5"/>
+    <p:sldLayoutId id="2147483690" r:id="rId6"/>
+    <p:sldLayoutId id="2147483691" r:id="rId7"/>
+    <p:sldLayoutId id="2147483692" r:id="rId8"/>
+    <p:sldLayoutId id="2147483693" r:id="rId9"/>
+    <p:sldLayoutId id="2147483694" r:id="rId10"/>
+    <p:sldLayoutId id="2147483695" r:id="rId11"/>
   </p:sldLayoutIdLst>
   <p:txStyles>
     <p:titleStyle>
-      <a:lvl1pPr algn="l" defTabSz="914400" rtl="0" eaLnBrk="1" latinLnBrk="0" hangingPunct="1">
-        <a:lnSpc>
-          <a:spcPct val="90000"/>
-        </a:lnSpc>
+      <a:lvl1pPr algn="l" rtl="0" eaLnBrk="1" latinLnBrk="0" hangingPunct="1">
         <a:spcBef>
           <a:spcPct val="0"/>
         </a:spcBef>
         <a:buNone/>
-        <a:defRPr sz="4000" kern="1200">
+        <a:defRPr kumimoji="0" sz="5000" b="0" kern="1200">
+          <a:ln>
+            <a:noFill/>
+          </a:ln>
           <a:solidFill>
-            <a:schemeClr val="tx1"/>
+            <a:schemeClr val="tx2"/>
           </a:solidFill>
-          <a:latin typeface="Times New Roman" panose="02020603050405020304" pitchFamily="18" charset="0"/>
+          <a:effectLst/>
+          <a:latin typeface="+mj-lt"/>
           <a:ea typeface="+mj-ea"/>
-          <a:cs typeface="Times New Roman" panose="02020603050405020304" pitchFamily="18" charset="0"/>
+          <a:cs typeface="+mj-cs"/>
         </a:defRPr>
       </a:lvl1pPr>
     </p:titleStyle>
     <p:bodyStyle>
-      <a:lvl1pPr marL="228600" indent="-228600" algn="l" defTabSz="914400" rtl="0" eaLnBrk="1" latinLnBrk="0" hangingPunct="1">
-        <a:lnSpc>
-          <a:spcPct val="90000"/>
-        </a:lnSpc>
+      <a:lvl1pPr marL="274320" indent="-274320" algn="l" rtl="0" eaLnBrk="1" latinLnBrk="0" hangingPunct="1">
         <a:spcBef>
-          <a:spcPts val="1000"/>
+          <a:spcPct val="20000"/>
         </a:spcBef>
-        <a:buFont typeface="Arial" panose="020B0604020202020204" pitchFamily="34" charset="0"/>
-        <a:buChar char="•"/>
-        <a:defRPr sz="2800" kern="1200">
+        <a:buClr>
+          <a:schemeClr val="accent3"/>
+        </a:buClr>
+        <a:buSzPct val="95000"/>
+        <a:buFont typeface="Wingdings 2"/>
+        <a:buChar char=""/>
+        <a:defRPr kumimoji="0" sz="2600" kern="1200">
           <a:solidFill>
             <a:schemeClr val="tx1"/>
           </a:solidFill>
-          <a:latin typeface="Times New Roman" panose="02020603050405020304" pitchFamily="18" charset="0"/>
+          <a:latin typeface="+mn-lt"/>
           <a:ea typeface="+mn-ea"/>
-          <a:cs typeface="Times New Roman" panose="02020603050405020304" pitchFamily="18" charset="0"/>
+          <a:cs typeface="+mn-cs"/>
         </a:defRPr>
       </a:lvl1pPr>
-      <a:lvl2pPr marL="685800" indent="-228600" algn="l" defTabSz="914400" rtl="0" eaLnBrk="1" latinLnBrk="0" hangingPunct="1">
-        <a:lnSpc>
-          <a:spcPct val="90000"/>
-        </a:lnSpc>
+      <a:lvl2pPr marL="640080" indent="-246888" algn="l" rtl="0" eaLnBrk="1" latinLnBrk="0" hangingPunct="1">
         <a:spcBef>
-          <a:spcPts val="500"/>
+          <a:spcPct val="20000"/>
         </a:spcBef>
-        <a:buFont typeface="Arial" panose="020B0604020202020204" pitchFamily="34" charset="0"/>
-        <a:buChar char="•"/>
-        <a:defRPr sz="2400" kern="1200">
+        <a:buClr>
+          <a:schemeClr val="accent1"/>
+        </a:buClr>
+        <a:buSzPct val="85000"/>
+        <a:buFont typeface="Wingdings 2"/>
+        <a:buChar char=""/>
+        <a:defRPr kumimoji="0" sz="2400" kern="1200">
           <a:solidFill>
             <a:schemeClr val="tx1"/>
           </a:solidFill>
-          <a:latin typeface="Times New Roman" panose="02020603050405020304" pitchFamily="18" charset="0"/>
+          <a:latin typeface="+mn-lt"/>
           <a:ea typeface="+mn-ea"/>
-          <a:cs typeface="Times New Roman" panose="02020603050405020304" pitchFamily="18" charset="0"/>
+          <a:cs typeface="+mn-cs"/>
         </a:defRPr>
       </a:lvl2pPr>
-      <a:lvl3pPr marL="1143000" indent="-228600" algn="l" defTabSz="914400" rtl="0" eaLnBrk="1" latinLnBrk="0" hangingPunct="1">
-        <a:lnSpc>
-          <a:spcPct val="90000"/>
-        </a:lnSpc>
+      <a:lvl3pPr marL="914400" indent="-246888" algn="l" rtl="0" eaLnBrk="1" latinLnBrk="0" hangingPunct="1">
         <a:spcBef>
-          <a:spcPts val="500"/>
+          <a:spcPct val="20000"/>
         </a:spcBef>
-        <a:buFont typeface="Arial" panose="020B0604020202020204" pitchFamily="34" charset="0"/>
-        <a:buChar char="•"/>
-        <a:defRPr sz="2000" kern="1200">
+        <a:buClr>
+          <a:schemeClr val="accent2"/>
+        </a:buClr>
+        <a:buSzPct val="70000"/>
+        <a:buFont typeface="Wingdings 2"/>
+        <a:buChar char=""/>
+        <a:defRPr kumimoji="0" sz="2100" kern="1200">
           <a:solidFill>
             <a:schemeClr val="tx1"/>
           </a:solidFill>
-          <a:latin typeface="Times New Roman" panose="02020603050405020304" pitchFamily="18" charset="0"/>
+          <a:latin typeface="+mn-lt"/>
           <a:ea typeface="+mn-ea"/>
-          <a:cs typeface="Times New Roman" panose="02020603050405020304" pitchFamily="18" charset="0"/>
+          <a:cs typeface="+mn-cs"/>
         </a:defRPr>
       </a:lvl3pPr>
-      <a:lvl4pPr marL="1600200" indent="-228600" algn="l" defTabSz="914400" rtl="0" eaLnBrk="1" latinLnBrk="0" hangingPunct="1">
-        <a:lnSpc>
-          <a:spcPct val="90000"/>
-        </a:lnSpc>
+      <a:lvl4pPr marL="1188720" indent="-210312" algn="l" rtl="0" eaLnBrk="1" latinLnBrk="0" hangingPunct="1">
         <a:spcBef>
-          <a:spcPts val="500"/>
+          <a:spcPct val="20000"/>
         </a:spcBef>
-        <a:buFont typeface="Arial" panose="020B0604020202020204" pitchFamily="34" charset="0"/>
-        <a:buChar char="•"/>
-        <a:defRPr sz="1800" kern="1200">
+        <a:buClr>
+          <a:schemeClr val="accent3"/>
+        </a:buClr>
+        <a:buSzPct val="65000"/>
+        <a:buFont typeface="Wingdings 2"/>
+        <a:buChar char=""/>
+        <a:defRPr kumimoji="0" sz="2000" kern="1200">
           <a:solidFill>
             <a:schemeClr val="tx1"/>
           </a:solidFill>
-          <a:latin typeface="Times New Roman" panose="02020603050405020304" pitchFamily="18" charset="0"/>
+          <a:latin typeface="+mn-lt"/>
           <a:ea typeface="+mn-ea"/>
-          <a:cs typeface="Times New Roman" panose="02020603050405020304" pitchFamily="18" charset="0"/>
+          <a:cs typeface="+mn-cs"/>
         </a:defRPr>
       </a:lvl4pPr>
-      <a:lvl5pPr marL="2057400" indent="-228600" algn="l" defTabSz="914400" rtl="0" eaLnBrk="1" latinLnBrk="0" hangingPunct="1">
-        <a:lnSpc>
-          <a:spcPct val="90000"/>
-        </a:lnSpc>
+      <a:lvl5pPr marL="1463040" indent="-210312" algn="l" rtl="0" eaLnBrk="1" latinLnBrk="0" hangingPunct="1">
         <a:spcBef>
-          <a:spcPts val="500"/>
+          <a:spcPct val="20000"/>
         </a:spcBef>
-        <a:buFont typeface="Arial" panose="020B0604020202020204" pitchFamily="34" charset="0"/>
-        <a:buChar char="•"/>
-        <a:defRPr sz="1800" kern="1200">
+        <a:buClr>
+          <a:schemeClr val="accent4"/>
+        </a:buClr>
+        <a:buSzPct val="65000"/>
+        <a:buFont typeface="Wingdings 2"/>
+        <a:buChar char=""/>
+        <a:defRPr kumimoji="0" sz="2000" kern="1200">
           <a:solidFill>
             <a:schemeClr val="tx1"/>
           </a:solidFill>
-          <a:latin typeface="Times New Roman" panose="02020603050405020304" pitchFamily="18" charset="0"/>
+          <a:latin typeface="+mn-lt"/>
           <a:ea typeface="+mn-ea"/>
-          <a:cs typeface="Times New Roman" panose="02020603050405020304" pitchFamily="18" charset="0"/>
+          <a:cs typeface="+mn-cs"/>
         </a:defRPr>
       </a:lvl5pPr>
-      <a:lvl6pPr marL="2514600" indent="-228600" algn="l" defTabSz="914400" rtl="0" eaLnBrk="1" latinLnBrk="0" hangingPunct="1">
-        <a:lnSpc>
-          <a:spcPct val="90000"/>
-        </a:lnSpc>
+      <a:lvl6pPr marL="1737360" indent="-210312" algn="l" rtl="0" eaLnBrk="1" latinLnBrk="0" hangingPunct="1">
         <a:spcBef>
-          <a:spcPts val="500"/>
+          <a:spcPct val="20000"/>
         </a:spcBef>
-        <a:buFont typeface="Arial" panose="020B0604020202020204" pitchFamily="34" charset="0"/>
-        <a:buChar char="•"/>
-        <a:defRPr sz="1800" kern="1200">
+        <a:buClr>
+          <a:schemeClr val="accent5"/>
+        </a:buClr>
+        <a:buSzPct val="80000"/>
+        <a:buFont typeface="Wingdings 2"/>
+        <a:buChar char=""/>
+        <a:defRPr kumimoji="0" sz="1800" kern="1200">
           <a:solidFill>
             <a:schemeClr val="tx1"/>
           </a:solidFill>
@@ -8813,16 +9686,17 @@
           <a:cs typeface="+mn-cs"/>
         </a:defRPr>
       </a:lvl6pPr>
-      <a:lvl7pPr marL="2971800" indent="-228600" algn="l" defTabSz="914400" rtl="0" eaLnBrk="1" latinLnBrk="0" hangingPunct="1">
-        <a:lnSpc>
-          <a:spcPct val="90000"/>
-        </a:lnSpc>
+      <a:lvl7pPr marL="1920240" indent="-182880" algn="l" rtl="0" eaLnBrk="1" latinLnBrk="0" hangingPunct="1">
         <a:spcBef>
-          <a:spcPts val="500"/>
+          <a:spcPct val="20000"/>
         </a:spcBef>
-        <a:buFont typeface="Arial" panose="020B0604020202020204" pitchFamily="34" charset="0"/>
-        <a:buChar char="•"/>
-        <a:defRPr sz="1800" kern="1200">
+        <a:buClr>
+          <a:schemeClr val="accent6"/>
+        </a:buClr>
+        <a:buSzPct val="80000"/>
+        <a:buFont typeface="Wingdings 2"/>
+        <a:buChar char=""/>
+        <a:defRPr kumimoji="0" sz="1600" kern="1200" baseline="0">
           <a:solidFill>
             <a:schemeClr val="tx1"/>
           </a:solidFill>
@@ -8831,16 +9705,15 @@
           <a:cs typeface="+mn-cs"/>
         </a:defRPr>
       </a:lvl7pPr>
-      <a:lvl8pPr marL="3429000" indent="-228600" algn="l" defTabSz="914400" rtl="0" eaLnBrk="1" latinLnBrk="0" hangingPunct="1">
-        <a:lnSpc>
-          <a:spcPct val="90000"/>
-        </a:lnSpc>
+      <a:lvl8pPr marL="2194560" indent="-182880" algn="l" rtl="0" eaLnBrk="1" latinLnBrk="0" hangingPunct="1">
         <a:spcBef>
-          <a:spcPts val="500"/>
+          <a:spcPct val="20000"/>
         </a:spcBef>
-        <a:buFont typeface="Arial" panose="020B0604020202020204" pitchFamily="34" charset="0"/>
+        <a:buClr>
+          <a:schemeClr val="tx2"/>
+        </a:buClr>
         <a:buChar char="•"/>
-        <a:defRPr sz="1800" kern="1200">
+        <a:defRPr kumimoji="0" sz="1600" kern="1200">
           <a:solidFill>
             <a:schemeClr val="tx1"/>
           </a:solidFill>
@@ -8849,16 +9722,16 @@
           <a:cs typeface="+mn-cs"/>
         </a:defRPr>
       </a:lvl8pPr>
-      <a:lvl9pPr marL="3886200" indent="-228600" algn="l" defTabSz="914400" rtl="0" eaLnBrk="1" latinLnBrk="0" hangingPunct="1">
-        <a:lnSpc>
-          <a:spcPct val="90000"/>
-        </a:lnSpc>
+      <a:lvl9pPr marL="2468880" indent="-182880" algn="l" rtl="0" eaLnBrk="1" latinLnBrk="0" hangingPunct="1">
         <a:spcBef>
-          <a:spcPts val="500"/>
+          <a:spcPct val="20000"/>
         </a:spcBef>
-        <a:buFont typeface="Arial" panose="020B0604020202020204" pitchFamily="34" charset="0"/>
+        <a:buClr>
+          <a:schemeClr val="tx2"/>
+        </a:buClr>
+        <a:buFontTx/>
         <a:buChar char="•"/>
-        <a:defRPr sz="1800" kern="1200">
+        <a:defRPr kumimoji="0" sz="1400" kern="1200" baseline="0">
           <a:solidFill>
             <a:schemeClr val="tx1"/>
           </a:solidFill>
@@ -8869,11 +9742,8 @@
       </a:lvl9pPr>
     </p:bodyStyle>
     <p:otherStyle>
-      <a:defPPr>
-        <a:defRPr lang="en-US"/>
-      </a:defPPr>
-      <a:lvl1pPr marL="0" algn="l" defTabSz="914400" rtl="0" eaLnBrk="1" latinLnBrk="0" hangingPunct="1">
-        <a:defRPr sz="1800" kern="1200">
+      <a:lvl1pPr marL="0" algn="l" rtl="0" eaLnBrk="1" latinLnBrk="0" hangingPunct="1">
+        <a:defRPr kumimoji="0" kern="1200">
           <a:solidFill>
             <a:schemeClr val="tx1"/>
           </a:solidFill>
@@ -8882,8 +9752,8 @@
           <a:cs typeface="+mn-cs"/>
         </a:defRPr>
       </a:lvl1pPr>
-      <a:lvl2pPr marL="457200" algn="l" defTabSz="914400" rtl="0" eaLnBrk="1" latinLnBrk="0" hangingPunct="1">
-        <a:defRPr sz="1800" kern="1200">
+      <a:lvl2pPr marL="457200" algn="l" rtl="0" eaLnBrk="1" latinLnBrk="0" hangingPunct="1">
+        <a:defRPr kumimoji="0" kern="1200">
           <a:solidFill>
             <a:schemeClr val="tx1"/>
           </a:solidFill>
@@ -8892,8 +9762,8 @@
           <a:cs typeface="+mn-cs"/>
         </a:defRPr>
       </a:lvl2pPr>
-      <a:lvl3pPr marL="914400" algn="l" defTabSz="914400" rtl="0" eaLnBrk="1" latinLnBrk="0" hangingPunct="1">
-        <a:defRPr sz="1800" kern="1200">
+      <a:lvl3pPr marL="914400" algn="l" rtl="0" eaLnBrk="1" latinLnBrk="0" hangingPunct="1">
+        <a:defRPr kumimoji="0" kern="1200">
           <a:solidFill>
             <a:schemeClr val="tx1"/>
           </a:solidFill>
@@ -8902,8 +9772,8 @@
           <a:cs typeface="+mn-cs"/>
         </a:defRPr>
       </a:lvl3pPr>
-      <a:lvl4pPr marL="1371600" algn="l" defTabSz="914400" rtl="0" eaLnBrk="1" latinLnBrk="0" hangingPunct="1">
-        <a:defRPr sz="1800" kern="1200">
+      <a:lvl4pPr marL="1371600" algn="l" rtl="0" eaLnBrk="1" latinLnBrk="0" hangingPunct="1">
+        <a:defRPr kumimoji="0" kern="1200">
           <a:solidFill>
             <a:schemeClr val="tx1"/>
           </a:solidFill>
@@ -8912,8 +9782,8 @@
           <a:cs typeface="+mn-cs"/>
         </a:defRPr>
       </a:lvl4pPr>
-      <a:lvl5pPr marL="1828800" algn="l" defTabSz="914400" rtl="0" eaLnBrk="1" latinLnBrk="0" hangingPunct="1">
-        <a:defRPr sz="1800" kern="1200">
+      <a:lvl5pPr marL="1828800" algn="l" rtl="0" eaLnBrk="1" latinLnBrk="0" hangingPunct="1">
+        <a:defRPr kumimoji="0" kern="1200">
           <a:solidFill>
             <a:schemeClr val="tx1"/>
           </a:solidFill>
@@ -8922,8 +9792,8 @@
           <a:cs typeface="+mn-cs"/>
         </a:defRPr>
       </a:lvl5pPr>
-      <a:lvl6pPr marL="2286000" algn="l" defTabSz="914400" rtl="0" eaLnBrk="1" latinLnBrk="0" hangingPunct="1">
-        <a:defRPr sz="1800" kern="1200">
+      <a:lvl6pPr marL="2286000" algn="l" rtl="0" eaLnBrk="1" latinLnBrk="0" hangingPunct="1">
+        <a:defRPr kumimoji="0" kern="1200">
           <a:solidFill>
             <a:schemeClr val="tx1"/>
           </a:solidFill>
@@ -8932,8 +9802,8 @@
           <a:cs typeface="+mn-cs"/>
         </a:defRPr>
       </a:lvl6pPr>
-      <a:lvl7pPr marL="2743200" algn="l" defTabSz="914400" rtl="0" eaLnBrk="1" latinLnBrk="0" hangingPunct="1">
-        <a:defRPr sz="1800" kern="1200">
+      <a:lvl7pPr marL="2743200" algn="l" rtl="0" eaLnBrk="1" latinLnBrk="0" hangingPunct="1">
+        <a:defRPr kumimoji="0" kern="1200">
           <a:solidFill>
             <a:schemeClr val="tx1"/>
           </a:solidFill>
@@ -8942,8 +9812,8 @@
           <a:cs typeface="+mn-cs"/>
         </a:defRPr>
       </a:lvl7pPr>
-      <a:lvl8pPr marL="3200400" algn="l" defTabSz="914400" rtl="0" eaLnBrk="1" latinLnBrk="0" hangingPunct="1">
-        <a:defRPr sz="1800" kern="1200">
+      <a:lvl8pPr marL="3200400" algn="l" rtl="0" eaLnBrk="1" latinLnBrk="0" hangingPunct="1">
+        <a:defRPr kumimoji="0" kern="1200">
           <a:solidFill>
             <a:schemeClr val="tx1"/>
           </a:solidFill>
@@ -8952,8 +9822,8 @@
           <a:cs typeface="+mn-cs"/>
         </a:defRPr>
       </a:lvl8pPr>
-      <a:lvl9pPr marL="3657600" algn="l" defTabSz="914400" rtl="0" eaLnBrk="1" latinLnBrk="0" hangingPunct="1">
-        <a:defRPr sz="1800" kern="1200">
+      <a:lvl9pPr marL="3657600" algn="l" rtl="0" eaLnBrk="1" latinLnBrk="0" hangingPunct="1">
+        <a:defRPr kumimoji="0" kern="1200">
           <a:solidFill>
             <a:schemeClr val="tx1"/>
           </a:solidFill>
@@ -8970,6 +9840,34 @@
 <file path=ppt/slides/slide1.xml><?xml version="1.0" encoding="utf-8"?>
 <p:sld xmlns:a="http://schemas.openxmlformats.org/drawingml/2006/main" xmlns:r="http://schemas.openxmlformats.org/officeDocument/2006/relationships" xmlns:p="http://schemas.openxmlformats.org/presentationml/2006/main">
   <p:cSld>
+    <p:bg>
+      <p:bgPr>
+        <a:gradFill>
+          <a:gsLst>
+            <a:gs pos="0">
+              <a:schemeClr val="accent1">
+                <a:tint val="66000"/>
+                <a:satMod val="160000"/>
+              </a:schemeClr>
+            </a:gs>
+            <a:gs pos="50000">
+              <a:schemeClr val="accent1">
+                <a:tint val="44500"/>
+                <a:satMod val="160000"/>
+              </a:schemeClr>
+            </a:gs>
+            <a:gs pos="100000">
+              <a:schemeClr val="accent1">
+                <a:tint val="23500"/>
+                <a:satMod val="160000"/>
+              </a:schemeClr>
+            </a:gs>
+          </a:gsLst>
+          <a:lin ang="5400000" scaled="0"/>
+        </a:gradFill>
+        <a:effectLst/>
+      </p:bgPr>
+    </p:bg>
     <p:spTree>
       <p:nvGrpSpPr>
         <p:cNvPr id="1" name=""/>
@@ -8984,141 +9882,325 @@
           <a:chExt cx="0" cy="0"/>
         </a:xfrm>
       </p:grpSpPr>
+      <p:pic>
+        <p:nvPicPr>
+          <p:cNvPr id="17413" name="Picture 5"/>
+          <p:cNvPicPr>
+            <a:picLocks noChangeAspect="1" noChangeArrowheads="1"/>
+          </p:cNvPicPr>
+          <p:nvPr/>
+        </p:nvPicPr>
+        <p:blipFill>
+          <a:blip r:embed="rId2"/>
+          <a:srcRect/>
+          <a:stretch>
+            <a:fillRect/>
+          </a:stretch>
+        </p:blipFill>
+        <p:spPr bwMode="auto">
+          <a:xfrm>
+            <a:off x="0" y="2"/>
+            <a:ext cx="12192000" cy="6858961"/>
+          </a:xfrm>
+          <a:prstGeom prst="rect">
+            <a:avLst/>
+          </a:prstGeom>
+          <a:noFill/>
+        </p:spPr>
+      </p:pic>
+      <p:graphicFrame>
+        <p:nvGraphicFramePr>
+          <p:cNvPr id="18" name="Table 17"/>
+          <p:cNvGraphicFramePr>
+            <a:graphicFrameLocks noGrp="1"/>
+          </p:cNvGraphicFramePr>
+          <p:nvPr/>
+        </p:nvGraphicFramePr>
+        <p:xfrm>
+          <a:off x="3220997" y="2001796"/>
+          <a:ext cx="4514335" cy="361357"/>
+        </p:xfrm>
+        <a:graphic>
+          <a:graphicData uri="http://schemas.openxmlformats.org/drawingml/2006/table">
+            <a:tbl>
+              <a:tblPr/>
+              <a:tblGrid>
+                <a:gridCol w="4514335"/>
+              </a:tblGrid>
+              <a:tr h="361357">
+                <a:tc>
+                  <a:txBody>
+                    <a:bodyPr/>
+                    <a:lstStyle/>
+                    <a:p>
+                      <a:pPr algn="l">
+                        <a:lnSpc>
+                          <a:spcPct val="115000"/>
+                        </a:lnSpc>
+                        <a:spcAft>
+                          <a:spcPts val="0"/>
+                        </a:spcAft>
+                      </a:pPr>
+                      <a:r>
+                        <a:rPr lang="en-IN" sz="1750" i="0" dirty="0" err="1">
+                          <a:solidFill>
+                            <a:srgbClr val="000000"/>
+                          </a:solidFill>
+                          <a:latin typeface="Calibri Bold"/>
+                          <a:ea typeface="Times New Roman"/>
+                          <a:cs typeface="Calibri Bold"/>
+                        </a:rPr>
+                        <a:t>CredX</a:t>
+                      </a:r>
+                      <a:r>
+                        <a:rPr lang="en-IN" sz="1750" i="0" dirty="0">
+                          <a:solidFill>
+                            <a:srgbClr val="000000"/>
+                          </a:solidFill>
+                          <a:latin typeface="Calibri Bold"/>
+                          <a:ea typeface="Times New Roman"/>
+                          <a:cs typeface="Calibri Bold"/>
+                        </a:rPr>
+                        <a:t> Risk Analytics </a:t>
+                      </a:r>
+                      <a:r>
+                        <a:rPr lang="en-IN" sz="1750" i="0" dirty="0" smtClean="0">
+                          <a:solidFill>
+                            <a:srgbClr val="000000"/>
+                          </a:solidFill>
+                          <a:latin typeface="Calibri Bold"/>
+                          <a:ea typeface="Times New Roman"/>
+                          <a:cs typeface="Calibri Bold"/>
+                        </a:rPr>
+                        <a:t>Approach</a:t>
+                      </a:r>
+                      <a:r>
+                        <a:rPr lang="en-IN" sz="1750" i="0" baseline="0" dirty="0" smtClean="0">
+                          <a:solidFill>
+                            <a:srgbClr val="000000"/>
+                          </a:solidFill>
+                          <a:latin typeface="Calibri Bold"/>
+                          <a:ea typeface="Times New Roman"/>
+                          <a:cs typeface="Calibri Bold"/>
+                        </a:rPr>
+                        <a:t> Document</a:t>
+                      </a:r>
+                      <a:endParaRPr lang="en-IN" sz="1100" i="0" dirty="0">
+                        <a:latin typeface="Calibri"/>
+                        <a:ea typeface="Times New Roman"/>
+                        <a:cs typeface="Times New Roman"/>
+                      </a:endParaRPr>
+                    </a:p>
+                  </a:txBody>
+                  <a:tcPr marL="0" marR="0" marT="0" marB="0">
+                    <a:lnL>
+                      <a:noFill/>
+                    </a:lnL>
+                    <a:lnR>
+                      <a:noFill/>
+                    </a:lnR>
+                    <a:lnT>
+                      <a:noFill/>
+                    </a:lnT>
+                    <a:lnB>
+                      <a:noFill/>
+                    </a:lnB>
+                  </a:tcPr>
+                </a:tc>
+              </a:tr>
+            </a:tbl>
+          </a:graphicData>
+        </a:graphic>
+      </p:graphicFrame>
       <p:sp>
         <p:nvSpPr>
-          <p:cNvPr id="2" name="Title 1"/>
-          <p:cNvSpPr>
-            <a:spLocks noGrp="1"/>
-          </p:cNvSpPr>
-          <p:nvPr>
-            <p:ph type="ctrTitle"/>
-          </p:nvPr>
+          <p:cNvPr id="20" name="Rectangle 19"/>
+          <p:cNvSpPr/>
+          <p:nvPr/>
         </p:nvSpPr>
         <p:spPr>
           <a:xfrm>
-            <a:off x="1391478" y="344557"/>
-            <a:ext cx="9144000" cy="3193774"/>
+            <a:off x="7809472" y="4360353"/>
+            <a:ext cx="3286897" cy="1366528"/>
           </a:xfrm>
+          <a:prstGeom prst="rect">
+            <a:avLst/>
+          </a:prstGeom>
         </p:spPr>
         <p:txBody>
-          <a:bodyPr>
-            <a:normAutofit/>
+          <a:bodyPr wrap="square">
+            <a:spAutoFit/>
           </a:bodyPr>
           <a:lstStyle/>
           <a:p>
+            <a:pPr lvl="0" defTabSz="914400">
+              <a:spcBef>
+                <a:spcPct val="20000"/>
+              </a:spcBef>
+              <a:defRPr/>
+            </a:pPr>
             <a:r>
-              <a:rPr lang="en-IN" sz="2800" dirty="0" smtClean="0"/>
-              <a:t>BFS </a:t>
+              <a:rPr lang="en-IN" dirty="0" err="1" smtClean="0">
+                <a:solidFill>
+                  <a:schemeClr val="bg1"/>
+                </a:solidFill>
+              </a:rPr>
+              <a:t>Aditya</a:t>
             </a:r>
             <a:r>
-              <a:rPr lang="en-IN" sz="2800" dirty="0" smtClean="0"/>
-              <a:t>: </a:t>
+              <a:rPr lang="en-IN" dirty="0" smtClean="0">
+                <a:solidFill>
+                  <a:schemeClr val="bg1"/>
+                </a:solidFill>
+              </a:rPr>
+              <a:t> Kumar</a:t>
+            </a:r>
+          </a:p>
+          <a:p>
+            <a:pPr lvl="0" defTabSz="914400">
+              <a:spcBef>
+                <a:spcPct val="20000"/>
+              </a:spcBef>
+              <a:defRPr/>
+            </a:pPr>
+            <a:r>
+              <a:rPr lang="en-IN" dirty="0" err="1" smtClean="0">
+                <a:solidFill>
+                  <a:schemeClr val="bg1"/>
+                </a:solidFill>
+              </a:rPr>
+              <a:t>Raghuram</a:t>
             </a:r>
             <a:r>
-              <a:rPr lang="en-IN" sz="2800" dirty="0" smtClean="0"/>
-              <a:t>Capstone Approach </a:t>
+              <a:rPr lang="en-IN" dirty="0" smtClean="0">
+                <a:solidFill>
+                  <a:schemeClr val="bg1"/>
+                </a:solidFill>
+              </a:rPr>
+              <a:t> Krishnamurthy</a:t>
+            </a:r>
+          </a:p>
+          <a:p>
+            <a:pPr lvl="0" defTabSz="914400">
+              <a:spcBef>
+                <a:spcPct val="20000"/>
+              </a:spcBef>
+              <a:defRPr/>
+            </a:pPr>
+            <a:r>
+              <a:rPr lang="en-IN" dirty="0" err="1" smtClean="0">
+                <a:solidFill>
+                  <a:schemeClr val="bg1"/>
+                </a:solidFill>
+              </a:rPr>
+              <a:t>Rohit</a:t>
             </a:r>
             <a:r>
-              <a:rPr lang="en-IN" sz="2800" dirty="0"/>
-              <a:t/>
+              <a:rPr lang="en-IN" dirty="0" smtClean="0">
+                <a:solidFill>
+                  <a:schemeClr val="bg1"/>
+                </a:solidFill>
+              </a:rPr>
+              <a:t> </a:t>
             </a:r>
-            <a:br>
-              <a:rPr lang="en-IN" sz="2800" dirty="0"/>
-            </a:br>
             <a:r>
-              <a:rPr lang="en-IN" sz="2800" dirty="0"/>
-              <a:t/>
+              <a:rPr lang="en-IN" dirty="0" err="1" smtClean="0">
+                <a:solidFill>
+                  <a:schemeClr val="bg1"/>
+                </a:solidFill>
+              </a:rPr>
+              <a:t>Saini</a:t>
             </a:r>
-            <a:br>
-              <a:rPr lang="en-IN" sz="2800" dirty="0"/>
-            </a:br>
-            <a:endParaRPr lang="en-IN" sz="2800" dirty="0"/>
+            <a:endParaRPr lang="en-IN" dirty="0" smtClean="0">
+              <a:solidFill>
+                <a:schemeClr val="bg1"/>
+              </a:solidFill>
+            </a:endParaRPr>
+          </a:p>
+          <a:p>
+            <a:pPr lvl="0" defTabSz="914400">
+              <a:spcBef>
+                <a:spcPct val="20000"/>
+              </a:spcBef>
+              <a:defRPr/>
+            </a:pPr>
+            <a:r>
+              <a:rPr lang="en-IN" dirty="0" err="1" smtClean="0">
+                <a:solidFill>
+                  <a:schemeClr val="bg1"/>
+                </a:solidFill>
+              </a:rPr>
+              <a:t>Veenu</a:t>
+            </a:r>
+            <a:r>
+              <a:rPr lang="en-IN" dirty="0" smtClean="0">
+                <a:solidFill>
+                  <a:schemeClr val="bg1"/>
+                </a:solidFill>
+              </a:rPr>
+              <a:t> </a:t>
+            </a:r>
+            <a:r>
+              <a:rPr lang="en-IN" dirty="0" err="1" smtClean="0">
+                <a:solidFill>
+                  <a:schemeClr val="bg1"/>
+                </a:solidFill>
+              </a:rPr>
+              <a:t>Bhanot</a:t>
+            </a:r>
+            <a:endParaRPr lang="en-IN" dirty="0">
+              <a:solidFill>
+                <a:schemeClr val="bg1"/>
+              </a:solidFill>
+            </a:endParaRPr>
           </a:p>
         </p:txBody>
       </p:sp>
       <p:sp>
         <p:nvSpPr>
-          <p:cNvPr id="3" name="Subtitle 2"/>
-          <p:cNvSpPr>
-            <a:spLocks noGrp="1"/>
-          </p:cNvSpPr>
-          <p:nvPr>
-            <p:ph type="subTitle" idx="1"/>
-          </p:nvPr>
+          <p:cNvPr id="21" name="Rectangle 20"/>
+          <p:cNvSpPr/>
+          <p:nvPr/>
         </p:nvSpPr>
         <p:spPr>
           <a:xfrm>
-            <a:off x="388442" y="4793845"/>
-            <a:ext cx="6138856" cy="1531917"/>
+            <a:off x="1901262" y="2675923"/>
+            <a:ext cx="4254113" cy="369332"/>
           </a:xfrm>
+          <a:prstGeom prst="rect">
+            <a:avLst/>
+          </a:prstGeom>
         </p:spPr>
         <p:txBody>
-          <a:bodyPr>
-            <a:normAutofit/>
+          <a:bodyPr wrap="none">
+            <a:spAutoFit/>
           </a:bodyPr>
           <a:lstStyle/>
           <a:p>
-            <a:pPr algn="l"/>
             <a:r>
-              <a:rPr lang="en-IN" sz="1800" dirty="0" err="1" smtClean="0"/>
-              <a:t>Aditya</a:t>
+              <a:rPr lang="en-IN" dirty="0" smtClean="0"/>
+              <a:t>					   </a:t>
             </a:r>
             <a:r>
-              <a:rPr lang="en-IN" sz="1800" dirty="0" smtClean="0"/>
-              <a:t> Kumar</a:t>
+              <a:rPr lang="en-IN" dirty="0" smtClean="0">
+                <a:solidFill>
+                  <a:schemeClr val="bg1"/>
+                </a:solidFill>
+              </a:rPr>
+              <a:t>Batch : Jun-2018</a:t>
             </a:r>
-            <a:endParaRPr lang="en-IN" sz="1800" dirty="0" smtClean="0"/>
-          </a:p>
-          <a:p>
-            <a:pPr algn="l"/>
-            <a:r>
-              <a:rPr lang="en-IN" sz="1800" dirty="0" err="1" smtClean="0"/>
-              <a:t>Raghuram</a:t>
-            </a:r>
-            <a:r>
-              <a:rPr lang="en-IN" sz="1800" dirty="0" smtClean="0"/>
-              <a:t> Krishnamurthy</a:t>
-            </a:r>
-            <a:endParaRPr lang="en-IN" sz="1800" dirty="0" smtClean="0"/>
-          </a:p>
-          <a:p>
-            <a:pPr algn="l"/>
-            <a:r>
-              <a:rPr lang="en-IN" sz="1800" dirty="0" err="1" smtClean="0"/>
-              <a:t>Rohit</a:t>
-            </a:r>
-            <a:r>
-              <a:rPr lang="en-IN" sz="1800" dirty="0" smtClean="0"/>
-              <a:t> </a:t>
-            </a:r>
-            <a:r>
-              <a:rPr lang="en-IN" sz="1800" dirty="0" err="1" smtClean="0"/>
-              <a:t>Saini</a:t>
-            </a:r>
-            <a:endParaRPr lang="en-IN" sz="1800" dirty="0" smtClean="0"/>
-          </a:p>
-          <a:p>
-            <a:pPr algn="l"/>
-            <a:r>
-              <a:rPr lang="en-IN" sz="1800" dirty="0" err="1" smtClean="0"/>
-              <a:t>Veenu</a:t>
-            </a:r>
-            <a:r>
-              <a:rPr lang="en-IN" sz="1800" dirty="0" smtClean="0"/>
-              <a:t> </a:t>
-            </a:r>
-            <a:r>
-              <a:rPr lang="en-IN" sz="1800" dirty="0" err="1" smtClean="0"/>
-              <a:t>Bhanot</a:t>
-            </a:r>
-            <a:endParaRPr lang="en-IN" sz="1800" dirty="0"/>
+            <a:endParaRPr lang="en-IN" dirty="0">
+              <a:solidFill>
+                <a:schemeClr val="bg1"/>
+              </a:solidFill>
+            </a:endParaRPr>
           </a:p>
         </p:txBody>
       </p:sp>
     </p:spTree>
     <p:extLst>
       <p:ext uri="{BB962C8B-B14F-4D97-AF65-F5344CB8AC3E}">
-        <p14:creationId xmlns:p14="http://schemas.microsoft.com/office/powerpoint/2010/main" xmlns="" val="3414739867"/>
+        <p14:creationId xmlns="" xmlns:p14="http://schemas.microsoft.com/office/powerpoint/2010/main" val="3414739867"/>
       </p:ext>
     </p:extLst>
   </p:cSld>
@@ -9170,7 +10252,7 @@
       </p:sp>
       <p:pic>
         <p:nvPicPr>
-          <p:cNvPr id="32770" name="Picture 2"/>
+          <p:cNvPr id="9218" name="Picture 2"/>
           <p:cNvPicPr>
             <a:picLocks noChangeAspect="1" noChangeArrowheads="1"/>
           </p:cNvPicPr>
@@ -9185,8 +10267,8 @@
         </p:blipFill>
         <p:spPr bwMode="auto">
           <a:xfrm>
-            <a:off x="289009" y="1274949"/>
-            <a:ext cx="2442159" cy="2645340"/>
+            <a:off x="469557" y="1909862"/>
+            <a:ext cx="5412259" cy="3301124"/>
           </a:xfrm>
           <a:prstGeom prst="rect">
             <a:avLst/>
@@ -9201,9 +10283,184 @@
           <a:effectLst/>
         </p:spPr>
       </p:pic>
+      <p:graphicFrame>
+        <p:nvGraphicFramePr>
+          <p:cNvPr id="13" name="Table 12"/>
+          <p:cNvGraphicFramePr>
+            <a:graphicFrameLocks noGrp="1"/>
+          </p:cNvGraphicFramePr>
+          <p:nvPr/>
+        </p:nvGraphicFramePr>
+        <p:xfrm>
+          <a:off x="751703" y="5639726"/>
+          <a:ext cx="1066800" cy="175260"/>
+        </p:xfrm>
+        <a:graphic>
+          <a:graphicData uri="http://schemas.openxmlformats.org/drawingml/2006/table">
+            <a:tbl>
+              <a:tblPr/>
+              <a:tblGrid>
+                <a:gridCol w="1066800"/>
+              </a:tblGrid>
+              <a:tr h="0">
+                <a:tc>
+                  <a:txBody>
+                    <a:bodyPr/>
+                    <a:lstStyle/>
+                    <a:p>
+                      <a:pPr algn="l">
+                        <a:lnSpc>
+                          <a:spcPct val="115000"/>
+                        </a:lnSpc>
+                        <a:spcAft>
+                          <a:spcPts val="0"/>
+                        </a:spcAft>
+                      </a:pPr>
+                      <a:r>
+                        <a:rPr lang="en-IN" sz="1000" dirty="0">
+                          <a:solidFill>
+                            <a:srgbClr val="000000"/>
+                          </a:solidFill>
+                          <a:latin typeface="Calibri Bold"/>
+                          <a:ea typeface="Times New Roman"/>
+                          <a:cs typeface="Calibri Bold"/>
+                        </a:rPr>
+                        <a:t>Observation </a:t>
+                      </a:r>
+                      <a:r>
+                        <a:rPr lang="en-IN" sz="900" dirty="0">
+                          <a:solidFill>
+                            <a:srgbClr val="000000"/>
+                          </a:solidFill>
+                          <a:latin typeface="Calibri Bold"/>
+                          <a:ea typeface="Times New Roman"/>
+                          <a:cs typeface="Calibri Bold"/>
+                        </a:rPr>
+                        <a:t>:</a:t>
+                      </a:r>
+                      <a:endParaRPr lang="en-IN" sz="1100" dirty="0">
+                        <a:latin typeface="Calibri"/>
+                        <a:ea typeface="Times New Roman"/>
+                        <a:cs typeface="Times New Roman"/>
+                      </a:endParaRPr>
+                    </a:p>
+                  </a:txBody>
+                  <a:tcPr marL="0" marR="0" marT="0" marB="0">
+                    <a:lnL>
+                      <a:noFill/>
+                    </a:lnL>
+                    <a:lnR>
+                      <a:noFill/>
+                    </a:lnR>
+                    <a:lnT>
+                      <a:noFill/>
+                    </a:lnT>
+                    <a:lnB>
+                      <a:noFill/>
+                    </a:lnB>
+                  </a:tcPr>
+                </a:tc>
+              </a:tr>
+            </a:tbl>
+          </a:graphicData>
+        </a:graphic>
+      </p:graphicFrame>
+      <p:graphicFrame>
+        <p:nvGraphicFramePr>
+          <p:cNvPr id="14" name="Table 13"/>
+          <p:cNvGraphicFramePr>
+            <a:graphicFrameLocks noGrp="1"/>
+          </p:cNvGraphicFramePr>
+          <p:nvPr/>
+        </p:nvGraphicFramePr>
+        <p:xfrm>
+          <a:off x="1680647" y="5648489"/>
+          <a:ext cx="2619375" cy="305308"/>
+        </p:xfrm>
+        <a:graphic>
+          <a:graphicData uri="http://schemas.openxmlformats.org/drawingml/2006/table">
+            <a:tbl>
+              <a:tblPr/>
+              <a:tblGrid>
+                <a:gridCol w="2619375"/>
+              </a:tblGrid>
+              <a:tr h="0">
+                <a:tc>
+                  <a:txBody>
+                    <a:bodyPr/>
+                    <a:lstStyle/>
+                    <a:p>
+                      <a:pPr algn="l">
+                        <a:lnSpc>
+                          <a:spcPct val="115000"/>
+                        </a:lnSpc>
+                        <a:spcAft>
+                          <a:spcPts val="0"/>
+                        </a:spcAft>
+                      </a:pPr>
+                      <a:r>
+                        <a:rPr lang="en-IN" sz="900" dirty="0" smtClean="0">
+                          <a:solidFill>
+                            <a:srgbClr val="006FC0"/>
+                          </a:solidFill>
+                          <a:latin typeface="Calibri Italic"/>
+                          <a:ea typeface="Times New Roman"/>
+                          <a:cs typeface="Calibri Italic"/>
+                        </a:rPr>
+                        <a:t>Less</a:t>
+                      </a:r>
+                      <a:r>
+                        <a:rPr lang="en-IN" sz="900" baseline="0" dirty="0" smtClean="0">
+                          <a:solidFill>
+                            <a:srgbClr val="006FC0"/>
+                          </a:solidFill>
+                          <a:latin typeface="Calibri Italic"/>
+                          <a:ea typeface="Times New Roman"/>
+                          <a:cs typeface="Calibri Italic"/>
+                        </a:rPr>
+                        <a:t> no of months in current company seems to be more defaulted case</a:t>
+                      </a:r>
+                      <a:r>
+                        <a:rPr lang="en-IN" sz="900" dirty="0" smtClean="0">
+                          <a:solidFill>
+                            <a:srgbClr val="006FC0"/>
+                          </a:solidFill>
+                          <a:latin typeface="Calibri Italic"/>
+                          <a:ea typeface="Times New Roman"/>
+                          <a:cs typeface="Calibri Italic"/>
+                        </a:rPr>
+                        <a:t>.</a:t>
+                      </a:r>
+                      <a:endParaRPr lang="en-IN" sz="1100" dirty="0">
+                        <a:latin typeface="Calibri"/>
+                        <a:ea typeface="Times New Roman"/>
+                        <a:cs typeface="Times New Roman"/>
+                      </a:endParaRPr>
+                    </a:p>
+                  </a:txBody>
+                  <a:tcPr marL="0" marR="0" marT="0" marB="0">
+                    <a:lnL>
+                      <a:noFill/>
+                    </a:lnL>
+                    <a:lnR>
+                      <a:noFill/>
+                    </a:lnR>
+                    <a:lnT>
+                      <a:noFill/>
+                    </a:lnT>
+                    <a:lnB>
+                      <a:noFill/>
+                    </a:lnB>
+                  </a:tcPr>
+                </a:tc>
+              </a:tr>
+            </a:tbl>
+          </a:graphicData>
+        </a:graphic>
+      </p:graphicFrame>
       <p:pic>
         <p:nvPicPr>
-          <p:cNvPr id="32771" name="Picture 3"/>
+          <p:cNvPr id="9219" name="Picture 3"/>
           <p:cNvPicPr>
             <a:picLocks noChangeAspect="1" noChangeArrowheads="1"/>
           </p:cNvPicPr>
@@ -9218,8 +10475,8 @@
         </p:blipFill>
         <p:spPr bwMode="auto">
           <a:xfrm>
-            <a:off x="3001127" y="1289127"/>
-            <a:ext cx="2497303" cy="2687535"/>
+            <a:off x="6359611" y="1886465"/>
+            <a:ext cx="5633907" cy="3369750"/>
           </a:xfrm>
           <a:prstGeom prst="rect">
             <a:avLst/>
@@ -9234,138 +10491,181 @@
           <a:effectLst/>
         </p:spPr>
       </p:pic>
-      <p:pic>
-        <p:nvPicPr>
-          <p:cNvPr id="32772" name="Picture 4"/>
-          <p:cNvPicPr>
-            <a:picLocks noChangeAspect="1" noChangeArrowheads="1"/>
-          </p:cNvPicPr>
+      <p:graphicFrame>
+        <p:nvGraphicFramePr>
+          <p:cNvPr id="16" name="Table 15"/>
+          <p:cNvGraphicFramePr>
+            <a:graphicFrameLocks noGrp="1"/>
+          </p:cNvGraphicFramePr>
           <p:nvPr/>
-        </p:nvPicPr>
-        <p:blipFill>
-          <a:blip r:embed="rId4"/>
-          <a:srcRect/>
-          <a:stretch>
-            <a:fillRect/>
-          </a:stretch>
-        </p:blipFill>
-        <p:spPr bwMode="auto">
-          <a:xfrm>
-            <a:off x="6009024" y="1275622"/>
-            <a:ext cx="2581524" cy="2786540"/>
-          </a:xfrm>
-          <a:prstGeom prst="rect">
-            <a:avLst/>
-          </a:prstGeom>
-          <a:noFill/>
-          <a:ln w="9525">
-            <a:noFill/>
-            <a:miter lim="800000"/>
-            <a:headEnd/>
-            <a:tailEnd/>
-          </a:ln>
-          <a:effectLst/>
-        </p:spPr>
-      </p:pic>
-      <p:pic>
-        <p:nvPicPr>
-          <p:cNvPr id="32776" name="Picture 8"/>
-          <p:cNvPicPr>
-            <a:picLocks noChangeAspect="1" noChangeArrowheads="1"/>
-          </p:cNvPicPr>
+        </p:nvGraphicFramePr>
+        <p:xfrm>
+          <a:off x="7115433" y="5643845"/>
+          <a:ext cx="1066800" cy="175260"/>
+        </p:xfrm>
+        <a:graphic>
+          <a:graphicData uri="http://schemas.openxmlformats.org/drawingml/2006/table">
+            <a:tbl>
+              <a:tblPr/>
+              <a:tblGrid>
+                <a:gridCol w="1066800"/>
+              </a:tblGrid>
+              <a:tr h="0">
+                <a:tc>
+                  <a:txBody>
+                    <a:bodyPr/>
+                    <a:lstStyle/>
+                    <a:p>
+                      <a:pPr algn="l">
+                        <a:lnSpc>
+                          <a:spcPct val="115000"/>
+                        </a:lnSpc>
+                        <a:spcAft>
+                          <a:spcPts val="0"/>
+                        </a:spcAft>
+                      </a:pPr>
+                      <a:r>
+                        <a:rPr lang="en-IN" sz="1000" dirty="0">
+                          <a:solidFill>
+                            <a:srgbClr val="000000"/>
+                          </a:solidFill>
+                          <a:latin typeface="Calibri Bold"/>
+                          <a:ea typeface="Times New Roman"/>
+                          <a:cs typeface="Calibri Bold"/>
+                        </a:rPr>
+                        <a:t>Observation </a:t>
+                      </a:r>
+                      <a:r>
+                        <a:rPr lang="en-IN" sz="900" dirty="0">
+                          <a:solidFill>
+                            <a:srgbClr val="000000"/>
+                          </a:solidFill>
+                          <a:latin typeface="Calibri Bold"/>
+                          <a:ea typeface="Times New Roman"/>
+                          <a:cs typeface="Calibri Bold"/>
+                        </a:rPr>
+                        <a:t>:</a:t>
+                      </a:r>
+                      <a:endParaRPr lang="en-IN" sz="1100" dirty="0">
+                        <a:latin typeface="Calibri"/>
+                        <a:ea typeface="Times New Roman"/>
+                        <a:cs typeface="Times New Roman"/>
+                      </a:endParaRPr>
+                    </a:p>
+                  </a:txBody>
+                  <a:tcPr marL="0" marR="0" marT="0" marB="0">
+                    <a:lnL>
+                      <a:noFill/>
+                    </a:lnL>
+                    <a:lnR>
+                      <a:noFill/>
+                    </a:lnR>
+                    <a:lnT>
+                      <a:noFill/>
+                    </a:lnT>
+                    <a:lnB>
+                      <a:noFill/>
+                    </a:lnB>
+                  </a:tcPr>
+                </a:tc>
+              </a:tr>
+            </a:tbl>
+          </a:graphicData>
+        </a:graphic>
+      </p:graphicFrame>
+      <p:graphicFrame>
+        <p:nvGraphicFramePr>
+          <p:cNvPr id="17" name="Table 16"/>
+          <p:cNvGraphicFramePr>
+            <a:graphicFrameLocks noGrp="1"/>
+          </p:cNvGraphicFramePr>
           <p:nvPr/>
-        </p:nvPicPr>
-        <p:blipFill>
-          <a:blip r:embed="rId5"/>
-          <a:srcRect/>
-          <a:stretch>
-            <a:fillRect/>
-          </a:stretch>
-        </p:blipFill>
-        <p:spPr bwMode="auto">
-          <a:xfrm>
-            <a:off x="9084094" y="1287378"/>
-            <a:ext cx="2491675" cy="2707105"/>
-          </a:xfrm>
-          <a:prstGeom prst="rect">
-            <a:avLst/>
-          </a:prstGeom>
-          <a:noFill/>
-          <a:ln w="9525">
-            <a:noFill/>
-            <a:miter lim="800000"/>
-            <a:headEnd/>
-            <a:tailEnd/>
-          </a:ln>
-          <a:effectLst/>
-        </p:spPr>
-      </p:pic>
-      <p:pic>
-        <p:nvPicPr>
-          <p:cNvPr id="32777" name="Picture 9"/>
-          <p:cNvPicPr>
-            <a:picLocks noChangeAspect="1" noChangeArrowheads="1"/>
-          </p:cNvPicPr>
-          <p:nvPr/>
-        </p:nvPicPr>
-        <p:blipFill>
-          <a:blip r:embed="rId6"/>
-          <a:srcRect/>
-          <a:stretch>
-            <a:fillRect/>
-          </a:stretch>
-        </p:blipFill>
-        <p:spPr bwMode="auto">
-          <a:xfrm>
-            <a:off x="3475119" y="4160042"/>
-            <a:ext cx="2480511" cy="2697958"/>
-          </a:xfrm>
-          <a:prstGeom prst="rect">
-            <a:avLst/>
-          </a:prstGeom>
-          <a:noFill/>
-          <a:ln w="9525">
-            <a:noFill/>
-            <a:miter lim="800000"/>
-            <a:headEnd/>
-            <a:tailEnd/>
-          </a:ln>
-          <a:effectLst/>
-        </p:spPr>
-      </p:pic>
-      <p:pic>
-        <p:nvPicPr>
-          <p:cNvPr id="32778" name="Picture 10"/>
-          <p:cNvPicPr>
-            <a:picLocks noChangeAspect="1" noChangeArrowheads="1"/>
-          </p:cNvPicPr>
-          <p:nvPr/>
-        </p:nvPicPr>
-        <p:blipFill>
-          <a:blip r:embed="rId7"/>
-          <a:srcRect/>
-          <a:stretch>
-            <a:fillRect/>
-          </a:stretch>
-        </p:blipFill>
-        <p:spPr bwMode="auto">
-          <a:xfrm>
-            <a:off x="383007" y="4063719"/>
-            <a:ext cx="2576762" cy="2794281"/>
-          </a:xfrm>
-          <a:prstGeom prst="rect">
-            <a:avLst/>
-          </a:prstGeom>
-          <a:noFill/>
-          <a:ln w="9525">
-            <a:noFill/>
-            <a:miter lim="800000"/>
-            <a:headEnd/>
-            <a:tailEnd/>
-          </a:ln>
-          <a:effectLst/>
-        </p:spPr>
-      </p:pic>
+        </p:nvGraphicFramePr>
+        <p:xfrm>
+          <a:off x="8044377" y="5652608"/>
+          <a:ext cx="2619375" cy="305308"/>
+        </p:xfrm>
+        <a:graphic>
+          <a:graphicData uri="http://schemas.openxmlformats.org/drawingml/2006/table">
+            <a:tbl>
+              <a:tblPr/>
+              <a:tblGrid>
+                <a:gridCol w="2619375"/>
+              </a:tblGrid>
+              <a:tr h="0">
+                <a:tc>
+                  <a:txBody>
+                    <a:bodyPr/>
+                    <a:lstStyle/>
+                    <a:p>
+                      <a:pPr algn="l">
+                        <a:lnSpc>
+                          <a:spcPct val="115000"/>
+                        </a:lnSpc>
+                        <a:spcAft>
+                          <a:spcPts val="0"/>
+                        </a:spcAft>
+                      </a:pPr>
+                      <a:r>
+                        <a:rPr lang="en-IN" sz="900" dirty="0" smtClean="0">
+                          <a:solidFill>
+                            <a:srgbClr val="006FC0"/>
+                          </a:solidFill>
+                          <a:latin typeface="Calibri Italic"/>
+                          <a:ea typeface="Times New Roman"/>
+                          <a:cs typeface="Calibri Italic"/>
+                        </a:rPr>
+                        <a:t>Less</a:t>
+                      </a:r>
+                      <a:r>
+                        <a:rPr lang="en-IN" sz="900" baseline="0" dirty="0" smtClean="0">
+                          <a:solidFill>
+                            <a:srgbClr val="006FC0"/>
+                          </a:solidFill>
+                          <a:latin typeface="Calibri Italic"/>
+                          <a:ea typeface="Times New Roman"/>
+                          <a:cs typeface="Calibri Italic"/>
+                        </a:rPr>
+                        <a:t> no of months in current residence seems to be more defaulted case</a:t>
+                      </a:r>
+                      <a:r>
+                        <a:rPr lang="en-IN" sz="900" dirty="0" smtClean="0">
+                          <a:solidFill>
+                            <a:srgbClr val="006FC0"/>
+                          </a:solidFill>
+                          <a:latin typeface="Calibri Italic"/>
+                          <a:ea typeface="Times New Roman"/>
+                          <a:cs typeface="Calibri Italic"/>
+                        </a:rPr>
+                        <a:t>.</a:t>
+                      </a:r>
+                      <a:endParaRPr lang="en-IN" sz="1100" dirty="0">
+                        <a:latin typeface="Calibri"/>
+                        <a:ea typeface="Times New Roman"/>
+                        <a:cs typeface="Times New Roman"/>
+                      </a:endParaRPr>
+                    </a:p>
+                  </a:txBody>
+                  <a:tcPr marL="0" marR="0" marT="0" marB="0">
+                    <a:lnL>
+                      <a:noFill/>
+                    </a:lnL>
+                    <a:lnR>
+                      <a:noFill/>
+                    </a:lnR>
+                    <a:lnT>
+                      <a:noFill/>
+                    </a:lnT>
+                    <a:lnB>
+                      <a:noFill/>
+                    </a:lnB>
+                  </a:tcPr>
+                </a:tc>
+              </a:tr>
+            </a:tbl>
+          </a:graphicData>
+        </a:graphic>
+      </p:graphicFrame>
     </p:spTree>
   </p:cSld>
   <p:clrMapOvr>
@@ -9408,262 +10708,9 @@
             <p:ph type="title"/>
           </p:nvPr>
         </p:nvSpPr>
-        <p:spPr/>
-        <p:txBody>
-          <a:bodyPr/>
-          <a:lstStyle/>
-          <a:p>
-            <a:r>
-              <a:rPr lang="en-US" dirty="0" smtClean="0"/>
-              <a:t>Univariate Analysis : </a:t>
-            </a:r>
-            <a:endParaRPr lang="en-US" dirty="0"/>
-          </a:p>
-        </p:txBody>
-      </p:sp>
-      <p:pic>
-        <p:nvPicPr>
-          <p:cNvPr id="32770" name="Picture 2"/>
-          <p:cNvPicPr>
-            <a:picLocks noChangeAspect="1" noChangeArrowheads="1"/>
-          </p:cNvPicPr>
-          <p:nvPr/>
-        </p:nvPicPr>
-        <p:blipFill>
-          <a:blip r:embed="rId2"/>
-          <a:srcRect/>
-          <a:stretch>
-            <a:fillRect/>
-          </a:stretch>
-        </p:blipFill>
-        <p:spPr bwMode="auto">
-          <a:xfrm>
-            <a:off x="289009" y="1274949"/>
-            <a:ext cx="2442159" cy="2645340"/>
-          </a:xfrm>
-          <a:prstGeom prst="rect">
-            <a:avLst/>
-          </a:prstGeom>
-          <a:noFill/>
-          <a:ln w="9525">
-            <a:noFill/>
-            <a:miter lim="800000"/>
-            <a:headEnd/>
-            <a:tailEnd/>
-          </a:ln>
-          <a:effectLst/>
-        </p:spPr>
-      </p:pic>
-      <p:pic>
-        <p:nvPicPr>
-          <p:cNvPr id="32771" name="Picture 3"/>
-          <p:cNvPicPr>
-            <a:picLocks noChangeAspect="1" noChangeArrowheads="1"/>
-          </p:cNvPicPr>
-          <p:nvPr/>
-        </p:nvPicPr>
-        <p:blipFill>
-          <a:blip r:embed="rId3"/>
-          <a:srcRect/>
-          <a:stretch>
-            <a:fillRect/>
-          </a:stretch>
-        </p:blipFill>
-        <p:spPr bwMode="auto">
-          <a:xfrm>
-            <a:off x="3001127" y="1289127"/>
-            <a:ext cx="2497303" cy="2687535"/>
-          </a:xfrm>
-          <a:prstGeom prst="rect">
-            <a:avLst/>
-          </a:prstGeom>
-          <a:noFill/>
-          <a:ln w="9525">
-            <a:noFill/>
-            <a:miter lim="800000"/>
-            <a:headEnd/>
-            <a:tailEnd/>
-          </a:ln>
-          <a:effectLst/>
-        </p:spPr>
-      </p:pic>
-      <p:pic>
-        <p:nvPicPr>
-          <p:cNvPr id="32772" name="Picture 4"/>
-          <p:cNvPicPr>
-            <a:picLocks noChangeAspect="1" noChangeArrowheads="1"/>
-          </p:cNvPicPr>
-          <p:nvPr/>
-        </p:nvPicPr>
-        <p:blipFill>
-          <a:blip r:embed="rId4"/>
-          <a:srcRect/>
-          <a:stretch>
-            <a:fillRect/>
-          </a:stretch>
-        </p:blipFill>
-        <p:spPr bwMode="auto">
-          <a:xfrm>
-            <a:off x="6009024" y="1275622"/>
-            <a:ext cx="2581524" cy="2786540"/>
-          </a:xfrm>
-          <a:prstGeom prst="rect">
-            <a:avLst/>
-          </a:prstGeom>
-          <a:noFill/>
-          <a:ln w="9525">
-            <a:noFill/>
-            <a:miter lim="800000"/>
-            <a:headEnd/>
-            <a:tailEnd/>
-          </a:ln>
-          <a:effectLst/>
-        </p:spPr>
-      </p:pic>
-      <p:pic>
-        <p:nvPicPr>
-          <p:cNvPr id="32776" name="Picture 8"/>
-          <p:cNvPicPr>
-            <a:picLocks noChangeAspect="1" noChangeArrowheads="1"/>
-          </p:cNvPicPr>
-          <p:nvPr/>
-        </p:nvPicPr>
-        <p:blipFill>
-          <a:blip r:embed="rId5"/>
-          <a:srcRect/>
-          <a:stretch>
-            <a:fillRect/>
-          </a:stretch>
-        </p:blipFill>
-        <p:spPr bwMode="auto">
-          <a:xfrm>
-            <a:off x="9084094" y="1287378"/>
-            <a:ext cx="2491675" cy="2707105"/>
-          </a:xfrm>
-          <a:prstGeom prst="rect">
-            <a:avLst/>
-          </a:prstGeom>
-          <a:noFill/>
-          <a:ln w="9525">
-            <a:noFill/>
-            <a:miter lim="800000"/>
-            <a:headEnd/>
-            <a:tailEnd/>
-          </a:ln>
-          <a:effectLst/>
-        </p:spPr>
-      </p:pic>
-      <p:pic>
-        <p:nvPicPr>
-          <p:cNvPr id="32777" name="Picture 9"/>
-          <p:cNvPicPr>
-            <a:picLocks noChangeAspect="1" noChangeArrowheads="1"/>
-          </p:cNvPicPr>
-          <p:nvPr/>
-        </p:nvPicPr>
-        <p:blipFill>
-          <a:blip r:embed="rId6"/>
-          <a:srcRect/>
-          <a:stretch>
-            <a:fillRect/>
-          </a:stretch>
-        </p:blipFill>
-        <p:spPr bwMode="auto">
-          <a:xfrm>
-            <a:off x="3475119" y="4160042"/>
-            <a:ext cx="2480511" cy="2697958"/>
-          </a:xfrm>
-          <a:prstGeom prst="rect">
-            <a:avLst/>
-          </a:prstGeom>
-          <a:noFill/>
-          <a:ln w="9525">
-            <a:noFill/>
-            <a:miter lim="800000"/>
-            <a:headEnd/>
-            <a:tailEnd/>
-          </a:ln>
-          <a:effectLst/>
-        </p:spPr>
-      </p:pic>
-      <p:pic>
-        <p:nvPicPr>
-          <p:cNvPr id="32778" name="Picture 10"/>
-          <p:cNvPicPr>
-            <a:picLocks noChangeAspect="1" noChangeArrowheads="1"/>
-          </p:cNvPicPr>
-          <p:nvPr/>
-        </p:nvPicPr>
-        <p:blipFill>
-          <a:blip r:embed="rId7"/>
-          <a:srcRect/>
-          <a:stretch>
-            <a:fillRect/>
-          </a:stretch>
-        </p:blipFill>
-        <p:spPr bwMode="auto">
-          <a:xfrm>
-            <a:off x="383007" y="4063719"/>
-            <a:ext cx="2576762" cy="2794281"/>
-          </a:xfrm>
-          <a:prstGeom prst="rect">
-            <a:avLst/>
-          </a:prstGeom>
-          <a:noFill/>
-          <a:ln w="9525">
-            <a:noFill/>
-            <a:miter lim="800000"/>
-            <a:headEnd/>
-            <a:tailEnd/>
-          </a:ln>
-          <a:effectLst/>
-        </p:spPr>
-      </p:pic>
-    </p:spTree>
-  </p:cSld>
-  <p:clrMapOvr>
-    <a:masterClrMapping/>
-  </p:clrMapOvr>
-  <p:timing>
-    <p:tnLst>
-      <p:par>
-        <p:cTn id="1" dur="indefinite" restart="never" nodeType="tmRoot"/>
-      </p:par>
-    </p:tnLst>
-  </p:timing>
-</p:sld>
-</file>
-
-<file path=ppt/slides/slide12.xml><?xml version="1.0" encoding="utf-8"?>
-<p:sld xmlns:a="http://schemas.openxmlformats.org/drawingml/2006/main" xmlns:r="http://schemas.openxmlformats.org/officeDocument/2006/relationships" xmlns:p="http://schemas.openxmlformats.org/presentationml/2006/main">
-  <p:cSld>
-    <p:spTree>
-      <p:nvGrpSpPr>
-        <p:cNvPr id="1" name=""/>
-        <p:cNvGrpSpPr/>
-        <p:nvPr/>
-      </p:nvGrpSpPr>
-      <p:grpSpPr>
-        <a:xfrm>
-          <a:off x="0" y="0"/>
-          <a:ext cx="0" cy="0"/>
-          <a:chOff x="0" y="0"/>
-          <a:chExt cx="0" cy="0"/>
-        </a:xfrm>
-      </p:grpSpPr>
-      <p:sp>
-        <p:nvSpPr>
-          <p:cNvPr id="2" name="Title 1"/>
-          <p:cNvSpPr>
-            <a:spLocks noGrp="1"/>
-          </p:cNvSpPr>
-          <p:nvPr>
-            <p:ph type="title"/>
-          </p:nvPr>
-        </p:nvSpPr>
         <p:spPr>
           <a:xfrm>
-            <a:off x="1088343" y="182880"/>
+            <a:off x="1088345" y="182880"/>
             <a:ext cx="9313817" cy="856138"/>
           </a:xfrm>
         </p:spPr>
@@ -9675,11 +10722,7 @@
           <a:p>
             <a:r>
               <a:rPr lang="en-US" dirty="0" smtClean="0"/>
-              <a:t>Bivariate </a:t>
-            </a:r>
-            <a:r>
-              <a:rPr lang="en-US" dirty="0" smtClean="0"/>
-              <a:t>Analysis</a:t>
+              <a:t>Bivariate Analysis</a:t>
             </a:r>
             <a:endParaRPr lang="en-US" dirty="0"/>
           </a:p>
@@ -9697,8 +10740,8 @@
         </p:nvSpPr>
         <p:spPr>
           <a:xfrm>
-            <a:off x="404949" y="1854927"/>
-            <a:ext cx="11168742" cy="3631474"/>
+            <a:off x="404950" y="1854927"/>
+            <a:ext cx="11168743" cy="3631474"/>
           </a:xfrm>
         </p:spPr>
         <p:txBody>
@@ -9750,7 +10793,7 @@
         </p:blipFill>
         <p:spPr bwMode="auto">
           <a:xfrm>
-            <a:off x="376238" y="1085860"/>
+            <a:off x="376240" y="1085860"/>
             <a:ext cx="2403057" cy="2614526"/>
           </a:xfrm>
           <a:prstGeom prst="rect">
@@ -9783,7 +10826,7 @@
         </p:blipFill>
         <p:spPr bwMode="auto">
           <a:xfrm>
-            <a:off x="3533274" y="1124768"/>
+            <a:off x="3533275" y="1124768"/>
             <a:ext cx="2374261" cy="2556896"/>
           </a:xfrm>
           <a:prstGeom prst="rect">
@@ -9816,7 +10859,7 @@
         </p:blipFill>
         <p:spPr bwMode="auto">
           <a:xfrm>
-            <a:off x="6611103" y="1191364"/>
+            <a:off x="6611105" y="1191364"/>
             <a:ext cx="2236217" cy="2418110"/>
           </a:xfrm>
           <a:prstGeom prst="rect">
@@ -9849,7 +10892,7 @@
         </p:blipFill>
         <p:spPr bwMode="auto">
           <a:xfrm>
-            <a:off x="9600451" y="1311411"/>
+            <a:off x="9600452" y="1311413"/>
             <a:ext cx="2591549" cy="2466505"/>
           </a:xfrm>
           <a:prstGeom prst="rect">
@@ -9883,7 +10926,7 @@
         <p:spPr bwMode="auto">
           <a:xfrm>
             <a:off x="375987" y="4036619"/>
-            <a:ext cx="2331118" cy="2549190"/>
+            <a:ext cx="2331119" cy="2549190"/>
           </a:xfrm>
           <a:prstGeom prst="rect">
             <a:avLst/>
@@ -9915,7 +10958,7 @@
         </p:blipFill>
         <p:spPr bwMode="auto">
           <a:xfrm>
-            <a:off x="3330993" y="3939084"/>
+            <a:off x="3330994" y="3939084"/>
             <a:ext cx="2432133" cy="2639706"/>
           </a:xfrm>
           <a:prstGeom prst="rect">
@@ -9949,7 +10992,7 @@
         <p:spPr bwMode="auto">
           <a:xfrm>
             <a:off x="6664243" y="4006525"/>
-            <a:ext cx="2347394" cy="2533400"/>
+            <a:ext cx="2347395" cy="2533400"/>
           </a:xfrm>
           <a:prstGeom prst="rect">
             <a:avLst/>
@@ -9981,7 +11024,7 @@
         </p:blipFill>
         <p:spPr bwMode="auto">
           <a:xfrm>
-            <a:off x="9693442" y="4026371"/>
+            <a:off x="9693443" y="4026373"/>
             <a:ext cx="2169695" cy="2364411"/>
           </a:xfrm>
           <a:prstGeom prst="rect">
@@ -10002,6 +11045,332 @@
   <p:clrMapOvr>
     <a:masterClrMapping/>
   </p:clrMapOvr>
+</p:sld>
+</file>
+
+<file path=ppt/slides/slide12.xml><?xml version="1.0" encoding="utf-8"?>
+<p:sld xmlns:a="http://schemas.openxmlformats.org/drawingml/2006/main" xmlns:r="http://schemas.openxmlformats.org/officeDocument/2006/relationships" xmlns:p="http://schemas.openxmlformats.org/presentationml/2006/main">
+  <p:cSld>
+    <p:spTree>
+      <p:nvGrpSpPr>
+        <p:cNvPr id="1" name=""/>
+        <p:cNvGrpSpPr/>
+        <p:nvPr/>
+      </p:nvGrpSpPr>
+      <p:grpSpPr>
+        <a:xfrm>
+          <a:off x="0" y="0"/>
+          <a:ext cx="0" cy="0"/>
+          <a:chOff x="0" y="0"/>
+          <a:chExt cx="0" cy="0"/>
+        </a:xfrm>
+      </p:grpSpPr>
+      <p:sp>
+        <p:nvSpPr>
+          <p:cNvPr id="2" name="Title 1"/>
+          <p:cNvSpPr>
+            <a:spLocks noGrp="1"/>
+          </p:cNvSpPr>
+          <p:nvPr>
+            <p:ph type="title"/>
+          </p:nvPr>
+        </p:nvSpPr>
+        <p:spPr>
+          <a:xfrm>
+            <a:off x="1136470" y="134736"/>
+            <a:ext cx="9313817" cy="856138"/>
+          </a:xfrm>
+        </p:spPr>
+        <p:txBody>
+          <a:bodyPr>
+            <a:normAutofit/>
+          </a:bodyPr>
+          <a:lstStyle/>
+          <a:p>
+            <a:r>
+              <a:rPr lang="en-US" dirty="0" smtClean="0"/>
+              <a:t>Bivariate Analysis</a:t>
+            </a:r>
+            <a:endParaRPr lang="en-US" dirty="0"/>
+          </a:p>
+        </p:txBody>
+      </p:sp>
+      <p:pic>
+        <p:nvPicPr>
+          <p:cNvPr id="33799" name="Picture 7"/>
+          <p:cNvPicPr>
+            <a:picLocks noChangeAspect="1" noChangeArrowheads="1"/>
+          </p:cNvPicPr>
+          <p:nvPr/>
+        </p:nvPicPr>
+        <p:blipFill>
+          <a:blip r:embed="rId2"/>
+          <a:srcRect/>
+          <a:stretch>
+            <a:fillRect/>
+          </a:stretch>
+        </p:blipFill>
+        <p:spPr bwMode="auto">
+          <a:xfrm>
+            <a:off x="381000" y="1239254"/>
+            <a:ext cx="2272069" cy="2490537"/>
+          </a:xfrm>
+          <a:prstGeom prst="rect">
+            <a:avLst/>
+          </a:prstGeom>
+          <a:noFill/>
+          <a:ln w="9525">
+            <a:noFill/>
+            <a:miter lim="800000"/>
+            <a:headEnd/>
+            <a:tailEnd/>
+          </a:ln>
+          <a:effectLst/>
+        </p:spPr>
+      </p:pic>
+      <p:pic>
+        <p:nvPicPr>
+          <p:cNvPr id="33800" name="Picture 8"/>
+          <p:cNvPicPr>
+            <a:picLocks noChangeAspect="1" noChangeArrowheads="1"/>
+          </p:cNvPicPr>
+          <p:nvPr/>
+        </p:nvPicPr>
+        <p:blipFill>
+          <a:blip r:embed="rId3"/>
+          <a:srcRect/>
+          <a:stretch>
+            <a:fillRect/>
+          </a:stretch>
+        </p:blipFill>
+        <p:spPr bwMode="auto">
+          <a:xfrm>
+            <a:off x="3063795" y="1155034"/>
+            <a:ext cx="2434639" cy="2410577"/>
+          </a:xfrm>
+          <a:prstGeom prst="rect">
+            <a:avLst/>
+          </a:prstGeom>
+          <a:noFill/>
+          <a:ln w="9525">
+            <a:noFill/>
+            <a:miter lim="800000"/>
+            <a:headEnd/>
+            <a:tailEnd/>
+          </a:ln>
+          <a:effectLst/>
+        </p:spPr>
+      </p:pic>
+      <p:pic>
+        <p:nvPicPr>
+          <p:cNvPr id="33801" name="Picture 9"/>
+          <p:cNvPicPr>
+            <a:picLocks noChangeAspect="1" noChangeArrowheads="1"/>
+          </p:cNvPicPr>
+          <p:nvPr/>
+        </p:nvPicPr>
+        <p:blipFill>
+          <a:blip r:embed="rId4"/>
+          <a:srcRect/>
+          <a:stretch>
+            <a:fillRect/>
+          </a:stretch>
+        </p:blipFill>
+        <p:spPr bwMode="auto">
+          <a:xfrm>
+            <a:off x="5948867" y="1087229"/>
+            <a:ext cx="2136356" cy="2389117"/>
+          </a:xfrm>
+          <a:prstGeom prst="rect">
+            <a:avLst/>
+          </a:prstGeom>
+          <a:noFill/>
+          <a:ln w="9525">
+            <a:noFill/>
+            <a:miter lim="800000"/>
+            <a:headEnd/>
+            <a:tailEnd/>
+          </a:ln>
+          <a:effectLst/>
+        </p:spPr>
+      </p:pic>
+      <p:pic>
+        <p:nvPicPr>
+          <p:cNvPr id="33802" name="Picture 10"/>
+          <p:cNvPicPr>
+            <a:picLocks noChangeAspect="1" noChangeArrowheads="1"/>
+          </p:cNvPicPr>
+          <p:nvPr/>
+        </p:nvPicPr>
+        <p:blipFill>
+          <a:blip r:embed="rId5"/>
+          <a:srcRect/>
+          <a:stretch>
+            <a:fillRect/>
+          </a:stretch>
+        </p:blipFill>
+        <p:spPr bwMode="auto">
+          <a:xfrm>
+            <a:off x="8983330" y="1011132"/>
+            <a:ext cx="2506829" cy="2689070"/>
+          </a:xfrm>
+          <a:prstGeom prst="rect">
+            <a:avLst/>
+          </a:prstGeom>
+          <a:noFill/>
+          <a:ln w="9525">
+            <a:noFill/>
+            <a:miter lim="800000"/>
+            <a:headEnd/>
+            <a:tailEnd/>
+          </a:ln>
+          <a:effectLst/>
+        </p:spPr>
+      </p:pic>
+      <p:pic>
+        <p:nvPicPr>
+          <p:cNvPr id="33804" name="Picture 12"/>
+          <p:cNvPicPr>
+            <a:picLocks noChangeAspect="1" noChangeArrowheads="1"/>
+          </p:cNvPicPr>
+          <p:nvPr/>
+        </p:nvPicPr>
+        <p:blipFill>
+          <a:blip r:embed="rId6"/>
+          <a:srcRect/>
+          <a:stretch>
+            <a:fillRect/>
+          </a:stretch>
+        </p:blipFill>
+        <p:spPr bwMode="auto">
+          <a:xfrm>
+            <a:off x="271465" y="4042006"/>
+            <a:ext cx="2658700" cy="2418952"/>
+          </a:xfrm>
+          <a:prstGeom prst="rect">
+            <a:avLst/>
+          </a:prstGeom>
+          <a:noFill/>
+          <a:ln w="9525">
+            <a:noFill/>
+            <a:miter lim="800000"/>
+            <a:headEnd/>
+            <a:tailEnd/>
+          </a:ln>
+          <a:effectLst/>
+        </p:spPr>
+      </p:pic>
+      <p:pic>
+        <p:nvPicPr>
+          <p:cNvPr id="33805" name="Picture 13"/>
+          <p:cNvPicPr>
+            <a:picLocks noChangeAspect="1" noChangeArrowheads="1"/>
+          </p:cNvPicPr>
+          <p:nvPr/>
+        </p:nvPicPr>
+        <p:blipFill>
+          <a:blip r:embed="rId7"/>
+          <a:srcRect/>
+          <a:stretch>
+            <a:fillRect/>
+          </a:stretch>
+        </p:blipFill>
+        <p:spPr bwMode="auto">
+          <a:xfrm>
+            <a:off x="3156539" y="4066675"/>
+            <a:ext cx="2317832" cy="2554956"/>
+          </a:xfrm>
+          <a:prstGeom prst="rect">
+            <a:avLst/>
+          </a:prstGeom>
+          <a:noFill/>
+          <a:ln w="9525">
+            <a:noFill/>
+            <a:miter lim="800000"/>
+            <a:headEnd/>
+            <a:tailEnd/>
+          </a:ln>
+          <a:effectLst/>
+        </p:spPr>
+      </p:pic>
+      <p:pic>
+        <p:nvPicPr>
+          <p:cNvPr id="33807" name="Picture 15"/>
+          <p:cNvPicPr>
+            <a:picLocks noChangeAspect="1" noChangeArrowheads="1"/>
+          </p:cNvPicPr>
+          <p:nvPr/>
+        </p:nvPicPr>
+        <p:blipFill>
+          <a:blip r:embed="rId8"/>
+          <a:srcRect/>
+          <a:stretch>
+            <a:fillRect/>
+          </a:stretch>
+        </p:blipFill>
+        <p:spPr bwMode="auto">
+          <a:xfrm>
+            <a:off x="9098381" y="3946358"/>
+            <a:ext cx="2538543" cy="2569494"/>
+          </a:xfrm>
+          <a:prstGeom prst="rect">
+            <a:avLst/>
+          </a:prstGeom>
+          <a:noFill/>
+          <a:ln w="9525">
+            <a:noFill/>
+            <a:miter lim="800000"/>
+            <a:headEnd/>
+            <a:tailEnd/>
+          </a:ln>
+          <a:effectLst/>
+        </p:spPr>
+      </p:pic>
+      <p:pic>
+        <p:nvPicPr>
+          <p:cNvPr id="33808" name="Picture 16"/>
+          <p:cNvPicPr>
+            <a:picLocks noChangeAspect="1" noChangeArrowheads="1"/>
+          </p:cNvPicPr>
+          <p:nvPr/>
+        </p:nvPicPr>
+        <p:blipFill>
+          <a:blip r:embed="rId9"/>
+          <a:srcRect/>
+          <a:stretch>
+            <a:fillRect/>
+          </a:stretch>
+        </p:blipFill>
+        <p:spPr bwMode="auto">
+          <a:xfrm>
+            <a:off x="5789447" y="4152782"/>
+            <a:ext cx="2716880" cy="2466593"/>
+          </a:xfrm>
+          <a:prstGeom prst="rect">
+            <a:avLst/>
+          </a:prstGeom>
+          <a:noFill/>
+          <a:ln w="9525">
+            <a:noFill/>
+            <a:miter lim="800000"/>
+            <a:headEnd/>
+            <a:tailEnd/>
+          </a:ln>
+          <a:effectLst/>
+        </p:spPr>
+      </p:pic>
+    </p:spTree>
+  </p:cSld>
+  <p:clrMapOvr>
+    <a:masterClrMapping/>
+  </p:clrMapOvr>
+  <p:timing>
+    <p:tnLst>
+      <p:par>
+        <p:cTn id="1" dur="indefinite" restart="never" nodeType="tmRoot"/>
+      </p:par>
+    </p:tnLst>
+  </p:timing>
 </p:sld>
 </file>
 
@@ -10034,667 +11403,7 @@
         </p:nvSpPr>
         <p:spPr>
           <a:xfrm>
-            <a:off x="1136469" y="134736"/>
-            <a:ext cx="9313817" cy="856138"/>
-          </a:xfrm>
-        </p:spPr>
-        <p:txBody>
-          <a:bodyPr>
-            <a:normAutofit/>
-          </a:bodyPr>
-          <a:lstStyle/>
-          <a:p>
-            <a:r>
-              <a:rPr lang="en-US" dirty="0" smtClean="0"/>
-              <a:t>Bivariate </a:t>
-            </a:r>
-            <a:r>
-              <a:rPr lang="en-US" dirty="0" smtClean="0"/>
-              <a:t>Analysis</a:t>
-            </a:r>
-            <a:endParaRPr lang="en-US" dirty="0"/>
-          </a:p>
-        </p:txBody>
-      </p:sp>
-      <p:pic>
-        <p:nvPicPr>
-          <p:cNvPr id="33799" name="Picture 7"/>
-          <p:cNvPicPr>
-            <a:picLocks noChangeAspect="1" noChangeArrowheads="1"/>
-          </p:cNvPicPr>
-          <p:nvPr/>
-        </p:nvPicPr>
-        <p:blipFill>
-          <a:blip r:embed="rId2"/>
-          <a:srcRect/>
-          <a:stretch>
-            <a:fillRect/>
-          </a:stretch>
-        </p:blipFill>
-        <p:spPr bwMode="auto">
-          <a:xfrm>
-            <a:off x="380999" y="1239252"/>
-            <a:ext cx="2272069" cy="2490537"/>
-          </a:xfrm>
-          <a:prstGeom prst="rect">
-            <a:avLst/>
-          </a:prstGeom>
-          <a:noFill/>
-          <a:ln w="9525">
-            <a:noFill/>
-            <a:miter lim="800000"/>
-            <a:headEnd/>
-            <a:tailEnd/>
-          </a:ln>
-          <a:effectLst/>
-        </p:spPr>
-      </p:pic>
-      <p:pic>
-        <p:nvPicPr>
-          <p:cNvPr id="33800" name="Picture 8"/>
-          <p:cNvPicPr>
-            <a:picLocks noChangeAspect="1" noChangeArrowheads="1"/>
-          </p:cNvPicPr>
-          <p:nvPr/>
-        </p:nvPicPr>
-        <p:blipFill>
-          <a:blip r:embed="rId3"/>
-          <a:srcRect/>
-          <a:stretch>
-            <a:fillRect/>
-          </a:stretch>
-        </p:blipFill>
-        <p:spPr bwMode="auto">
-          <a:xfrm>
-            <a:off x="3063794" y="1155032"/>
-            <a:ext cx="2434639" cy="2410577"/>
-          </a:xfrm>
-          <a:prstGeom prst="rect">
-            <a:avLst/>
-          </a:prstGeom>
-          <a:noFill/>
-          <a:ln w="9525">
-            <a:noFill/>
-            <a:miter lim="800000"/>
-            <a:headEnd/>
-            <a:tailEnd/>
-          </a:ln>
-          <a:effectLst/>
-        </p:spPr>
-      </p:pic>
-      <p:pic>
-        <p:nvPicPr>
-          <p:cNvPr id="33801" name="Picture 9"/>
-          <p:cNvPicPr>
-            <a:picLocks noChangeAspect="1" noChangeArrowheads="1"/>
-          </p:cNvPicPr>
-          <p:nvPr/>
-        </p:nvPicPr>
-        <p:blipFill>
-          <a:blip r:embed="rId4"/>
-          <a:srcRect/>
-          <a:stretch>
-            <a:fillRect/>
-          </a:stretch>
-        </p:blipFill>
-        <p:spPr bwMode="auto">
-          <a:xfrm>
-            <a:off x="5948866" y="1087227"/>
-            <a:ext cx="2136356" cy="2389117"/>
-          </a:xfrm>
-          <a:prstGeom prst="rect">
-            <a:avLst/>
-          </a:prstGeom>
-          <a:noFill/>
-          <a:ln w="9525">
-            <a:noFill/>
-            <a:miter lim="800000"/>
-            <a:headEnd/>
-            <a:tailEnd/>
-          </a:ln>
-          <a:effectLst/>
-        </p:spPr>
-      </p:pic>
-      <p:pic>
-        <p:nvPicPr>
-          <p:cNvPr id="33802" name="Picture 10"/>
-          <p:cNvPicPr>
-            <a:picLocks noChangeAspect="1" noChangeArrowheads="1"/>
-          </p:cNvPicPr>
-          <p:nvPr/>
-        </p:nvPicPr>
-        <p:blipFill>
-          <a:blip r:embed="rId5"/>
-          <a:srcRect/>
-          <a:stretch>
-            <a:fillRect/>
-          </a:stretch>
-        </p:blipFill>
-        <p:spPr bwMode="auto">
-          <a:xfrm>
-            <a:off x="8983329" y="1011132"/>
-            <a:ext cx="2506829" cy="2689070"/>
-          </a:xfrm>
-          <a:prstGeom prst="rect">
-            <a:avLst/>
-          </a:prstGeom>
-          <a:noFill/>
-          <a:ln w="9525">
-            <a:noFill/>
-            <a:miter lim="800000"/>
-            <a:headEnd/>
-            <a:tailEnd/>
-          </a:ln>
-          <a:effectLst/>
-        </p:spPr>
-      </p:pic>
-      <p:pic>
-        <p:nvPicPr>
-          <p:cNvPr id="33804" name="Picture 12"/>
-          <p:cNvPicPr>
-            <a:picLocks noChangeAspect="1" noChangeArrowheads="1"/>
-          </p:cNvPicPr>
-          <p:nvPr/>
-        </p:nvPicPr>
-        <p:blipFill>
-          <a:blip r:embed="rId6"/>
-          <a:srcRect/>
-          <a:stretch>
-            <a:fillRect/>
-          </a:stretch>
-        </p:blipFill>
-        <p:spPr bwMode="auto">
-          <a:xfrm>
-            <a:off x="271464" y="4042006"/>
-            <a:ext cx="2658700" cy="2418952"/>
-          </a:xfrm>
-          <a:prstGeom prst="rect">
-            <a:avLst/>
-          </a:prstGeom>
-          <a:noFill/>
-          <a:ln w="9525">
-            <a:noFill/>
-            <a:miter lim="800000"/>
-            <a:headEnd/>
-            <a:tailEnd/>
-          </a:ln>
-          <a:effectLst/>
-        </p:spPr>
-      </p:pic>
-      <p:pic>
-        <p:nvPicPr>
-          <p:cNvPr id="33805" name="Picture 13"/>
-          <p:cNvPicPr>
-            <a:picLocks noChangeAspect="1" noChangeArrowheads="1"/>
-          </p:cNvPicPr>
-          <p:nvPr/>
-        </p:nvPicPr>
-        <p:blipFill>
-          <a:blip r:embed="rId7"/>
-          <a:srcRect/>
-          <a:stretch>
-            <a:fillRect/>
-          </a:stretch>
-        </p:blipFill>
-        <p:spPr bwMode="auto">
-          <a:xfrm>
-            <a:off x="3156538" y="4066675"/>
-            <a:ext cx="2317832" cy="2554956"/>
-          </a:xfrm>
-          <a:prstGeom prst="rect">
-            <a:avLst/>
-          </a:prstGeom>
-          <a:noFill/>
-          <a:ln w="9525">
-            <a:noFill/>
-            <a:miter lim="800000"/>
-            <a:headEnd/>
-            <a:tailEnd/>
-          </a:ln>
-          <a:effectLst/>
-        </p:spPr>
-      </p:pic>
-      <p:pic>
-        <p:nvPicPr>
-          <p:cNvPr id="33807" name="Picture 15"/>
-          <p:cNvPicPr>
-            <a:picLocks noChangeAspect="1" noChangeArrowheads="1"/>
-          </p:cNvPicPr>
-          <p:nvPr/>
-        </p:nvPicPr>
-        <p:blipFill>
-          <a:blip r:embed="rId8"/>
-          <a:srcRect/>
-          <a:stretch>
-            <a:fillRect/>
-          </a:stretch>
-        </p:blipFill>
-        <p:spPr bwMode="auto">
-          <a:xfrm>
-            <a:off x="9098380" y="3946358"/>
-            <a:ext cx="2538542" cy="2569494"/>
-          </a:xfrm>
-          <a:prstGeom prst="rect">
-            <a:avLst/>
-          </a:prstGeom>
-          <a:noFill/>
-          <a:ln w="9525">
-            <a:noFill/>
-            <a:miter lim="800000"/>
-            <a:headEnd/>
-            <a:tailEnd/>
-          </a:ln>
-          <a:effectLst/>
-        </p:spPr>
-      </p:pic>
-      <p:pic>
-        <p:nvPicPr>
-          <p:cNvPr id="33808" name="Picture 16"/>
-          <p:cNvPicPr>
-            <a:picLocks noChangeAspect="1" noChangeArrowheads="1"/>
-          </p:cNvPicPr>
-          <p:nvPr/>
-        </p:nvPicPr>
-        <p:blipFill>
-          <a:blip r:embed="rId9"/>
-          <a:srcRect/>
-          <a:stretch>
-            <a:fillRect/>
-          </a:stretch>
-        </p:blipFill>
-        <p:spPr bwMode="auto">
-          <a:xfrm>
-            <a:off x="5789447" y="4152780"/>
-            <a:ext cx="2716880" cy="2466593"/>
-          </a:xfrm>
-          <a:prstGeom prst="rect">
-            <a:avLst/>
-          </a:prstGeom>
-          <a:noFill/>
-          <a:ln w="9525">
-            <a:noFill/>
-            <a:miter lim="800000"/>
-            <a:headEnd/>
-            <a:tailEnd/>
-          </a:ln>
-          <a:effectLst/>
-        </p:spPr>
-      </p:pic>
-    </p:spTree>
-  </p:cSld>
-  <p:clrMapOvr>
-    <a:masterClrMapping/>
-  </p:clrMapOvr>
-  <p:timing>
-    <p:tnLst>
-      <p:par>
-        <p:cTn id="1" dur="indefinite" restart="never" nodeType="tmRoot"/>
-      </p:par>
-    </p:tnLst>
-  </p:timing>
-</p:sld>
-</file>
-
-<file path=ppt/slides/slide14.xml><?xml version="1.0" encoding="utf-8"?>
-<p:sld xmlns:a="http://schemas.openxmlformats.org/drawingml/2006/main" xmlns:r="http://schemas.openxmlformats.org/officeDocument/2006/relationships" xmlns:p="http://schemas.openxmlformats.org/presentationml/2006/main">
-  <p:cSld>
-    <p:spTree>
-      <p:nvGrpSpPr>
-        <p:cNvPr id="1" name=""/>
-        <p:cNvGrpSpPr/>
-        <p:nvPr/>
-      </p:nvGrpSpPr>
-      <p:grpSpPr>
-        <a:xfrm>
-          <a:off x="0" y="0"/>
-          <a:ext cx="0" cy="0"/>
-          <a:chOff x="0" y="0"/>
-          <a:chExt cx="0" cy="0"/>
-        </a:xfrm>
-      </p:grpSpPr>
-      <p:sp>
-        <p:nvSpPr>
-          <p:cNvPr id="2" name="Title 1"/>
-          <p:cNvSpPr>
-            <a:spLocks noGrp="1"/>
-          </p:cNvSpPr>
-          <p:nvPr>
-            <p:ph type="title"/>
-          </p:nvPr>
-        </p:nvSpPr>
-        <p:spPr>
-          <a:xfrm>
-            <a:off x="1136469" y="134736"/>
-            <a:ext cx="9313817" cy="856138"/>
-          </a:xfrm>
-        </p:spPr>
-        <p:txBody>
-          <a:bodyPr>
-            <a:normAutofit/>
-          </a:bodyPr>
-          <a:lstStyle/>
-          <a:p>
-            <a:r>
-              <a:rPr lang="en-US" dirty="0" smtClean="0"/>
-              <a:t>Bivariate </a:t>
-            </a:r>
-            <a:r>
-              <a:rPr lang="en-US" dirty="0" smtClean="0"/>
-              <a:t>Analysis</a:t>
-            </a:r>
-            <a:endParaRPr lang="en-US" dirty="0"/>
-          </a:p>
-        </p:txBody>
-      </p:sp>
-      <p:pic>
-        <p:nvPicPr>
-          <p:cNvPr id="33799" name="Picture 7"/>
-          <p:cNvPicPr>
-            <a:picLocks noChangeAspect="1" noChangeArrowheads="1"/>
-          </p:cNvPicPr>
-          <p:nvPr/>
-        </p:nvPicPr>
-        <p:blipFill>
-          <a:blip r:embed="rId2"/>
-          <a:srcRect/>
-          <a:stretch>
-            <a:fillRect/>
-          </a:stretch>
-        </p:blipFill>
-        <p:spPr bwMode="auto">
-          <a:xfrm>
-            <a:off x="380999" y="1239252"/>
-            <a:ext cx="2272069" cy="2490537"/>
-          </a:xfrm>
-          <a:prstGeom prst="rect">
-            <a:avLst/>
-          </a:prstGeom>
-          <a:noFill/>
-          <a:ln w="9525">
-            <a:noFill/>
-            <a:miter lim="800000"/>
-            <a:headEnd/>
-            <a:tailEnd/>
-          </a:ln>
-          <a:effectLst/>
-        </p:spPr>
-      </p:pic>
-      <p:pic>
-        <p:nvPicPr>
-          <p:cNvPr id="33800" name="Picture 8"/>
-          <p:cNvPicPr>
-            <a:picLocks noChangeAspect="1" noChangeArrowheads="1"/>
-          </p:cNvPicPr>
-          <p:nvPr/>
-        </p:nvPicPr>
-        <p:blipFill>
-          <a:blip r:embed="rId3"/>
-          <a:srcRect/>
-          <a:stretch>
-            <a:fillRect/>
-          </a:stretch>
-        </p:blipFill>
-        <p:spPr bwMode="auto">
-          <a:xfrm>
-            <a:off x="3063794" y="1155032"/>
-            <a:ext cx="2434639" cy="2410577"/>
-          </a:xfrm>
-          <a:prstGeom prst="rect">
-            <a:avLst/>
-          </a:prstGeom>
-          <a:noFill/>
-          <a:ln w="9525">
-            <a:noFill/>
-            <a:miter lim="800000"/>
-            <a:headEnd/>
-            <a:tailEnd/>
-          </a:ln>
-          <a:effectLst/>
-        </p:spPr>
-      </p:pic>
-      <p:pic>
-        <p:nvPicPr>
-          <p:cNvPr id="33801" name="Picture 9"/>
-          <p:cNvPicPr>
-            <a:picLocks noChangeAspect="1" noChangeArrowheads="1"/>
-          </p:cNvPicPr>
-          <p:nvPr/>
-        </p:nvPicPr>
-        <p:blipFill>
-          <a:blip r:embed="rId4"/>
-          <a:srcRect/>
-          <a:stretch>
-            <a:fillRect/>
-          </a:stretch>
-        </p:blipFill>
-        <p:spPr bwMode="auto">
-          <a:xfrm>
-            <a:off x="5948866" y="1087227"/>
-            <a:ext cx="2136356" cy="2389117"/>
-          </a:xfrm>
-          <a:prstGeom prst="rect">
-            <a:avLst/>
-          </a:prstGeom>
-          <a:noFill/>
-          <a:ln w="9525">
-            <a:noFill/>
-            <a:miter lim="800000"/>
-            <a:headEnd/>
-            <a:tailEnd/>
-          </a:ln>
-          <a:effectLst/>
-        </p:spPr>
-      </p:pic>
-      <p:pic>
-        <p:nvPicPr>
-          <p:cNvPr id="33802" name="Picture 10"/>
-          <p:cNvPicPr>
-            <a:picLocks noChangeAspect="1" noChangeArrowheads="1"/>
-          </p:cNvPicPr>
-          <p:nvPr/>
-        </p:nvPicPr>
-        <p:blipFill>
-          <a:blip r:embed="rId5"/>
-          <a:srcRect/>
-          <a:stretch>
-            <a:fillRect/>
-          </a:stretch>
-        </p:blipFill>
-        <p:spPr bwMode="auto">
-          <a:xfrm>
-            <a:off x="8983329" y="1011132"/>
-            <a:ext cx="2506829" cy="2689070"/>
-          </a:xfrm>
-          <a:prstGeom prst="rect">
-            <a:avLst/>
-          </a:prstGeom>
-          <a:noFill/>
-          <a:ln w="9525">
-            <a:noFill/>
-            <a:miter lim="800000"/>
-            <a:headEnd/>
-            <a:tailEnd/>
-          </a:ln>
-          <a:effectLst/>
-        </p:spPr>
-      </p:pic>
-      <p:pic>
-        <p:nvPicPr>
-          <p:cNvPr id="33804" name="Picture 12"/>
-          <p:cNvPicPr>
-            <a:picLocks noChangeAspect="1" noChangeArrowheads="1"/>
-          </p:cNvPicPr>
-          <p:nvPr/>
-        </p:nvPicPr>
-        <p:blipFill>
-          <a:blip r:embed="rId6"/>
-          <a:srcRect/>
-          <a:stretch>
-            <a:fillRect/>
-          </a:stretch>
-        </p:blipFill>
-        <p:spPr bwMode="auto">
-          <a:xfrm>
-            <a:off x="271464" y="4042006"/>
-            <a:ext cx="2658700" cy="2418952"/>
-          </a:xfrm>
-          <a:prstGeom prst="rect">
-            <a:avLst/>
-          </a:prstGeom>
-          <a:noFill/>
-          <a:ln w="9525">
-            <a:noFill/>
-            <a:miter lim="800000"/>
-            <a:headEnd/>
-            <a:tailEnd/>
-          </a:ln>
-          <a:effectLst/>
-        </p:spPr>
-      </p:pic>
-      <p:pic>
-        <p:nvPicPr>
-          <p:cNvPr id="33805" name="Picture 13"/>
-          <p:cNvPicPr>
-            <a:picLocks noChangeAspect="1" noChangeArrowheads="1"/>
-          </p:cNvPicPr>
-          <p:nvPr/>
-        </p:nvPicPr>
-        <p:blipFill>
-          <a:blip r:embed="rId7"/>
-          <a:srcRect/>
-          <a:stretch>
-            <a:fillRect/>
-          </a:stretch>
-        </p:blipFill>
-        <p:spPr bwMode="auto">
-          <a:xfrm>
-            <a:off x="3156538" y="4066675"/>
-            <a:ext cx="2317832" cy="2554956"/>
-          </a:xfrm>
-          <a:prstGeom prst="rect">
-            <a:avLst/>
-          </a:prstGeom>
-          <a:noFill/>
-          <a:ln w="9525">
-            <a:noFill/>
-            <a:miter lim="800000"/>
-            <a:headEnd/>
-            <a:tailEnd/>
-          </a:ln>
-          <a:effectLst/>
-        </p:spPr>
-      </p:pic>
-      <p:pic>
-        <p:nvPicPr>
-          <p:cNvPr id="33807" name="Picture 15"/>
-          <p:cNvPicPr>
-            <a:picLocks noChangeAspect="1" noChangeArrowheads="1"/>
-          </p:cNvPicPr>
-          <p:nvPr/>
-        </p:nvPicPr>
-        <p:blipFill>
-          <a:blip r:embed="rId8"/>
-          <a:srcRect/>
-          <a:stretch>
-            <a:fillRect/>
-          </a:stretch>
-        </p:blipFill>
-        <p:spPr bwMode="auto">
-          <a:xfrm>
-            <a:off x="9098380" y="3946358"/>
-            <a:ext cx="2538542" cy="2569494"/>
-          </a:xfrm>
-          <a:prstGeom prst="rect">
-            <a:avLst/>
-          </a:prstGeom>
-          <a:noFill/>
-          <a:ln w="9525">
-            <a:noFill/>
-            <a:miter lim="800000"/>
-            <a:headEnd/>
-            <a:tailEnd/>
-          </a:ln>
-          <a:effectLst/>
-        </p:spPr>
-      </p:pic>
-      <p:pic>
-        <p:nvPicPr>
-          <p:cNvPr id="33808" name="Picture 16"/>
-          <p:cNvPicPr>
-            <a:picLocks noChangeAspect="1" noChangeArrowheads="1"/>
-          </p:cNvPicPr>
-          <p:nvPr/>
-        </p:nvPicPr>
-        <p:blipFill>
-          <a:blip r:embed="rId9"/>
-          <a:srcRect/>
-          <a:stretch>
-            <a:fillRect/>
-          </a:stretch>
-        </p:blipFill>
-        <p:spPr bwMode="auto">
-          <a:xfrm>
-            <a:off x="5789447" y="4152780"/>
-            <a:ext cx="2716880" cy="2466593"/>
-          </a:xfrm>
-          <a:prstGeom prst="rect">
-            <a:avLst/>
-          </a:prstGeom>
-          <a:noFill/>
-          <a:ln w="9525">
-            <a:noFill/>
-            <a:miter lim="800000"/>
-            <a:headEnd/>
-            <a:tailEnd/>
-          </a:ln>
-          <a:effectLst/>
-        </p:spPr>
-      </p:pic>
-    </p:spTree>
-  </p:cSld>
-  <p:clrMapOvr>
-    <a:masterClrMapping/>
-  </p:clrMapOvr>
-  <p:timing>
-    <p:tnLst>
-      <p:par>
-        <p:cTn id="1" dur="indefinite" restart="never" nodeType="tmRoot"/>
-      </p:par>
-    </p:tnLst>
-  </p:timing>
-</p:sld>
-</file>
-
-<file path=ppt/slides/slide15.xml><?xml version="1.0" encoding="utf-8"?>
-<p:sld xmlns:a="http://schemas.openxmlformats.org/drawingml/2006/main" xmlns:r="http://schemas.openxmlformats.org/officeDocument/2006/relationships" xmlns:p="http://schemas.openxmlformats.org/presentationml/2006/main">
-  <p:cSld>
-    <p:spTree>
-      <p:nvGrpSpPr>
-        <p:cNvPr id="1" name=""/>
-        <p:cNvGrpSpPr/>
-        <p:nvPr/>
-      </p:nvGrpSpPr>
-      <p:grpSpPr>
-        <a:xfrm>
-          <a:off x="0" y="0"/>
-          <a:ext cx="0" cy="0"/>
-          <a:chOff x="0" y="0"/>
-          <a:chExt cx="0" cy="0"/>
-        </a:xfrm>
-      </p:grpSpPr>
-      <p:sp>
-        <p:nvSpPr>
-          <p:cNvPr id="2" name="Title 1"/>
-          <p:cNvSpPr>
-            <a:spLocks noGrp="1"/>
-          </p:cNvSpPr>
-          <p:nvPr>
-            <p:ph type="title"/>
-          </p:nvPr>
-        </p:nvSpPr>
-        <p:spPr>
-          <a:xfrm>
-            <a:off x="1136469" y="134736"/>
+            <a:off x="1136470" y="134736"/>
             <a:ext cx="9313817" cy="856138"/>
           </a:xfrm>
         </p:spPr>
@@ -10762,7 +11471,7 @@
         </p:blipFill>
         <p:spPr bwMode="auto">
           <a:xfrm>
-            <a:off x="791829" y="1467853"/>
+            <a:off x="791829" y="1467855"/>
             <a:ext cx="5805272" cy="4836445"/>
           </a:xfrm>
           <a:prstGeom prst="rect">
@@ -10793,7 +11502,7 @@
 </p:sld>
 </file>
 
-<file path=ppt/slides/slide16.xml><?xml version="1.0" encoding="utf-8"?>
+<file path=ppt/slides/slide14.xml><?xml version="1.0" encoding="utf-8"?>
 <p:sld xmlns:a="http://schemas.openxmlformats.org/drawingml/2006/main" xmlns:r="http://schemas.openxmlformats.org/officeDocument/2006/relationships" xmlns:p="http://schemas.openxmlformats.org/presentationml/2006/main">
   <p:cSld>
     <p:spTree>
@@ -10869,11 +11578,7 @@
             <a:pPr marL="0" indent="0"/>
             <a:r>
               <a:rPr lang="en-IN" sz="2000" dirty="0" smtClean="0"/>
-              <a:t>Variable </a:t>
-            </a:r>
-            <a:r>
-              <a:rPr lang="en-IN" sz="2000" dirty="0" smtClean="0"/>
-              <a:t>Scaling for continuous variables to standardise the values</a:t>
+              <a:t>Variable Scaling for continuous variables to standardise the values</a:t>
             </a:r>
           </a:p>
           <a:p>
@@ -10967,7 +11672,7 @@
 </p:sld>
 </file>
 
-<file path=ppt/slides/slide17.xml><?xml version="1.0" encoding="utf-8"?>
+<file path=ppt/slides/slide15.xml><?xml version="1.0" encoding="utf-8"?>
 <p:sld xmlns:a="http://schemas.openxmlformats.org/drawingml/2006/main" xmlns:r="http://schemas.openxmlformats.org/officeDocument/2006/relationships" xmlns:p="http://schemas.openxmlformats.org/presentationml/2006/main">
   <p:cSld>
     <p:spTree>
@@ -11003,11 +11708,7 @@
           <a:p>
             <a:r>
               <a:rPr lang="en-US" dirty="0" smtClean="0"/>
-              <a:t>Final Model &amp; Model </a:t>
-            </a:r>
-            <a:r>
-              <a:rPr lang="en-US" dirty="0" smtClean="0"/>
-              <a:t>Interpretation</a:t>
+              <a:t>Final Model &amp; Model Interpretation</a:t>
             </a:r>
             <a:endParaRPr lang="en-US" dirty="0"/>
           </a:p>
@@ -11030,7 +11731,7 @@
         </p:blipFill>
         <p:spPr bwMode="auto">
           <a:xfrm>
-            <a:off x="463968" y="1836070"/>
+            <a:off x="463969" y="1836072"/>
             <a:ext cx="6162675" cy="3667125"/>
           </a:xfrm>
           <a:prstGeom prst="rect">
@@ -11055,15 +11756,15 @@
           <p:nvPr/>
         </p:nvGraphicFramePr>
         <p:xfrm>
-          <a:off x="7784431" y="2213812"/>
-          <a:ext cx="3200401" cy="1488950"/>
+          <a:off x="7784433" y="2213812"/>
+          <a:ext cx="3200402" cy="1488950"/>
         </p:xfrm>
         <a:graphic>
           <a:graphicData uri="http://schemas.openxmlformats.org/drawingml/2006/table">
             <a:tbl>
               <a:tblPr/>
               <a:tblGrid>
-                <a:gridCol w="1971446"/>
+                <a:gridCol w="1971447"/>
                 <a:gridCol w="1228955"/>
               </a:tblGrid>
               <a:tr h="203915">
@@ -11626,7 +12327,7 @@
         </p:nvSpPr>
         <p:spPr>
           <a:xfrm>
-            <a:off x="180473" y="820548"/>
+            <a:off x="180474" y="820548"/>
             <a:ext cx="11514221" cy="856138"/>
           </a:xfrm>
         </p:spPr>
@@ -11652,7 +12353,7 @@
         </p:nvSpPr>
         <p:spPr>
           <a:xfrm>
-            <a:off x="517347" y="1612220"/>
+            <a:off x="517348" y="1612220"/>
             <a:ext cx="9504957" cy="369332"/>
           </a:xfrm>
           <a:prstGeom prst="rect">
@@ -11671,14 +12372,7 @@
                 <a:latin typeface="Times New Roman" pitchFamily="18" charset="0"/>
                 <a:cs typeface="Times New Roman" pitchFamily="18" charset="0"/>
               </a:rPr>
-              <a:t>Understand the factors on which the factor leads to </a:t>
-            </a:r>
-            <a:r>
-              <a:rPr lang="en-US" dirty="0" smtClean="0">
-                <a:latin typeface="Times New Roman" pitchFamily="18" charset="0"/>
-                <a:cs typeface="Times New Roman" pitchFamily="18" charset="0"/>
-              </a:rPr>
-              <a:t>customer default</a:t>
+              <a:t>Understand the factors on which the factor leads to customer default</a:t>
             </a:r>
             <a:endParaRPr lang="en-US" dirty="0">
               <a:latin typeface="Times New Roman" pitchFamily="18" charset="0"/>
@@ -11694,7 +12388,7 @@
           <p:nvPr/>
         </p:nvGraphicFramePr>
         <p:xfrm>
-          <a:off x="696493" y="2093495"/>
+          <a:off x="696494" y="2093497"/>
           <a:ext cx="9000959" cy="4249375"/>
         </p:xfrm>
         <a:graphic>
@@ -11706,7 +12400,7 @@
     </p:spTree>
     <p:extLst>
       <p:ext uri="{BB962C8B-B14F-4D97-AF65-F5344CB8AC3E}">
-        <p14:creationId xmlns:p14="http://schemas.microsoft.com/office/powerpoint/2010/main" xmlns="" val="3869754742"/>
+        <p14:creationId xmlns="" xmlns:p14="http://schemas.microsoft.com/office/powerpoint/2010/main" val="3869754742"/>
       </p:ext>
     </p:extLst>
   </p:cSld>
@@ -11773,13 +12467,13 @@
         </p:nvSpPr>
         <p:spPr>
           <a:xfrm>
-            <a:off x="404949" y="1359568"/>
-            <a:ext cx="11168742" cy="4839619"/>
+            <a:off x="404950" y="1359570"/>
+            <a:ext cx="11168743" cy="4839619"/>
           </a:xfrm>
         </p:spPr>
         <p:txBody>
           <a:bodyPr>
-            <a:normAutofit fontScale="47500" lnSpcReduction="20000"/>
+            <a:normAutofit fontScale="55000" lnSpcReduction="20000"/>
           </a:bodyPr>
           <a:lstStyle/>
           <a:p>
@@ -11792,11 +12486,7 @@
             </a:r>
             <a:r>
               <a:rPr lang="en-US" sz="3300" dirty="0" smtClean="0"/>
-              <a:t> is a leading credit card provider that gets thousands of credit card applicants every year. But in the past few years, it has experienced an increase in credit loss. The CEO believes that the best strategy to mitigate credit risk is to ‘acquire the right </a:t>
-            </a:r>
-            <a:r>
-              <a:rPr lang="en-US" sz="3300" dirty="0" smtClean="0"/>
-              <a:t>customers</a:t>
+              <a:t> is a leading credit card provider that gets thousands of credit card applicants every year. But in the past few years, it has experienced an increase in credit loss. The CEO believes that the best strategy to mitigate credit risk is to ‘acquire the right customers</a:t>
             </a:r>
           </a:p>
           <a:p>
@@ -11811,61 +12501,32 @@
             </a:pPr>
             <a:r>
               <a:rPr lang="en-IN" dirty="0" smtClean="0"/>
-              <a:t>Key </a:t>
-            </a:r>
-            <a:r>
-              <a:rPr lang="en-IN" dirty="0" smtClean="0"/>
-              <a:t>focus areas : </a:t>
+              <a:t>Key focus areas : </a:t>
             </a:r>
           </a:p>
           <a:p>
             <a:pPr algn="just"/>
             <a:r>
               <a:rPr lang="en-US" dirty="0" smtClean="0"/>
-              <a:t>Identify </a:t>
+              <a:t>Identify the right customer using the predictive models using the past data </a:t>
             </a:r>
-            <a:r>
-              <a:rPr lang="en-US" dirty="0" smtClean="0"/>
-              <a:t>the right customer using the predictive models using the past data </a:t>
-            </a:r>
-            <a:endParaRPr lang="en-US" dirty="0" smtClean="0"/>
           </a:p>
           <a:p>
             <a:pPr algn="just"/>
             <a:r>
               <a:rPr lang="en-IN" dirty="0" smtClean="0"/>
-              <a:t>Identify which customer has high probability to default in the </a:t>
-            </a:r>
-            <a:r>
-              <a:rPr lang="en-IN" dirty="0" smtClean="0"/>
-              <a:t>future and d</a:t>
+              <a:t>Identify which customer has high probability to default in the future and d</a:t>
             </a:r>
             <a:r>
               <a:rPr lang="en-US" dirty="0" smtClean="0"/>
-              <a:t>determine </a:t>
-            </a:r>
-            <a:r>
-              <a:rPr lang="en-US" dirty="0" smtClean="0"/>
-              <a:t>the factors that </a:t>
-            </a:r>
-            <a:r>
-              <a:rPr lang="en-US" dirty="0" smtClean="0"/>
-              <a:t>are driving default rates</a:t>
+              <a:t>determine the factors that are driving default rates</a:t>
             </a:r>
           </a:p>
           <a:p>
             <a:pPr algn="just"/>
             <a:r>
               <a:rPr lang="en-US" dirty="0" smtClean="0"/>
-              <a:t>Strategy </a:t>
-            </a:r>
-            <a:r>
-              <a:rPr lang="en-US" dirty="0" smtClean="0"/>
-              <a:t>to mitigate the acquisition </a:t>
-            </a:r>
-            <a:r>
-              <a:rPr lang="en-US" dirty="0" smtClean="0"/>
-              <a:t>risk, and cost benefit analysis after m</a:t>
+              <a:t>Strategy to mitigate the acquisition risk, and cost benefit analysis after m</a:t>
             </a:r>
             <a:r>
               <a:rPr lang="en-IN" dirty="0" err="1" smtClean="0"/>
@@ -11875,7 +12536,6 @@
               <a:rPr lang="en-IN" dirty="0" smtClean="0"/>
               <a:t> implementation  </a:t>
             </a:r>
-            <a:endParaRPr lang="en-IN" dirty="0" smtClean="0"/>
           </a:p>
           <a:p>
             <a:pPr algn="just">
@@ -11885,7 +12545,6 @@
               <a:rPr lang="en-IN" dirty="0" smtClean="0"/>
               <a:t> </a:t>
             </a:r>
-            <a:endParaRPr lang="en-IN" dirty="0" smtClean="0"/>
           </a:p>
           <a:p>
             <a:pPr algn="just">
@@ -11895,31 +12554,13 @@
               <a:rPr lang="en-IN" dirty="0" smtClean="0"/>
               <a:t>Datasets</a:t>
             </a:r>
-            <a:endParaRPr lang="en-IN" dirty="0" smtClean="0"/>
           </a:p>
           <a:p>
             <a:pPr marL="0" indent="0"/>
             <a:r>
               <a:rPr lang="en-IN" sz="2700" dirty="0" smtClean="0"/>
-              <a:t>Demographic data : </a:t>
+              <a:t>Demographic data : Information collected at the time of  application about of an customer demographic like age, income, number of dependents  </a:t>
             </a:r>
-            <a:r>
-              <a:rPr lang="en-IN" sz="2700" dirty="0" smtClean="0"/>
-              <a:t>Information </a:t>
-            </a:r>
-            <a:r>
-              <a:rPr lang="en-IN" sz="2700" dirty="0" smtClean="0"/>
-              <a:t>collected at the time of  application about </a:t>
-            </a:r>
-            <a:r>
-              <a:rPr lang="en-IN" sz="2700" dirty="0" smtClean="0"/>
-              <a:t>of an </a:t>
-            </a:r>
-            <a:r>
-              <a:rPr lang="en-IN" sz="2700" dirty="0" smtClean="0"/>
-              <a:t>customer demographic like age, income, number of dependents  </a:t>
-            </a:r>
-            <a:endParaRPr lang="en-IN" sz="2700" dirty="0" smtClean="0"/>
           </a:p>
           <a:p>
             <a:pPr marL="0" indent="0"/>
@@ -11929,58 +12570,14 @@
             </a:r>
             <a:r>
               <a:rPr lang="en-US" sz="2700" dirty="0" smtClean="0"/>
-              <a:t> Information sourced from credit bureau, which represents credit history of the customer. Data represents information on - number of times 30 DPD , </a:t>
-            </a:r>
-            <a:r>
-              <a:rPr lang="en-US" sz="2700" dirty="0" smtClean="0"/>
-              <a:t>number of times </a:t>
-            </a:r>
-            <a:r>
-              <a:rPr lang="en-US" sz="2700" dirty="0" smtClean="0"/>
-              <a:t>60 </a:t>
-            </a:r>
-            <a:r>
-              <a:rPr lang="en-US" sz="2700" dirty="0" smtClean="0"/>
-              <a:t>DPD </a:t>
-            </a:r>
-            <a:r>
-              <a:rPr lang="en-US" sz="2700" dirty="0" smtClean="0"/>
-              <a:t>,</a:t>
-            </a:r>
-            <a:r>
-              <a:rPr lang="en-US" sz="2700" dirty="0" smtClean="0"/>
-              <a:t> number of times </a:t>
-            </a:r>
-            <a:r>
-              <a:rPr lang="en-US" sz="2700" dirty="0" smtClean="0"/>
-              <a:t>90 </a:t>
-            </a:r>
-            <a:r>
-              <a:rPr lang="en-US" sz="2700" dirty="0" smtClean="0"/>
-              <a:t>DPD , </a:t>
-            </a:r>
-            <a:r>
-              <a:rPr lang="en-US" sz="2700" dirty="0" smtClean="0"/>
-              <a:t> Total outstanding balance, number of trade lines opened, number of  enquires.</a:t>
+              <a:t> Information sourced from credit bureau, which represents credit history of the customer. Data represents information on - number of times 30 DPD , number of times 60 DPD , number of times 90 DPD ,  Total outstanding balance, number of trade lines opened, number of  enquires.</a:t>
             </a:r>
           </a:p>
           <a:p>
             <a:pPr marL="0" indent="0"/>
             <a:r>
               <a:rPr lang="en-US" sz="2700" dirty="0" smtClean="0"/>
-              <a:t>Default</a:t>
-            </a:r>
-            <a:r>
-              <a:rPr lang="en-US" sz="2700" dirty="0" smtClean="0"/>
-              <a:t> </a:t>
-            </a:r>
-            <a:r>
-              <a:rPr lang="en-US" sz="2700" dirty="0" smtClean="0"/>
-              <a:t>Definition : performance tag which represents whether the applicant has gone 90 days past due or worse in the past 12-months (i.e. defaulted) after getting a credit card</a:t>
-            </a:r>
-            <a:r>
-              <a:rPr lang="en-US" sz="2700" dirty="0" smtClean="0"/>
-              <a:t>.</a:t>
+              <a:t>Default Definition : performance tag which represents whether the applicant has gone 90 days past due or worse in the past 12-months (i.e. defaulted) after getting a credit card.</a:t>
             </a:r>
           </a:p>
           <a:p>
@@ -11997,7 +12594,6 @@
               <a:rPr lang="en-US" sz="2700" dirty="0" smtClean="0"/>
               <a:t>Data Preparation</a:t>
             </a:r>
-            <a:endParaRPr lang="en-US" sz="2700" dirty="0" smtClean="0"/>
           </a:p>
           <a:p>
             <a:pPr marL="0" indent="0"/>
@@ -12085,8 +12681,8 @@
           </p:nvPr>
         </p:nvGraphicFramePr>
         <p:xfrm>
-          <a:off x="404813" y="1854200"/>
-          <a:ext cx="11169650" cy="4344988"/>
+          <a:off x="609600" y="1935163"/>
+          <a:ext cx="10972800" cy="4389437"/>
         </p:xfrm>
         <a:graphic>
           <a:graphicData uri="http://schemas.openxmlformats.org/drawingml/2006/diagram">
@@ -12102,7 +12698,7 @@
         </p:nvSpPr>
         <p:spPr>
           <a:xfrm>
-            <a:off x="6003758" y="2490537"/>
+            <a:off x="6003759" y="2490537"/>
             <a:ext cx="184731" cy="369332"/>
           </a:xfrm>
           <a:prstGeom prst="rect">
@@ -12155,7 +12751,12 @@
             <p:ph type="title"/>
           </p:nvPr>
         </p:nvSpPr>
-        <p:spPr/>
+        <p:spPr>
+          <a:xfrm>
+            <a:off x="609600" y="704088"/>
+            <a:ext cx="10972800" cy="754009"/>
+          </a:xfrm>
+        </p:spPr>
         <p:txBody>
           <a:bodyPr>
             <a:normAutofit fontScale="90000"/>
@@ -12168,7 +12769,11 @@
             </a:r>
             <a:r>
               <a:rPr lang="en-US" dirty="0" smtClean="0"/>
-              <a:t>Understanding- Demographic Variables</a:t>
+              <a:t>Understanding : </a:t>
+            </a:r>
+            <a:r>
+              <a:rPr lang="en-US" dirty="0" smtClean="0"/>
+              <a:t>Demographic Variables</a:t>
             </a:r>
             <a:endParaRPr lang="en-US" dirty="0"/>
           </a:p>
@@ -12183,18 +12788,18 @@
           <p:nvPr/>
         </p:nvGraphicFramePr>
         <p:xfrm>
-          <a:off x="534068" y="1704397"/>
-          <a:ext cx="7442200" cy="3255645"/>
+          <a:off x="486032" y="1515757"/>
+          <a:ext cx="11549450" cy="5176079"/>
         </p:xfrm>
         <a:graphic>
           <a:graphicData uri="http://schemas.openxmlformats.org/drawingml/2006/table">
             <a:tbl>
               <a:tblPr/>
               <a:tblGrid>
-                <a:gridCol w="2448970"/>
-                <a:gridCol w="4993230"/>
+                <a:gridCol w="3800523"/>
+                <a:gridCol w="7748927"/>
               </a:tblGrid>
-              <a:tr h="228600">
+              <a:tr h="318291">
                 <a:tc gridSpan="2">
                   <a:txBody>
                     <a:bodyPr/>
@@ -12265,7 +12870,7 @@
                   <a:tcPr/>
                 </a:tc>
               </a:tr>
-              <a:tr h="228600">
+              <a:tr h="373676">
                 <a:tc>
                   <a:txBody>
                     <a:bodyPr/>
@@ -12385,7 +12990,7 @@
                   </a:tcPr>
                 </a:tc>
               </a:tr>
-              <a:tr h="228600">
+              <a:tr h="373676">
                 <a:tc>
                   <a:txBody>
                     <a:bodyPr/>
@@ -12505,7 +13110,7 @@
                   </a:tcPr>
                 </a:tc>
               </a:tr>
-              <a:tr h="228600">
+              <a:tr h="373676">
                 <a:tc>
                   <a:txBody>
                     <a:bodyPr/>
@@ -12625,7 +13230,7 @@
                   </a:tcPr>
                 </a:tc>
               </a:tr>
-              <a:tr h="228600">
+              <a:tr h="373676">
                 <a:tc>
                   <a:txBody>
                     <a:bodyPr/>
@@ -12745,7 +13350,7 @@
                   </a:tcPr>
                 </a:tc>
               </a:tr>
-              <a:tr h="228600">
+              <a:tr h="373676">
                 <a:tc>
                   <a:txBody>
                     <a:bodyPr/>
@@ -12865,7 +13470,7 @@
                   </a:tcPr>
                 </a:tc>
               </a:tr>
-              <a:tr h="228600">
+              <a:tr h="373676">
                 <a:tc>
                   <a:txBody>
                     <a:bodyPr/>
@@ -12985,7 +13590,7 @@
                   </a:tcPr>
                 </a:tc>
               </a:tr>
-              <a:tr h="228600">
+              <a:tr h="373676">
                 <a:tc>
                   <a:txBody>
                     <a:bodyPr/>
@@ -13105,7 +13710,7 @@
                   </a:tcPr>
                 </a:tc>
               </a:tr>
-              <a:tr h="228600">
+              <a:tr h="373676">
                 <a:tc>
                   <a:txBody>
                     <a:bodyPr/>
@@ -13225,7 +13830,7 @@
                   </a:tcPr>
                 </a:tc>
               </a:tr>
-              <a:tr h="228600">
+              <a:tr h="373676">
                 <a:tc>
                   <a:txBody>
                     <a:bodyPr/>
@@ -13345,7 +13950,7 @@
                   </a:tcPr>
                 </a:tc>
               </a:tr>
-              <a:tr h="228600">
+              <a:tr h="373676">
                 <a:tc>
                   <a:txBody>
                     <a:bodyPr/>
@@ -13465,7 +14070,7 @@
                   </a:tcPr>
                 </a:tc>
               </a:tr>
-              <a:tr h="228600">
+              <a:tr h="373676">
                 <a:tc>
                   <a:txBody>
                     <a:bodyPr/>
@@ -13585,7 +14190,7 @@
                   </a:tcPr>
                 </a:tc>
               </a:tr>
-              <a:tr h="228600">
+              <a:tr h="373676">
                 <a:tc>
                   <a:txBody>
                     <a:bodyPr/>
@@ -13705,7 +14310,7 @@
                   </a:tcPr>
                 </a:tc>
               </a:tr>
-              <a:tr h="228600">
+              <a:tr h="373676">
                 <a:tc>
                   <a:txBody>
                     <a:bodyPr/>
@@ -13713,7 +14318,7 @@
                     <a:p>
                       <a:pPr algn="l" fontAlgn="b"/>
                       <a:r>
-                        <a:rPr lang="en-US" sz="1100" b="0" i="0" u="none" strike="noStrike">
+                        <a:rPr lang="en-US" sz="1100" b="0" i="0" u="none" strike="noStrike" dirty="0">
                           <a:solidFill>
                             <a:srgbClr val="000000"/>
                           </a:solidFill>
@@ -13864,18 +14469,21 @@
             <p:ph type="title"/>
           </p:nvPr>
         </p:nvSpPr>
-        <p:spPr/>
+        <p:spPr>
+          <a:xfrm>
+            <a:off x="609600" y="704088"/>
+            <a:ext cx="10915135" cy="754009"/>
+          </a:xfrm>
+        </p:spPr>
         <p:txBody>
-          <a:bodyPr/>
+          <a:bodyPr>
+            <a:normAutofit fontScale="90000"/>
+          </a:bodyPr>
           <a:lstStyle/>
           <a:p>
             <a:r>
               <a:rPr lang="en-US" dirty="0" smtClean="0"/>
-              <a:t>Data Understanding </a:t>
-            </a:r>
-            <a:r>
-              <a:rPr lang="en-US" dirty="0" smtClean="0"/>
-              <a:t>: Bureau Variables</a:t>
+              <a:t>Data Understanding : Bureau Variables</a:t>
             </a:r>
             <a:endParaRPr lang="en-US" dirty="0"/>
           </a:p>
@@ -13890,18 +14498,18 @@
           <p:nvPr/>
         </p:nvGraphicFramePr>
         <p:xfrm>
-          <a:off x="494307" y="1501163"/>
-          <a:ext cx="7810500" cy="5057775"/>
+          <a:off x="494306" y="1501156"/>
+          <a:ext cx="11532937" cy="5253870"/>
         </p:xfrm>
         <a:graphic>
           <a:graphicData uri="http://schemas.openxmlformats.org/drawingml/2006/table">
             <a:tbl>
               <a:tblPr/>
               <a:tblGrid>
-                <a:gridCol w="3200400"/>
-                <a:gridCol w="4610100"/>
+                <a:gridCol w="4725690"/>
+                <a:gridCol w="6807247"/>
               </a:tblGrid>
-              <a:tr h="333375">
+              <a:tr h="346300">
                 <a:tc gridSpan="2">
                   <a:txBody>
                     <a:bodyPr/>
@@ -13972,7 +14580,7 @@
                   <a:tcPr/>
                 </a:tc>
               </a:tr>
-              <a:tr h="200025">
+              <a:tr h="207780">
                 <a:tc>
                   <a:txBody>
                     <a:bodyPr/>
@@ -14092,7 +14700,7 @@
                   </a:tcPr>
                 </a:tc>
               </a:tr>
-              <a:tr h="200025">
+              <a:tr h="207780">
                 <a:tc>
                   <a:txBody>
                     <a:bodyPr/>
@@ -14212,7 +14820,7 @@
                   </a:tcPr>
                 </a:tc>
               </a:tr>
-              <a:tr h="200025">
+              <a:tr h="207780">
                 <a:tc>
                   <a:txBody>
                     <a:bodyPr/>
@@ -14332,7 +14940,7 @@
                   </a:tcPr>
                 </a:tc>
               </a:tr>
-              <a:tr h="200025">
+              <a:tr h="207780">
                 <a:tc>
                   <a:txBody>
                     <a:bodyPr/>
@@ -14452,7 +15060,7 @@
                   </a:tcPr>
                 </a:tc>
               </a:tr>
-              <a:tr h="200025">
+              <a:tr h="207780">
                 <a:tc>
                   <a:txBody>
                     <a:bodyPr/>
@@ -14572,7 +15180,7 @@
                   </a:tcPr>
                 </a:tc>
               </a:tr>
-              <a:tr h="200025">
+              <a:tr h="358174">
                 <a:tc>
                   <a:txBody>
                     <a:bodyPr/>
@@ -14692,7 +15300,7 @@
                   </a:tcPr>
                 </a:tc>
               </a:tr>
-              <a:tr h="200025">
+              <a:tr h="358174">
                 <a:tc>
                   <a:txBody>
                     <a:bodyPr/>
@@ -14848,7 +15456,7 @@
                   </a:tcPr>
                 </a:tc>
               </a:tr>
-              <a:tr h="200025">
+              <a:tr h="358174">
                 <a:tc>
                   <a:txBody>
                     <a:bodyPr/>
@@ -14968,7 +15576,7 @@
                   </a:tcPr>
                 </a:tc>
               </a:tr>
-              <a:tr h="200025">
+              <a:tr h="207780">
                 <a:tc>
                   <a:txBody>
                     <a:bodyPr/>
@@ -15088,7 +15696,7 @@
                   </a:tcPr>
                 </a:tc>
               </a:tr>
-              <a:tr h="200025">
+              <a:tr h="207780">
                 <a:tc>
                   <a:txBody>
                     <a:bodyPr/>
@@ -15208,7 +15816,7 @@
                   </a:tcPr>
                 </a:tc>
               </a:tr>
-              <a:tr h="200025">
+              <a:tr h="207780">
                 <a:tc>
                   <a:txBody>
                     <a:bodyPr/>
@@ -15328,7 +15936,7 @@
                   </a:tcPr>
                 </a:tc>
               </a:tr>
-              <a:tr h="200025">
+              <a:tr h="207780">
                 <a:tc>
                   <a:txBody>
                     <a:bodyPr/>
@@ -15448,7 +16056,7 @@
                   </a:tcPr>
                 </a:tc>
               </a:tr>
-              <a:tr h="200025">
+              <a:tr h="207780">
                 <a:tc>
                   <a:txBody>
                     <a:bodyPr/>
@@ -15568,7 +16176,7 @@
                   </a:tcPr>
                 </a:tc>
               </a:tr>
-              <a:tr h="200025">
+              <a:tr h="358174">
                 <a:tc>
                   <a:txBody>
                     <a:bodyPr/>
@@ -15688,7 +16296,7 @@
                   </a:tcPr>
                 </a:tc>
               </a:tr>
-              <a:tr h="200025">
+              <a:tr h="358174">
                 <a:tc>
                   <a:txBody>
                     <a:bodyPr/>
@@ -15808,7 +16416,7 @@
                   </a:tcPr>
                 </a:tc>
               </a:tr>
-              <a:tr h="200025">
+              <a:tr h="207780">
                 <a:tc>
                   <a:txBody>
                     <a:bodyPr/>
@@ -15928,7 +16536,7 @@
                   </a:tcPr>
                 </a:tc>
               </a:tr>
-              <a:tr h="200025">
+              <a:tr h="207780">
                 <a:tc>
                   <a:txBody>
                     <a:bodyPr/>
@@ -16048,7 +16656,7 @@
                   </a:tcPr>
                 </a:tc>
               </a:tr>
-              <a:tr h="200025">
+              <a:tr h="207780">
                 <a:tc>
                   <a:txBody>
                     <a:bodyPr/>
@@ -16168,7 +16776,7 @@
                   </a:tcPr>
                 </a:tc>
               </a:tr>
-              <a:tr h="200025">
+              <a:tr h="207780">
                 <a:tc>
                   <a:txBody>
                     <a:bodyPr/>
@@ -16288,7 +16896,7 @@
                   </a:tcPr>
                 </a:tc>
               </a:tr>
-              <a:tr h="200025">
+              <a:tr h="207780">
                 <a:tc>
                   <a:txBody>
                     <a:bodyPr/>
@@ -16477,8 +17085,336 @@
         </p:blipFill>
         <p:spPr bwMode="auto">
           <a:xfrm>
-            <a:off x="398297" y="1334503"/>
-            <a:ext cx="2465220" cy="2303108"/>
+            <a:off x="373582" y="2306569"/>
+            <a:ext cx="3679433" cy="4020090"/>
+          </a:xfrm>
+          <a:prstGeom prst="rect">
+            <a:avLst/>
+          </a:prstGeom>
+          <a:noFill/>
+          <a:ln w="9525">
+            <a:noFill/>
+            <a:miter lim="800000"/>
+            <a:headEnd/>
+            <a:tailEnd/>
+          </a:ln>
+          <a:effectLst/>
+        </p:spPr>
+      </p:pic>
+      <p:graphicFrame>
+        <p:nvGraphicFramePr>
+          <p:cNvPr id="4" name="Table 3"/>
+          <p:cNvGraphicFramePr>
+            <a:graphicFrameLocks noGrp="1"/>
+          </p:cNvGraphicFramePr>
+          <p:nvPr/>
+        </p:nvGraphicFramePr>
+        <p:xfrm>
+          <a:off x="617837" y="2050536"/>
+          <a:ext cx="10503244" cy="230950"/>
+        </p:xfrm>
+        <a:graphic>
+          <a:graphicData uri="http://schemas.openxmlformats.org/drawingml/2006/table">
+            <a:tbl>
+              <a:tblPr/>
+              <a:tblGrid>
+                <a:gridCol w="10503244"/>
+              </a:tblGrid>
+              <a:tr h="0">
+                <a:tc>
+                  <a:txBody>
+                    <a:bodyPr/>
+                    <a:lstStyle/>
+                    <a:p>
+                      <a:pPr algn="l">
+                        <a:lnSpc>
+                          <a:spcPct val="115000"/>
+                        </a:lnSpc>
+                        <a:spcAft>
+                          <a:spcPts val="0"/>
+                        </a:spcAft>
+                      </a:pPr>
+                      <a:r>
+                        <a:rPr lang="en-IN" sz="1400" dirty="0">
+                          <a:solidFill>
+                            <a:srgbClr val="000000"/>
+                          </a:solidFill>
+                          <a:latin typeface="Calibri"/>
+                          <a:ea typeface="Times New Roman"/>
+                          <a:cs typeface="Calibri"/>
+                        </a:rPr>
+                        <a:t>We have plotted the following graphs to identify possible significant variables through EDA</a:t>
+                      </a:r>
+                      <a:endParaRPr lang="en-IN" sz="1400" dirty="0">
+                        <a:latin typeface="Calibri"/>
+                        <a:ea typeface="Times New Roman"/>
+                        <a:cs typeface="Times New Roman"/>
+                      </a:endParaRPr>
+                    </a:p>
+                  </a:txBody>
+                  <a:tcPr marL="0" marR="0" marT="0" marB="0">
+                    <a:lnL>
+                      <a:noFill/>
+                    </a:lnL>
+                    <a:lnR>
+                      <a:noFill/>
+                    </a:lnR>
+                    <a:lnT>
+                      <a:noFill/>
+                    </a:lnT>
+                    <a:lnB>
+                      <a:noFill/>
+                    </a:lnB>
+                  </a:tcPr>
+                </a:tc>
+              </a:tr>
+            </a:tbl>
+          </a:graphicData>
+        </a:graphic>
+      </p:graphicFrame>
+      <p:graphicFrame>
+        <p:nvGraphicFramePr>
+          <p:cNvPr id="5" name="Table 4"/>
+          <p:cNvGraphicFramePr>
+            <a:graphicFrameLocks noGrp="1"/>
+          </p:cNvGraphicFramePr>
+          <p:nvPr/>
+        </p:nvGraphicFramePr>
+        <p:xfrm>
+          <a:off x="591966" y="6481560"/>
+          <a:ext cx="809625" cy="163957"/>
+        </p:xfrm>
+        <a:graphic>
+          <a:graphicData uri="http://schemas.openxmlformats.org/drawingml/2006/table">
+            <a:tbl>
+              <a:tblPr/>
+              <a:tblGrid>
+                <a:gridCol w="809625"/>
+              </a:tblGrid>
+              <a:tr h="0">
+                <a:tc>
+                  <a:txBody>
+                    <a:bodyPr/>
+                    <a:lstStyle/>
+                    <a:p>
+                      <a:pPr algn="l">
+                        <a:lnSpc>
+                          <a:spcPct val="115000"/>
+                        </a:lnSpc>
+                        <a:spcAft>
+                          <a:spcPts val="0"/>
+                        </a:spcAft>
+                      </a:pPr>
+                      <a:r>
+                        <a:rPr lang="en-IN" sz="1000" dirty="0">
+                          <a:solidFill>
+                            <a:srgbClr val="000000"/>
+                          </a:solidFill>
+                          <a:latin typeface="Calibri Bold"/>
+                          <a:ea typeface="Times New Roman"/>
+                          <a:cs typeface="Calibri Bold"/>
+                        </a:rPr>
+                        <a:t>Observation :</a:t>
+                      </a:r>
+                      <a:endParaRPr lang="en-IN" sz="1000" dirty="0">
+                        <a:latin typeface="Calibri"/>
+                        <a:ea typeface="Times New Roman"/>
+                        <a:cs typeface="Times New Roman"/>
+                      </a:endParaRPr>
+                    </a:p>
+                  </a:txBody>
+                  <a:tcPr marL="0" marR="0" marT="0" marB="0">
+                    <a:lnL>
+                      <a:noFill/>
+                    </a:lnL>
+                    <a:lnR>
+                      <a:noFill/>
+                    </a:lnR>
+                    <a:lnT>
+                      <a:noFill/>
+                    </a:lnT>
+                    <a:lnB>
+                      <a:noFill/>
+                    </a:lnB>
+                  </a:tcPr>
+                </a:tc>
+              </a:tr>
+            </a:tbl>
+          </a:graphicData>
+        </a:graphic>
+      </p:graphicFrame>
+      <p:graphicFrame>
+        <p:nvGraphicFramePr>
+          <p:cNvPr id="6" name="Table 5"/>
+          <p:cNvGraphicFramePr>
+            <a:graphicFrameLocks noGrp="1"/>
+          </p:cNvGraphicFramePr>
+          <p:nvPr/>
+        </p:nvGraphicFramePr>
+        <p:xfrm>
+          <a:off x="1471096" y="6476130"/>
+          <a:ext cx="3038475" cy="204757"/>
+        </p:xfrm>
+        <a:graphic>
+          <a:graphicData uri="http://schemas.openxmlformats.org/drawingml/2006/table">
+            <a:tbl>
+              <a:tblPr/>
+              <a:tblGrid>
+                <a:gridCol w="3038475"/>
+              </a:tblGrid>
+              <a:tr h="204757">
+                <a:tc>
+                  <a:txBody>
+                    <a:bodyPr/>
+                    <a:lstStyle/>
+                    <a:p>
+                      <a:pPr algn="l">
+                        <a:lnSpc>
+                          <a:spcPct val="115000"/>
+                        </a:lnSpc>
+                        <a:spcAft>
+                          <a:spcPts val="0"/>
+                        </a:spcAft>
+                      </a:pPr>
+                      <a:r>
+                        <a:rPr lang="en-IN" sz="1050" dirty="0">
+                          <a:solidFill>
+                            <a:srgbClr val="006FC0"/>
+                          </a:solidFill>
+                          <a:latin typeface="Calibri Italic"/>
+                          <a:ea typeface="Times New Roman"/>
+                          <a:cs typeface="Calibri Italic"/>
+                        </a:rPr>
+                        <a:t>Age group between 40-55 tend to default the most</a:t>
+                      </a:r>
+                      <a:endParaRPr lang="en-IN" sz="1050" dirty="0">
+                        <a:latin typeface="Calibri"/>
+                        <a:ea typeface="Times New Roman"/>
+                        <a:cs typeface="Times New Roman"/>
+                      </a:endParaRPr>
+                    </a:p>
+                  </a:txBody>
+                  <a:tcPr marL="0" marR="0" marT="0" marB="0">
+                    <a:lnL>
+                      <a:noFill/>
+                    </a:lnL>
+                    <a:lnR>
+                      <a:noFill/>
+                    </a:lnR>
+                    <a:lnT>
+                      <a:noFill/>
+                    </a:lnT>
+                    <a:lnB>
+                      <a:noFill/>
+                    </a:lnB>
+                  </a:tcPr>
+                </a:tc>
+              </a:tr>
+            </a:tbl>
+          </a:graphicData>
+        </a:graphic>
+      </p:graphicFrame>
+      <p:graphicFrame>
+        <p:nvGraphicFramePr>
+          <p:cNvPr id="9" name="Table 8"/>
+          <p:cNvGraphicFramePr>
+            <a:graphicFrameLocks noGrp="1"/>
+          </p:cNvGraphicFramePr>
+          <p:nvPr/>
+        </p:nvGraphicFramePr>
+        <p:xfrm>
+          <a:off x="5424100" y="6450365"/>
+          <a:ext cx="4856721" cy="201549"/>
+        </p:xfrm>
+        <a:graphic>
+          <a:graphicData uri="http://schemas.openxmlformats.org/drawingml/2006/table">
+            <a:tbl>
+              <a:tblPr/>
+              <a:tblGrid>
+                <a:gridCol w="4856721"/>
+              </a:tblGrid>
+              <a:tr h="0">
+                <a:tc>
+                  <a:txBody>
+                    <a:bodyPr/>
+                    <a:lstStyle/>
+                    <a:p>
+                      <a:pPr algn="l">
+                        <a:lnSpc>
+                          <a:spcPct val="115000"/>
+                        </a:lnSpc>
+                        <a:spcAft>
+                          <a:spcPts val="0"/>
+                        </a:spcAft>
+                      </a:pPr>
+                      <a:r>
+                        <a:rPr lang="en-IN" sz="1150" dirty="0">
+                          <a:solidFill>
+                            <a:srgbClr val="000000"/>
+                          </a:solidFill>
+                          <a:latin typeface="Calibri Bold"/>
+                          <a:ea typeface="Times New Roman"/>
+                          <a:cs typeface="Calibri Bold"/>
+                        </a:rPr>
+                        <a:t>Observation : </a:t>
+                      </a:r>
+                      <a:r>
+                        <a:rPr lang="en-IN" sz="1050" dirty="0">
+                          <a:solidFill>
+                            <a:srgbClr val="006FC0"/>
+                          </a:solidFill>
+                          <a:latin typeface="Calibri Italic"/>
+                          <a:ea typeface="Times New Roman"/>
+                          <a:cs typeface="Calibri Italic"/>
+                        </a:rPr>
+                        <a:t>Males seems to default more than females.</a:t>
+                      </a:r>
+                      <a:endParaRPr lang="en-IN" sz="1100" dirty="0">
+                        <a:latin typeface="Calibri"/>
+                        <a:ea typeface="Times New Roman"/>
+                        <a:cs typeface="Times New Roman"/>
+                      </a:endParaRPr>
+                    </a:p>
+                  </a:txBody>
+                  <a:tcPr marL="0" marR="0" marT="0" marB="0">
+                    <a:lnL>
+                      <a:noFill/>
+                    </a:lnL>
+                    <a:lnR>
+                      <a:noFill/>
+                    </a:lnR>
+                    <a:lnT>
+                      <a:noFill/>
+                    </a:lnT>
+                    <a:lnB>
+                      <a:noFill/>
+                    </a:lnB>
+                  </a:tcPr>
+                </a:tc>
+              </a:tr>
+            </a:tbl>
+          </a:graphicData>
+        </a:graphic>
+      </p:graphicFrame>
+      <p:pic>
+        <p:nvPicPr>
+          <p:cNvPr id="11266" name="Picture 2"/>
+          <p:cNvPicPr>
+            <a:picLocks noChangeAspect="1" noChangeArrowheads="1"/>
+          </p:cNvPicPr>
+          <p:nvPr/>
+        </p:nvPicPr>
+        <p:blipFill>
+          <a:blip r:embed="rId3"/>
+          <a:srcRect/>
+          <a:stretch>
+            <a:fillRect/>
+          </a:stretch>
+        </p:blipFill>
+        <p:spPr bwMode="auto">
+          <a:xfrm>
+            <a:off x="4522572" y="2570204"/>
+            <a:ext cx="6695603" cy="3583459"/>
           </a:xfrm>
           <a:prstGeom prst="rect">
             <a:avLst/>
@@ -16543,7 +17479,7 @@
       </p:sp>
       <p:pic>
         <p:nvPicPr>
-          <p:cNvPr id="30723" name="Picture 3"/>
+          <p:cNvPr id="10241" name="Picture 1"/>
           <p:cNvPicPr>
             <a:picLocks noChangeAspect="1" noChangeArrowheads="1"/>
           </p:cNvPicPr>
@@ -16558,8 +17494,8 @@
         </p:blipFill>
         <p:spPr bwMode="auto">
           <a:xfrm>
-            <a:off x="494045" y="1830463"/>
-            <a:ext cx="2369469" cy="2487372"/>
+            <a:off x="387178" y="2059459"/>
+            <a:ext cx="4843850" cy="3328087"/>
           </a:xfrm>
           <a:prstGeom prst="rect">
             <a:avLst/>
@@ -16576,7 +17512,7 @@
       </p:pic>
       <p:pic>
         <p:nvPicPr>
-          <p:cNvPr id="30724" name="Picture 4"/>
+          <p:cNvPr id="10242" name="Picture 2"/>
           <p:cNvPicPr>
             <a:picLocks noChangeAspect="1" noChangeArrowheads="1"/>
           </p:cNvPicPr>
@@ -16591,8 +17527,8 @@
         </p:blipFill>
         <p:spPr bwMode="auto">
           <a:xfrm>
-            <a:off x="3570519" y="1925065"/>
-            <a:ext cx="2234716" cy="2423361"/>
+            <a:off x="5774724" y="1919416"/>
+            <a:ext cx="5972433" cy="3657234"/>
           </a:xfrm>
           <a:prstGeom prst="rect">
             <a:avLst/>
@@ -16607,25 +17543,296 @@
           <a:effectLst/>
         </p:spPr>
       </p:pic>
-      <p:pic>
-        <p:nvPicPr>
-          <p:cNvPr id="30725" name="Picture 5"/>
-          <p:cNvPicPr>
-            <a:picLocks noChangeAspect="1" noChangeArrowheads="1"/>
-          </p:cNvPicPr>
+      <p:graphicFrame>
+        <p:nvGraphicFramePr>
+          <p:cNvPr id="11" name="Table 10"/>
+          <p:cNvGraphicFramePr>
+            <a:graphicFrameLocks noGrp="1"/>
+          </p:cNvGraphicFramePr>
           <p:nvPr/>
-        </p:nvPicPr>
-        <p:blipFill>
-          <a:blip r:embed="rId4"/>
-          <a:srcRect/>
-          <a:stretch>
-            <a:fillRect/>
-          </a:stretch>
-        </p:blipFill>
+        </p:nvGraphicFramePr>
+        <p:xfrm>
+          <a:off x="472002" y="5832528"/>
+          <a:ext cx="4775501" cy="609461"/>
+        </p:xfrm>
+        <a:graphic>
+          <a:graphicData uri="http://schemas.openxmlformats.org/drawingml/2006/table">
+            <a:tbl>
+              <a:tblPr/>
+              <a:tblGrid>
+                <a:gridCol w="4775501"/>
+              </a:tblGrid>
+              <a:tr h="609461">
+                <a:tc>
+                  <a:txBody>
+                    <a:bodyPr/>
+                    <a:lstStyle/>
+                    <a:p>
+                      <a:pPr algn="l">
+                        <a:lnSpc>
+                          <a:spcPct val="115000"/>
+                        </a:lnSpc>
+                        <a:spcAft>
+                          <a:spcPts val="0"/>
+                        </a:spcAft>
+                      </a:pPr>
+                      <a:r>
+                        <a:rPr lang="en-IN" sz="1150" dirty="0">
+                          <a:solidFill>
+                            <a:srgbClr val="000000"/>
+                          </a:solidFill>
+                          <a:latin typeface="Calibri Bold"/>
+                          <a:ea typeface="Times New Roman"/>
+                          <a:cs typeface="Calibri Bold"/>
+                        </a:rPr>
+                        <a:t>Observation : </a:t>
+                      </a:r>
+                      <a:r>
+                        <a:rPr lang="en-IN" sz="1050" dirty="0">
+                          <a:solidFill>
+                            <a:srgbClr val="006FC0"/>
+                          </a:solidFill>
+                          <a:latin typeface="Calibri Italic"/>
+                          <a:ea typeface="Times New Roman"/>
+                          <a:cs typeface="Calibri Italic"/>
+                        </a:rPr>
+                        <a:t>Applicants having </a:t>
+                      </a:r>
+                      <a:r>
+                        <a:rPr lang="en-IN" sz="1050" dirty="0" smtClean="0">
+                          <a:solidFill>
+                            <a:srgbClr val="006FC0"/>
+                          </a:solidFill>
+                          <a:latin typeface="Calibri Italic"/>
+                          <a:ea typeface="Times New Roman"/>
+                          <a:cs typeface="Calibri Italic"/>
+                        </a:rPr>
+                        <a:t>marital </a:t>
+                      </a:r>
+                      <a:r>
+                        <a:rPr lang="en-IN" sz="1100" dirty="0" smtClean="0">
+                          <a:solidFill>
+                            <a:srgbClr val="006FC0"/>
+                          </a:solidFill>
+                          <a:latin typeface="Calibri Italic"/>
+                          <a:ea typeface="Times New Roman"/>
+                          <a:cs typeface="Calibri Italic"/>
+                        </a:rPr>
+                        <a:t>status married has high risk of</a:t>
+                      </a:r>
+                      <a:endParaRPr lang="en-IN" sz="1200" dirty="0" smtClean="0">
+                        <a:latin typeface="Calibri"/>
+                        <a:ea typeface="Times New Roman"/>
+                        <a:cs typeface="Times New Roman"/>
+                      </a:endParaRPr>
+                    </a:p>
+                    <a:p>
+                      <a:pPr algn="l">
+                        <a:lnSpc>
+                          <a:spcPct val="115000"/>
+                        </a:lnSpc>
+                        <a:spcAft>
+                          <a:spcPts val="0"/>
+                        </a:spcAft>
+                      </a:pPr>
+                      <a:r>
+                        <a:rPr lang="en-IN" sz="1100" dirty="0" smtClean="0">
+                          <a:solidFill>
+                            <a:srgbClr val="006FC0"/>
+                          </a:solidFill>
+                          <a:latin typeface="Calibri Italic"/>
+                          <a:ea typeface="Times New Roman"/>
+                          <a:cs typeface="Calibri Italic"/>
+                        </a:rPr>
+                        <a:t>defaulting</a:t>
+                      </a:r>
+                      <a:endParaRPr lang="en-IN" sz="1200" dirty="0" smtClean="0">
+                        <a:latin typeface="Calibri"/>
+                        <a:ea typeface="Times New Roman"/>
+                        <a:cs typeface="Times New Roman"/>
+                      </a:endParaRPr>
+                    </a:p>
+                    <a:p>
+                      <a:pPr algn="l">
+                        <a:lnSpc>
+                          <a:spcPct val="115000"/>
+                        </a:lnSpc>
+                        <a:spcAft>
+                          <a:spcPts val="0"/>
+                        </a:spcAft>
+                      </a:pPr>
+                      <a:endParaRPr lang="en-IN" sz="1100" dirty="0">
+                        <a:latin typeface="Calibri"/>
+                        <a:ea typeface="Times New Roman"/>
+                        <a:cs typeface="Times New Roman"/>
+                      </a:endParaRPr>
+                    </a:p>
+                  </a:txBody>
+                  <a:tcPr marL="0" marR="0" marT="0" marB="0">
+                    <a:lnL>
+                      <a:noFill/>
+                    </a:lnL>
+                    <a:lnR>
+                      <a:noFill/>
+                    </a:lnR>
+                    <a:lnT>
+                      <a:noFill/>
+                    </a:lnT>
+                    <a:lnB>
+                      <a:noFill/>
+                    </a:lnB>
+                  </a:tcPr>
+                </a:tc>
+              </a:tr>
+            </a:tbl>
+          </a:graphicData>
+        </a:graphic>
+      </p:graphicFrame>
+      <p:graphicFrame>
+        <p:nvGraphicFramePr>
+          <p:cNvPr id="13" name="Table 12"/>
+          <p:cNvGraphicFramePr>
+            <a:graphicFrameLocks noGrp="1"/>
+          </p:cNvGraphicFramePr>
+          <p:nvPr/>
+        </p:nvGraphicFramePr>
+        <p:xfrm>
+          <a:off x="6511881" y="5821482"/>
+          <a:ext cx="4436205" cy="785264"/>
+        </p:xfrm>
+        <a:graphic>
+          <a:graphicData uri="http://schemas.openxmlformats.org/drawingml/2006/table">
+            <a:tbl>
+              <a:tblPr/>
+              <a:tblGrid>
+                <a:gridCol w="4436205"/>
+              </a:tblGrid>
+              <a:tr h="785264">
+                <a:tc>
+                  <a:txBody>
+                    <a:bodyPr/>
+                    <a:lstStyle/>
+                    <a:p>
+                      <a:pPr algn="l">
+                        <a:lnSpc>
+                          <a:spcPct val="115000"/>
+                        </a:lnSpc>
+                        <a:spcAft>
+                          <a:spcPts val="0"/>
+                        </a:spcAft>
+                      </a:pPr>
+                      <a:r>
+                        <a:rPr lang="en-IN" sz="900" b="1" dirty="0">
+                          <a:solidFill>
+                            <a:srgbClr val="000000"/>
+                          </a:solidFill>
+                          <a:latin typeface="Calibri Bold"/>
+                          <a:ea typeface="Times New Roman"/>
+                          <a:cs typeface="Calibri Bold"/>
+                        </a:rPr>
+                        <a:t>Observation</a:t>
+                      </a:r>
+                      <a:r>
+                        <a:rPr lang="en-IN" sz="900" dirty="0">
+                          <a:solidFill>
+                            <a:srgbClr val="000000"/>
+                          </a:solidFill>
+                          <a:latin typeface="Calibri Bold"/>
+                          <a:ea typeface="Times New Roman"/>
+                          <a:cs typeface="Calibri Bold"/>
+                        </a:rPr>
+                        <a:t> : </a:t>
+                      </a:r>
+                      <a:r>
+                        <a:rPr lang="en-IN" sz="900" dirty="0">
+                          <a:solidFill>
+                            <a:srgbClr val="006FC0"/>
+                          </a:solidFill>
+                          <a:latin typeface="Calibri Italic"/>
+                          <a:ea typeface="Times New Roman"/>
+                          <a:cs typeface="Calibri Italic"/>
+                        </a:rPr>
+                        <a:t>Applicants with Masters or </a:t>
+                      </a:r>
+                      <a:r>
+                        <a:rPr lang="en-IN" sz="900" dirty="0" smtClean="0">
+                          <a:solidFill>
+                            <a:srgbClr val="006FC0"/>
+                          </a:solidFill>
+                          <a:latin typeface="Calibri Italic"/>
+                          <a:ea typeface="Times New Roman"/>
+                          <a:cs typeface="Calibri Italic"/>
+                        </a:rPr>
+                        <a:t>Professional Educational</a:t>
+                      </a:r>
+                      <a:r>
+                        <a:rPr lang="en-IN" sz="900" baseline="0" dirty="0" smtClean="0">
+                          <a:solidFill>
+                            <a:srgbClr val="006FC0"/>
+                          </a:solidFill>
+                          <a:latin typeface="Calibri Italic"/>
+                          <a:ea typeface="Times New Roman"/>
+                          <a:cs typeface="Calibri Italic"/>
+                        </a:rPr>
+                        <a:t> qualification has higher risk of defaulting</a:t>
+                      </a:r>
+                      <a:endParaRPr lang="en-IN" sz="900" dirty="0" smtClean="0">
+                        <a:solidFill>
+                          <a:srgbClr val="006FC0"/>
+                        </a:solidFill>
+                        <a:latin typeface="Calibri Italic"/>
+                        <a:ea typeface="Times New Roman"/>
+                        <a:cs typeface="Calibri Italic"/>
+                      </a:endParaRPr>
+                    </a:p>
+                    <a:p>
+                      <a:pPr algn="l">
+                        <a:lnSpc>
+                          <a:spcPct val="115000"/>
+                        </a:lnSpc>
+                        <a:spcAft>
+                          <a:spcPts val="0"/>
+                        </a:spcAft>
+                      </a:pPr>
+                      <a:endParaRPr lang="en-IN" sz="1100" dirty="0">
+                        <a:latin typeface="Calibri"/>
+                        <a:ea typeface="Times New Roman"/>
+                        <a:cs typeface="Times New Roman"/>
+                      </a:endParaRPr>
+                    </a:p>
+                  </a:txBody>
+                  <a:tcPr marL="0" marR="0" marT="0" marB="0">
+                    <a:lnL>
+                      <a:noFill/>
+                    </a:lnL>
+                    <a:lnR>
+                      <a:noFill/>
+                    </a:lnR>
+                    <a:lnT>
+                      <a:noFill/>
+                    </a:lnT>
+                    <a:lnB>
+                      <a:noFill/>
+                    </a:lnB>
+                  </a:tcPr>
+                </a:tc>
+              </a:tr>
+            </a:tbl>
+          </a:graphicData>
+        </a:graphic>
+      </p:graphicFrame>
+      <p:sp>
+        <p:nvSpPr>
+          <p:cNvPr id="10243" name="Rectangle 3"/>
+          <p:cNvSpPr>
+            <a:spLocks noChangeArrowheads="1"/>
+          </p:cNvSpPr>
+          <p:nvPr/>
+        </p:nvSpPr>
         <p:spPr bwMode="auto">
           <a:xfrm>
-            <a:off x="6375233" y="1903498"/>
-            <a:ext cx="2094999" cy="2255638"/>
+            <a:off x="0" y="0"/>
+            <a:ext cx="12192000" cy="0"/>
           </a:xfrm>
           <a:prstGeom prst="rect">
             <a:avLst/>
@@ -16639,106 +17846,74 @@
           </a:ln>
           <a:effectLst/>
         </p:spPr>
-      </p:pic>
-      <p:pic>
-        <p:nvPicPr>
-          <p:cNvPr id="30726" name="Picture 6"/>
-          <p:cNvPicPr>
-            <a:picLocks noChangeAspect="1" noChangeArrowheads="1"/>
-          </p:cNvPicPr>
-          <p:nvPr/>
-        </p:nvPicPr>
-        <p:blipFill>
-          <a:blip r:embed="rId5"/>
-          <a:srcRect/>
-          <a:stretch>
-            <a:fillRect/>
-          </a:stretch>
-        </p:blipFill>
-        <p:spPr bwMode="auto">
-          <a:xfrm>
-            <a:off x="9190283" y="1792705"/>
-            <a:ext cx="2351509" cy="2534151"/>
-          </a:xfrm>
-          <a:prstGeom prst="rect">
-            <a:avLst/>
-          </a:prstGeom>
-          <a:noFill/>
-          <a:ln w="9525">
-            <a:noFill/>
-            <a:miter lim="800000"/>
-            <a:headEnd/>
-            <a:tailEnd/>
-          </a:ln>
-          <a:effectLst/>
-        </p:spPr>
-      </p:pic>
-      <p:pic>
-        <p:nvPicPr>
-          <p:cNvPr id="30727" name="Picture 7"/>
-          <p:cNvPicPr>
-            <a:picLocks noChangeAspect="1" noChangeArrowheads="1"/>
-          </p:cNvPicPr>
-          <p:nvPr/>
-        </p:nvPicPr>
-        <p:blipFill>
-          <a:blip r:embed="rId6"/>
-          <a:srcRect/>
-          <a:stretch>
-            <a:fillRect/>
-          </a:stretch>
-        </p:blipFill>
-        <p:spPr bwMode="auto">
-          <a:xfrm>
-            <a:off x="765761" y="4498713"/>
-            <a:ext cx="2206040" cy="2359287"/>
-          </a:xfrm>
-          <a:prstGeom prst="rect">
-            <a:avLst/>
-          </a:prstGeom>
-          <a:noFill/>
-          <a:ln w="9525">
-            <a:noFill/>
-            <a:miter lim="800000"/>
-            <a:headEnd/>
-            <a:tailEnd/>
-          </a:ln>
-          <a:effectLst/>
-        </p:spPr>
-      </p:pic>
-      <p:pic>
-        <p:nvPicPr>
-          <p:cNvPr id="30729" name="Picture 9"/>
-          <p:cNvPicPr>
-            <a:picLocks noChangeAspect="1" noChangeArrowheads="1"/>
-          </p:cNvPicPr>
-          <p:nvPr/>
-        </p:nvPicPr>
-        <p:blipFill>
-          <a:blip r:embed="rId7"/>
-          <a:srcRect/>
-          <a:stretch>
-            <a:fillRect/>
-          </a:stretch>
-        </p:blipFill>
-        <p:spPr bwMode="auto">
-          <a:xfrm>
-            <a:off x="3557337" y="4572000"/>
-            <a:ext cx="2759242" cy="2088983"/>
-          </a:xfrm>
-          <a:prstGeom prst="rect">
-            <a:avLst/>
-          </a:prstGeom>
-          <a:noFill/>
-          <a:ln w="9525">
-            <a:noFill/>
-            <a:miter lim="800000"/>
-            <a:headEnd/>
-            <a:tailEnd/>
-          </a:ln>
-          <a:effectLst/>
-        </p:spPr>
-      </p:pic>
+        <p:txBody>
+          <a:bodyPr vert="horz" wrap="none" lIns="91440" tIns="45720" rIns="91440" bIns="45720" numCol="1" anchor="ctr" anchorCtr="0" compatLnSpc="1">
+            <a:prstTxWarp prst="textNoShape">
+              <a:avLst/>
+            </a:prstTxWarp>
+            <a:spAutoFit/>
+          </a:bodyPr>
+          <a:lstStyle/>
+          <a:p>
+            <a:pPr marL="0" marR="0" lvl="0" indent="0" algn="l" defTabSz="914400" rtl="0" eaLnBrk="1" fontAlgn="base" latinLnBrk="0" hangingPunct="1">
+              <a:lnSpc>
+                <a:spcPct val="100000"/>
+              </a:lnSpc>
+              <a:spcBef>
+                <a:spcPct val="0"/>
+              </a:spcBef>
+              <a:spcAft>
+                <a:spcPct val="0"/>
+              </a:spcAft>
+              <a:buClrTx/>
+              <a:buSzTx/>
+              <a:buFontTx/>
+              <a:buNone/>
+              <a:tabLst/>
+            </a:pPr>
+            <a:r>
+              <a:rPr kumimoji="0" lang="en-US" sz="900" b="0" i="0" u="none" strike="noStrike" cap="none" normalizeH="0" baseline="0" smtClean="0">
+                <a:ln>
+                  <a:noFill/>
+                </a:ln>
+                <a:solidFill>
+                  <a:srgbClr val="006FC0"/>
+                </a:solidFill>
+                <a:effectLst/>
+                <a:latin typeface="Arial" pitchFamily="34" charset="0"/>
+                <a:ea typeface="Times New Roman" pitchFamily="18" charset="0"/>
+                <a:cs typeface="Calibri Italic"/>
+              </a:rPr>
+              <a:t>   Education Qualification has higher risk of defaulting.</a:t>
+            </a:r>
+            <a:r>
+              <a:rPr kumimoji="0" lang="en-US" sz="800" b="0" i="0" u="none" strike="noStrike" cap="none" normalizeH="0" baseline="0" smtClean="0">
+                <a:ln>
+                  <a:noFill/>
+                </a:ln>
+                <a:solidFill>
+                  <a:schemeClr val="tx1"/>
+                </a:solidFill>
+                <a:effectLst/>
+                <a:latin typeface="Arial" pitchFamily="34" charset="0"/>
+                <a:cs typeface="Arial" pitchFamily="34" charset="0"/>
+              </a:rPr>
+              <a:t> </a:t>
+            </a:r>
+            <a:endParaRPr kumimoji="0" lang="en-US" sz="1800" b="0" i="0" u="none" strike="noStrike" cap="none" normalizeH="0" baseline="0" smtClean="0">
+              <a:ln>
+                <a:noFill/>
+              </a:ln>
+              <a:solidFill>
+                <a:schemeClr val="tx1"/>
+              </a:solidFill>
+              <a:effectLst/>
+              <a:latin typeface="Arial" pitchFamily="34" charset="0"/>
+              <a:cs typeface="Arial" pitchFamily="34" charset="0"/>
+            </a:endParaRPr>
+          </a:p>
+        </p:txBody>
+      </p:sp>
     </p:spTree>
   </p:cSld>
   <p:clrMapOvr>
@@ -16787,20 +17962,26 @@
           <a:lstStyle/>
           <a:p>
             <a:r>
+              <a:rPr lang="en-US" dirty="0" err="1" smtClean="0"/>
+              <a:t>Univariate</a:t>
+            </a:r>
+            <a:r>
               <a:rPr lang="en-US" dirty="0" smtClean="0"/>
-              <a:t>Univariate Analysis : </a:t>
+              <a:t> Analysis : </a:t>
             </a:r>
-            <a:endParaRPr lang="en-US" dirty="0"/>
+            <a:endParaRPr lang="en-IN" dirty="0"/>
           </a:p>
         </p:txBody>
       </p:sp>
       <p:pic>
         <p:nvPicPr>
-          <p:cNvPr id="31746" name="Picture 2"/>
+          <p:cNvPr id="44034" name="Picture 2"/>
           <p:cNvPicPr>
-            <a:picLocks noChangeAspect="1" noChangeArrowheads="1"/>
+            <a:picLocks noGrp="1" noChangeAspect="1" noChangeArrowheads="1"/>
           </p:cNvPicPr>
-          <p:nvPr/>
+          <p:nvPr>
+            <p:ph idx="1"/>
+          </p:nvPr>
         </p:nvPicPr>
         <p:blipFill>
           <a:blip r:embed="rId2"/>
@@ -16811,8 +17992,8 @@
         </p:blipFill>
         <p:spPr bwMode="auto">
           <a:xfrm>
-            <a:off x="382503" y="1363573"/>
-            <a:ext cx="2481012" cy="2751221"/>
+            <a:off x="410703" y="2330580"/>
+            <a:ext cx="4597903" cy="2795813"/>
           </a:xfrm>
           <a:prstGeom prst="rect">
             <a:avLst/>
@@ -16829,7 +18010,7 @@
       </p:pic>
       <p:pic>
         <p:nvPicPr>
-          <p:cNvPr id="31747" name="Picture 3"/>
+          <p:cNvPr id="44035" name="Picture 3"/>
           <p:cNvPicPr>
             <a:picLocks noChangeAspect="1" noChangeArrowheads="1"/>
           </p:cNvPicPr>
@@ -16844,8 +18025,8 @@
         </p:blipFill>
         <p:spPr bwMode="auto">
           <a:xfrm>
-            <a:off x="3152775" y="1277346"/>
-            <a:ext cx="2646446" cy="2843431"/>
+            <a:off x="5722851" y="2141836"/>
+            <a:ext cx="5017529" cy="3015049"/>
           </a:xfrm>
           <a:prstGeom prst="rect">
             <a:avLst/>
@@ -16860,223 +18041,289 @@
           <a:effectLst/>
         </p:spPr>
       </p:pic>
-      <p:pic>
-        <p:nvPicPr>
-          <p:cNvPr id="31748" name="Picture 4"/>
-          <p:cNvPicPr>
-            <a:picLocks noChangeAspect="1" noChangeArrowheads="1"/>
-          </p:cNvPicPr>
+      <p:graphicFrame>
+        <p:nvGraphicFramePr>
+          <p:cNvPr id="6" name="Table 5"/>
+          <p:cNvGraphicFramePr>
+            <a:graphicFrameLocks noGrp="1"/>
+          </p:cNvGraphicFramePr>
           <p:nvPr/>
-        </p:nvPicPr>
-        <p:blipFill>
-          <a:blip r:embed="rId4"/>
-          <a:srcRect/>
-          <a:stretch>
-            <a:fillRect/>
-          </a:stretch>
-        </p:blipFill>
-        <p:spPr bwMode="auto">
+        </p:nvGraphicFramePr>
+        <p:xfrm>
+          <a:off x="1646280" y="5714392"/>
+          <a:ext cx="3067050" cy="157734"/>
+        </p:xfrm>
+        <a:graphic>
+          <a:graphicData uri="http://schemas.openxmlformats.org/drawingml/2006/table">
+            <a:tbl>
+              <a:tblPr/>
+              <a:tblGrid>
+                <a:gridCol w="3067050"/>
+              </a:tblGrid>
+              <a:tr h="0">
+                <a:tc>
+                  <a:txBody>
+                    <a:bodyPr/>
+                    <a:lstStyle/>
+                    <a:p>
+                      <a:pPr algn="l">
+                        <a:lnSpc>
+                          <a:spcPct val="115000"/>
+                        </a:lnSpc>
+                        <a:spcAft>
+                          <a:spcPts val="0"/>
+                        </a:spcAft>
+                      </a:pPr>
+                      <a:r>
+                        <a:rPr lang="en-IN" sz="900" dirty="0">
+                          <a:solidFill>
+                            <a:srgbClr val="006FC0"/>
+                          </a:solidFill>
+                          <a:latin typeface="Calibri Italic"/>
+                          <a:ea typeface="Times New Roman"/>
+                          <a:cs typeface="Calibri Italic"/>
+                        </a:rPr>
+                        <a:t>Salaried Applicants are the ones who default the most.</a:t>
+                      </a:r>
+                      <a:endParaRPr lang="en-IN" sz="1100" dirty="0">
+                        <a:latin typeface="Calibri"/>
+                        <a:ea typeface="Times New Roman"/>
+                        <a:cs typeface="Times New Roman"/>
+                      </a:endParaRPr>
+                    </a:p>
+                  </a:txBody>
+                  <a:tcPr marL="0" marR="0" marT="0" marB="0">
+                    <a:lnL>
+                      <a:noFill/>
+                    </a:lnL>
+                    <a:lnR>
+                      <a:noFill/>
+                    </a:lnR>
+                    <a:lnT>
+                      <a:noFill/>
+                    </a:lnT>
+                    <a:lnB>
+                      <a:noFill/>
+                    </a:lnB>
+                  </a:tcPr>
+                </a:tc>
+              </a:tr>
+            </a:tbl>
+          </a:graphicData>
+        </a:graphic>
+      </p:graphicFrame>
+      <p:sp>
+        <p:nvSpPr>
+          <p:cNvPr id="8" name="Rectangle 7"/>
+          <p:cNvSpPr/>
+          <p:nvPr/>
+        </p:nvSpPr>
+        <p:spPr>
           <a:xfrm>
-            <a:off x="6042610" y="1238413"/>
-            <a:ext cx="2716379" cy="2910722"/>
+            <a:off x="532289" y="5568779"/>
+            <a:ext cx="1620957" cy="369332"/>
           </a:xfrm>
           <a:prstGeom prst="rect">
             <a:avLst/>
           </a:prstGeom>
-          <a:noFill/>
-          <a:ln w="9525">
-            <a:noFill/>
-            <a:miter lim="800000"/>
-            <a:headEnd/>
-            <a:tailEnd/>
-          </a:ln>
-          <a:effectLst/>
         </p:spPr>
-      </p:pic>
-      <p:pic>
-        <p:nvPicPr>
-          <p:cNvPr id="31749" name="Picture 5"/>
-          <p:cNvPicPr>
-            <a:picLocks noChangeAspect="1" noChangeArrowheads="1"/>
-          </p:cNvPicPr>
+        <p:txBody>
+          <a:bodyPr wrap="square">
+            <a:spAutoFit/>
+          </a:bodyPr>
+          <a:lstStyle/>
+          <a:p>
+            <a:r>
+              <a:rPr lang="en-IN" sz="1150" dirty="0" smtClean="0">
+                <a:solidFill>
+                  <a:srgbClr val="000000"/>
+                </a:solidFill>
+                <a:latin typeface="Calibri Bold"/>
+                <a:ea typeface="Times New Roman"/>
+                <a:cs typeface="Calibri Bold"/>
+              </a:rPr>
+              <a:t>Observation</a:t>
+            </a:r>
+            <a:r>
+              <a:rPr lang="en-IN" dirty="0" smtClean="0">
+                <a:solidFill>
+                  <a:srgbClr val="000000"/>
+                </a:solidFill>
+                <a:latin typeface="Calibri Bold"/>
+                <a:ea typeface="Times New Roman"/>
+                <a:cs typeface="Calibri Bold"/>
+              </a:rPr>
+              <a:t> : </a:t>
+            </a:r>
+            <a:endParaRPr lang="en-IN" dirty="0"/>
+          </a:p>
+        </p:txBody>
+      </p:sp>
+      <p:graphicFrame>
+        <p:nvGraphicFramePr>
+          <p:cNvPr id="9" name="Table 8"/>
+          <p:cNvGraphicFramePr>
+            <a:graphicFrameLocks noGrp="1"/>
+          </p:cNvGraphicFramePr>
           <p:nvPr/>
-        </p:nvPicPr>
-        <p:blipFill>
-          <a:blip r:embed="rId5"/>
-          <a:srcRect/>
-          <a:stretch>
-            <a:fillRect/>
-          </a:stretch>
-        </p:blipFill>
-        <p:spPr bwMode="auto">
-          <a:xfrm>
-            <a:off x="9117932" y="1208803"/>
-            <a:ext cx="2660984" cy="2872653"/>
-          </a:xfrm>
-          <a:prstGeom prst="rect">
-            <a:avLst/>
-          </a:prstGeom>
-          <a:noFill/>
-          <a:ln w="9525">
-            <a:noFill/>
-            <a:miter lim="800000"/>
-            <a:headEnd/>
-            <a:tailEnd/>
-          </a:ln>
-          <a:effectLst/>
-        </p:spPr>
-      </p:pic>
-      <p:pic>
-        <p:nvPicPr>
-          <p:cNvPr id="31750" name="Picture 6"/>
-          <p:cNvPicPr>
-            <a:picLocks noChangeAspect="1" noChangeArrowheads="1"/>
-          </p:cNvPicPr>
+        </p:nvGraphicFramePr>
+        <p:xfrm>
+          <a:off x="6551141" y="5656201"/>
+          <a:ext cx="1066800" cy="175260"/>
+        </p:xfrm>
+        <a:graphic>
+          <a:graphicData uri="http://schemas.openxmlformats.org/drawingml/2006/table">
+            <a:tbl>
+              <a:tblPr/>
+              <a:tblGrid>
+                <a:gridCol w="1066800"/>
+              </a:tblGrid>
+              <a:tr h="0">
+                <a:tc>
+                  <a:txBody>
+                    <a:bodyPr/>
+                    <a:lstStyle/>
+                    <a:p>
+                      <a:pPr algn="l">
+                        <a:lnSpc>
+                          <a:spcPct val="115000"/>
+                        </a:lnSpc>
+                        <a:spcAft>
+                          <a:spcPts val="0"/>
+                        </a:spcAft>
+                      </a:pPr>
+                      <a:r>
+                        <a:rPr lang="en-IN" sz="1000" dirty="0">
+                          <a:solidFill>
+                            <a:srgbClr val="000000"/>
+                          </a:solidFill>
+                          <a:latin typeface="Calibri Bold"/>
+                          <a:ea typeface="Times New Roman"/>
+                          <a:cs typeface="Calibri Bold"/>
+                        </a:rPr>
+                        <a:t>Observation </a:t>
+                      </a:r>
+                      <a:r>
+                        <a:rPr lang="en-IN" sz="900" dirty="0">
+                          <a:solidFill>
+                            <a:srgbClr val="000000"/>
+                          </a:solidFill>
+                          <a:latin typeface="Calibri Bold"/>
+                          <a:ea typeface="Times New Roman"/>
+                          <a:cs typeface="Calibri Bold"/>
+                        </a:rPr>
+                        <a:t>:</a:t>
+                      </a:r>
+                      <a:endParaRPr lang="en-IN" sz="1100" dirty="0">
+                        <a:latin typeface="Calibri"/>
+                        <a:ea typeface="Times New Roman"/>
+                        <a:cs typeface="Times New Roman"/>
+                      </a:endParaRPr>
+                    </a:p>
+                  </a:txBody>
+                  <a:tcPr marL="0" marR="0" marT="0" marB="0">
+                    <a:lnL>
+                      <a:noFill/>
+                    </a:lnL>
+                    <a:lnR>
+                      <a:noFill/>
+                    </a:lnR>
+                    <a:lnT>
+                      <a:noFill/>
+                    </a:lnT>
+                    <a:lnB>
+                      <a:noFill/>
+                    </a:lnB>
+                  </a:tcPr>
+                </a:tc>
+              </a:tr>
+            </a:tbl>
+          </a:graphicData>
+        </a:graphic>
+      </p:graphicFrame>
+      <p:graphicFrame>
+        <p:nvGraphicFramePr>
+          <p:cNvPr id="10" name="Table 9"/>
+          <p:cNvGraphicFramePr>
+            <a:graphicFrameLocks noGrp="1"/>
+          </p:cNvGraphicFramePr>
           <p:nvPr/>
-        </p:nvPicPr>
-        <p:blipFill>
-          <a:blip r:embed="rId6"/>
-          <a:srcRect/>
-          <a:stretch>
-            <a:fillRect/>
-          </a:stretch>
-        </p:blipFill>
-        <p:spPr bwMode="auto">
-          <a:xfrm>
-            <a:off x="361450" y="4191540"/>
-            <a:ext cx="2478003" cy="2666460"/>
-          </a:xfrm>
-          <a:prstGeom prst="rect">
-            <a:avLst/>
-          </a:prstGeom>
-          <a:noFill/>
-          <a:ln w="9525">
-            <a:noFill/>
-            <a:miter lim="800000"/>
-            <a:headEnd/>
-            <a:tailEnd/>
-          </a:ln>
-          <a:effectLst/>
-        </p:spPr>
-      </p:pic>
-      <p:pic>
-        <p:nvPicPr>
-          <p:cNvPr id="31751" name="Picture 7"/>
-          <p:cNvPicPr>
-            <a:picLocks noChangeAspect="1" noChangeArrowheads="1"/>
-          </p:cNvPicPr>
-          <p:nvPr/>
-        </p:nvPicPr>
-        <p:blipFill>
-          <a:blip r:embed="rId7"/>
-          <a:srcRect/>
-          <a:stretch>
-            <a:fillRect/>
-          </a:stretch>
-        </p:blipFill>
-        <p:spPr bwMode="auto">
-          <a:xfrm>
-            <a:off x="3197893" y="4229464"/>
-            <a:ext cx="2420854" cy="2640568"/>
-          </a:xfrm>
-          <a:prstGeom prst="rect">
-            <a:avLst/>
-          </a:prstGeom>
-          <a:noFill/>
-          <a:ln w="9525">
-            <a:noFill/>
-            <a:miter lim="800000"/>
-            <a:headEnd/>
-            <a:tailEnd/>
-          </a:ln>
-          <a:effectLst/>
-        </p:spPr>
-      </p:pic>
-      <p:pic>
-        <p:nvPicPr>
-          <p:cNvPr id="31752" name="Picture 8"/>
-          <p:cNvPicPr>
-            <a:picLocks noChangeAspect="1" noChangeArrowheads="1"/>
-          </p:cNvPicPr>
-          <p:nvPr/>
-        </p:nvPicPr>
-        <p:blipFill>
-          <a:blip r:embed="rId8"/>
-          <a:srcRect/>
-          <a:stretch>
-            <a:fillRect/>
-          </a:stretch>
-        </p:blipFill>
-        <p:spPr bwMode="auto">
-          <a:xfrm>
-            <a:off x="6054643" y="4283242"/>
-            <a:ext cx="2788568" cy="2574758"/>
-          </a:xfrm>
-          <a:prstGeom prst="rect">
-            <a:avLst/>
-          </a:prstGeom>
-          <a:noFill/>
-          <a:ln w="9525">
-            <a:noFill/>
-            <a:miter lim="800000"/>
-            <a:headEnd/>
-            <a:tailEnd/>
-          </a:ln>
-          <a:effectLst/>
-        </p:spPr>
-      </p:pic>
-      <p:pic>
-        <p:nvPicPr>
-          <p:cNvPr id="31753" name="Picture 9"/>
-          <p:cNvPicPr>
-            <a:picLocks noChangeAspect="1" noChangeArrowheads="1"/>
-          </p:cNvPicPr>
-          <p:nvPr/>
-        </p:nvPicPr>
-        <p:blipFill>
-          <a:blip r:embed="rId9"/>
-          <a:srcRect/>
-          <a:stretch>
-            <a:fillRect/>
-          </a:stretch>
-        </p:blipFill>
-        <p:spPr bwMode="auto">
-          <a:xfrm>
-            <a:off x="9356055" y="4379495"/>
-            <a:ext cx="2495049" cy="2478505"/>
-          </a:xfrm>
-          <a:prstGeom prst="rect">
-            <a:avLst/>
-          </a:prstGeom>
-          <a:noFill/>
-          <a:ln w="9525">
-            <a:noFill/>
-            <a:miter lim="800000"/>
-            <a:headEnd/>
-            <a:tailEnd/>
-          </a:ln>
-          <a:effectLst/>
-        </p:spPr>
-      </p:pic>
+        </p:nvGraphicFramePr>
+        <p:xfrm>
+          <a:off x="7480085" y="5664964"/>
+          <a:ext cx="2619375" cy="157734"/>
+        </p:xfrm>
+        <a:graphic>
+          <a:graphicData uri="http://schemas.openxmlformats.org/drawingml/2006/table">
+            <a:tbl>
+              <a:tblPr/>
+              <a:tblGrid>
+                <a:gridCol w="2619375"/>
+              </a:tblGrid>
+              <a:tr h="0">
+                <a:tc>
+                  <a:txBody>
+                    <a:bodyPr/>
+                    <a:lstStyle/>
+                    <a:p>
+                      <a:pPr algn="l">
+                        <a:lnSpc>
+                          <a:spcPct val="115000"/>
+                        </a:lnSpc>
+                        <a:spcAft>
+                          <a:spcPts val="0"/>
+                        </a:spcAft>
+                      </a:pPr>
+                      <a:r>
+                        <a:rPr lang="en-IN" sz="900" dirty="0">
+                          <a:solidFill>
+                            <a:srgbClr val="006FC0"/>
+                          </a:solidFill>
+                          <a:latin typeface="Calibri Italic"/>
+                          <a:ea typeface="Times New Roman"/>
+                          <a:cs typeface="Calibri Italic"/>
+                        </a:rPr>
+                        <a:t>Rented ones are having high default chances .</a:t>
+                      </a:r>
+                      <a:endParaRPr lang="en-IN" sz="1100" dirty="0">
+                        <a:latin typeface="Calibri"/>
+                        <a:ea typeface="Times New Roman"/>
+                        <a:cs typeface="Times New Roman"/>
+                      </a:endParaRPr>
+                    </a:p>
+                  </a:txBody>
+                  <a:tcPr marL="0" marR="0" marT="0" marB="0">
+                    <a:lnL>
+                      <a:noFill/>
+                    </a:lnL>
+                    <a:lnR>
+                      <a:noFill/>
+                    </a:lnR>
+                    <a:lnT>
+                      <a:noFill/>
+                    </a:lnT>
+                    <a:lnB>
+                      <a:noFill/>
+                    </a:lnB>
+                  </a:tcPr>
+                </a:tc>
+              </a:tr>
+            </a:tbl>
+          </a:graphicData>
+        </a:graphic>
+      </p:graphicFrame>
     </p:spTree>
   </p:cSld>
   <p:clrMapOvr>
     <a:masterClrMapping/>
   </p:clrMapOvr>
-  <p:timing>
-    <p:tnLst>
-      <p:par>
-        <p:cTn id="1" dur="indefinite" restart="never" nodeType="tmRoot"/>
-      </p:par>
-    </p:tnLst>
-  </p:timing>
 </p:sld>
 </file>
 
 <file path=ppt/theme/theme1.xml><?xml version="1.0" encoding="utf-8"?>
-<a:theme xmlns:a="http://schemas.openxmlformats.org/drawingml/2006/main" name="Office Theme">
+<a:theme xmlns:a="http://schemas.openxmlformats.org/drawingml/2006/main" name="Flow">
   <a:themeElements>
-    <a:clrScheme name="Office Theme">
+    <a:clrScheme name="Flow">
       <a:dk1>
         <a:sysClr val="windowText" lastClr="000000"/>
       </a:dk1>
@@ -17084,81 +18331,46 @@
         <a:sysClr val="window" lastClr="FFFFFF"/>
       </a:lt1>
       <a:dk2>
-        <a:srgbClr val="44546A"/>
+        <a:srgbClr val="04617B"/>
       </a:dk2>
       <a:lt2>
-        <a:srgbClr val="E7E6E6"/>
+        <a:srgbClr val="DBF5F9"/>
       </a:lt2>
       <a:accent1>
-        <a:srgbClr val="5B9BD5"/>
+        <a:srgbClr val="0F6FC6"/>
       </a:accent1>
       <a:accent2>
-        <a:srgbClr val="ED7D31"/>
+        <a:srgbClr val="009DD9"/>
       </a:accent2>
       <a:accent3>
-        <a:srgbClr val="A5A5A5"/>
+        <a:srgbClr val="0BD0D9"/>
       </a:accent3>
       <a:accent4>
-        <a:srgbClr val="FFC000"/>
+        <a:srgbClr val="10CF9B"/>
       </a:accent4>
       <a:accent5>
-        <a:srgbClr val="4472C4"/>
+        <a:srgbClr val="7CCA62"/>
       </a:accent5>
       <a:accent6>
-        <a:srgbClr val="70AD47"/>
+        <a:srgbClr val="A5C249"/>
       </a:accent6>
       <a:hlink>
-        <a:srgbClr val="0563C1"/>
+        <a:srgbClr val="E2D700"/>
       </a:hlink>
       <a:folHlink>
-        <a:srgbClr val="954F72"/>
+        <a:srgbClr val="85DFD0"/>
       </a:folHlink>
     </a:clrScheme>
-    <a:fontScheme name="Office Theme">
+    <a:fontScheme name="Flow">
       <a:majorFont>
-        <a:latin typeface="Calibri Light"/>
-        <a:ea typeface=""/>
-        <a:cs typeface=""/>
-        <a:font script="Jpan" typeface="游ゴシック Light"/>
-        <a:font script="Hang" typeface="맑은 고딕"/>
-        <a:font script="Hans" typeface="等线 Light"/>
-        <a:font script="Hant" typeface="新細明體"/>
-        <a:font script="Arab" typeface="Times New Roman"/>
-        <a:font script="Hebr" typeface="Times New Roman"/>
-        <a:font script="Thai" typeface="Angsana New"/>
-        <a:font script="Ethi" typeface="Nyala"/>
-        <a:font script="Beng" typeface="Vrinda"/>
-        <a:font script="Gujr" typeface="Shruti"/>
-        <a:font script="Khmr" typeface="MoolBoran"/>
-        <a:font script="Knda" typeface="Tunga"/>
-        <a:font script="Guru" typeface="Raavi"/>
-        <a:font script="Cans" typeface="Euphemia"/>
-        <a:font script="Cher" typeface="Plantagenet Cherokee"/>
-        <a:font script="Yiii" typeface="Microsoft Yi Baiti"/>
-        <a:font script="Tibt" typeface="Microsoft Himalaya"/>
-        <a:font script="Thaa" typeface="MV Boli"/>
-        <a:font script="Deva" typeface="Mangal"/>
-        <a:font script="Telu" typeface="Gautami"/>
-        <a:font script="Taml" typeface="Latha"/>
-        <a:font script="Syrc" typeface="Estrangelo Edessa"/>
-        <a:font script="Orya" typeface="Kalinga"/>
-        <a:font script="Mlym" typeface="Kartika"/>
-        <a:font script="Laoo" typeface="DokChampa"/>
-        <a:font script="Sinh" typeface="Iskoola Pota"/>
-        <a:font script="Mong" typeface="Mongolian Baiti"/>
-        <a:font script="Viet" typeface="Times New Roman"/>
-        <a:font script="Uigh" typeface="Microsoft Uighur"/>
-        <a:font script="Geor" typeface="Sylfaen"/>
-      </a:majorFont>
-      <a:minorFont>
         <a:latin typeface="Calibri"/>
         <a:ea typeface=""/>
         <a:cs typeface=""/>
-        <a:font script="Jpan" typeface="游ゴシック"/>
-        <a:font script="Hang" typeface="맑은 고딕"/>
-        <a:font script="Hans" typeface="等线"/>
-        <a:font script="Hant" typeface="新細明體"/>
-        <a:font script="Arab" typeface="Arial"/>
+        <a:font script="Jpan" typeface="ＭＳ Ｐゴシック"/>
+        <a:font script="Hang" typeface="HY중고딕"/>
+        <a:font script="Hans" typeface="隶书"/>
+        <a:font script="Hant" typeface="微軟正黑體"/>
+        <a:font script="Arab" typeface="Traditional Arabic"/>
         <a:font script="Hebr" typeface="Arial"/>
         <a:font script="Thai" typeface="Cordia New"/>
         <a:font script="Ethi" typeface="Nyala"/>
@@ -17183,10 +18395,43 @@
         <a:font script="Mong" typeface="Mongolian Baiti"/>
         <a:font script="Viet" typeface="Arial"/>
         <a:font script="Uigh" typeface="Microsoft Uighur"/>
-        <a:font script="Geor" typeface="Sylfaen"/>
+      </a:majorFont>
+      <a:minorFont>
+        <a:latin typeface="Constantia"/>
+        <a:ea typeface=""/>
+        <a:cs typeface=""/>
+        <a:font script="Jpan" typeface="HGP明朝E"/>
+        <a:font script="Hang" typeface="HY신명조"/>
+        <a:font script="Hans" typeface="宋体"/>
+        <a:font script="Hant" typeface="新細明體"/>
+        <a:font script="Arab" typeface="Majalla UI"/>
+        <a:font script="Hebr" typeface="David"/>
+        <a:font script="Thai" typeface="Browallia New"/>
+        <a:font script="Ethi" typeface="Nyala"/>
+        <a:font script="Beng" typeface="Vrinda"/>
+        <a:font script="Gujr" typeface="Shruti"/>
+        <a:font script="Khmr" typeface="MoolBoran"/>
+        <a:font script="Knda" typeface="Tunga"/>
+        <a:font script="Guru" typeface="Raavi"/>
+        <a:font script="Cans" typeface="Euphemia"/>
+        <a:font script="Cher" typeface="Plantagenet Cherokee"/>
+        <a:font script="Yiii" typeface="Microsoft Yi Baiti"/>
+        <a:font script="Tibt" typeface="Microsoft Himalaya"/>
+        <a:font script="Thaa" typeface="MV Boli"/>
+        <a:font script="Deva" typeface="Mangal"/>
+        <a:font script="Telu" typeface="Gautami"/>
+        <a:font script="Taml" typeface="Latha"/>
+        <a:font script="Syrc" typeface="Estrangelo Edessa"/>
+        <a:font script="Orya" typeface="Kalinga"/>
+        <a:font script="Mlym" typeface="Kartika"/>
+        <a:font script="Laoo" typeface="DokChampa"/>
+        <a:font script="Sinh" typeface="Iskoola Pota"/>
+        <a:font script="Mong" typeface="Mongolian Baiti"/>
+        <a:font script="Viet" typeface="Times New Roman"/>
+        <a:font script="Uigh" typeface="Microsoft Uighur"/>
       </a:minorFont>
     </a:fontScheme>
-    <a:fmtScheme name="Office Theme">
+    <a:fmtScheme name="Flow">
       <a:fillStyleLst>
         <a:solidFill>
           <a:schemeClr val="phClr"/>
@@ -17195,142 +18440,178 @@
           <a:gsLst>
             <a:gs pos="0">
               <a:schemeClr val="phClr">
-                <a:lumMod val="110000"/>
-                <a:satMod val="105000"/>
-                <a:tint val="67000"/>
+                <a:tint val="70000"/>
+                <a:satMod val="130000"/>
               </a:schemeClr>
             </a:gs>
-            <a:gs pos="50000">
+            <a:gs pos="43000">
               <a:schemeClr val="phClr">
-                <a:lumMod val="105000"/>
-                <a:satMod val="103000"/>
-                <a:tint val="73000"/>
+                <a:tint val="44000"/>
+                <a:satMod val="165000"/>
+              </a:schemeClr>
+            </a:gs>
+            <a:gs pos="93000">
+              <a:schemeClr val="phClr">
+                <a:tint val="15000"/>
+                <a:satMod val="165000"/>
               </a:schemeClr>
             </a:gs>
             <a:gs pos="100000">
               <a:schemeClr val="phClr">
-                <a:lumMod val="105000"/>
-                <a:satMod val="109000"/>
-                <a:tint val="81000"/>
+                <a:tint val="5000"/>
+                <a:satMod val="250000"/>
               </a:schemeClr>
             </a:gs>
           </a:gsLst>
-          <a:lin ang="5400000" scaled="0"/>
+          <a:path path="circle">
+            <a:fillToRect l="50000" t="130000" r="50000" b="-30000"/>
+          </a:path>
         </a:gradFill>
         <a:gradFill rotWithShape="1">
           <a:gsLst>
             <a:gs pos="0">
               <a:schemeClr val="phClr">
-                <a:satMod val="103000"/>
-                <a:lumMod val="102000"/>
-                <a:tint val="94000"/>
+                <a:tint val="98000"/>
+                <a:shade val="25000"/>
+                <a:satMod val="250000"/>
               </a:schemeClr>
             </a:gs>
-            <a:gs pos="50000">
+            <a:gs pos="68000">
               <a:schemeClr val="phClr">
-                <a:satMod val="110000"/>
-                <a:lumMod val="100000"/>
-                <a:shade val="100000"/>
+                <a:tint val="86000"/>
+                <a:satMod val="115000"/>
               </a:schemeClr>
             </a:gs>
             <a:gs pos="100000">
               <a:schemeClr val="phClr">
-                <a:lumMod val="99000"/>
-                <a:satMod val="120000"/>
-                <a:shade val="78000"/>
+                <a:tint val="50000"/>
+                <a:satMod val="150000"/>
               </a:schemeClr>
             </a:gs>
           </a:gsLst>
-          <a:lin ang="5400000" scaled="0"/>
+          <a:path path="circle">
+            <a:fillToRect l="50000" t="130000" r="50000" b="-30000"/>
+          </a:path>
         </a:gradFill>
       </a:fillStyleLst>
       <a:lnStyleLst>
-        <a:ln w="6350" cap="flat" cmpd="sng" algn="ctr">
+        <a:ln w="9525" cap="flat" cmpd="sng" algn="ctr">
+          <a:solidFill>
+            <a:schemeClr val="phClr">
+              <a:shade val="50000"/>
+              <a:satMod val="103000"/>
+            </a:schemeClr>
+          </a:solidFill>
+          <a:prstDash val="solid"/>
+        </a:ln>
+        <a:ln w="25400" cap="flat" cmpd="sng" algn="ctr">
           <a:solidFill>
             <a:schemeClr val="phClr"/>
           </a:solidFill>
           <a:prstDash val="solid"/>
-          <a:miter lim="800000"/>
         </a:ln>
-        <a:ln w="12700" cap="flat" cmpd="sng" algn="ctr">
+        <a:ln w="38100" cap="flat" cmpd="sng" algn="ctr">
           <a:solidFill>
             <a:schemeClr val="phClr"/>
           </a:solidFill>
           <a:prstDash val="solid"/>
-          <a:miter lim="800000"/>
-        </a:ln>
-        <a:ln w="19050" cap="flat" cmpd="sng" algn="ctr">
-          <a:solidFill>
-            <a:schemeClr val="phClr"/>
-          </a:solidFill>
-          <a:prstDash val="solid"/>
-          <a:miter lim="800000"/>
         </a:ln>
       </a:lnStyleLst>
       <a:effectStyleLst>
         <a:effectStyle>
-          <a:effectLst/>
-        </a:effectStyle>
-        <a:effectStyle>
-          <a:effectLst/>
+          <a:effectLst>
+            <a:outerShdw blurRad="57150" dist="38100" dir="5400000" algn="ctr" rotWithShape="0">
+              <a:schemeClr val="phClr">
+                <a:shade val="9000"/>
+                <a:satMod val="105000"/>
+                <a:alpha val="48000"/>
+              </a:schemeClr>
+            </a:outerShdw>
+          </a:effectLst>
         </a:effectStyle>
         <a:effectStyle>
           <a:effectLst>
-            <a:outerShdw blurRad="57150" dist="19050" dir="5400000" algn="ctr" rotWithShape="0">
-              <a:srgbClr val="000000">
-                <a:alpha val="63000"/>
-              </a:srgbClr>
+            <a:outerShdw blurRad="57150" dist="38100" dir="5400000" algn="ctr" rotWithShape="0">
+              <a:schemeClr val="phClr">
+                <a:shade val="9000"/>
+                <a:satMod val="105000"/>
+                <a:alpha val="48000"/>
+              </a:schemeClr>
             </a:outerShdw>
           </a:effectLst>
+        </a:effectStyle>
+        <a:effectStyle>
+          <a:effectLst>
+            <a:outerShdw blurRad="57150" dist="38100" dir="5400000" algn="ctr" rotWithShape="0">
+              <a:schemeClr val="phClr">
+                <a:shade val="9000"/>
+                <a:satMod val="105000"/>
+                <a:alpha val="48000"/>
+              </a:schemeClr>
+            </a:outerShdw>
+          </a:effectLst>
+          <a:scene3d>
+            <a:camera prst="orthographicFront" fov="0">
+              <a:rot lat="0" lon="0" rev="0"/>
+            </a:camera>
+            <a:lightRig rig="glow" dir="tl">
+              <a:rot lat="0" lon="0" rev="900000"/>
+            </a:lightRig>
+          </a:scene3d>
+          <a:sp3d prstMaterial="powder">
+            <a:bevelT w="25400" h="38100"/>
+          </a:sp3d>
         </a:effectStyle>
       </a:effectStyleLst>
       <a:bgFillStyleLst>
         <a:solidFill>
           <a:schemeClr val="phClr"/>
         </a:solidFill>
-        <a:solidFill>
-          <a:schemeClr val="phClr">
-            <a:tint val="95000"/>
-            <a:satMod val="170000"/>
-          </a:schemeClr>
-        </a:solidFill>
         <a:gradFill rotWithShape="1">
           <a:gsLst>
             <a:gs pos="0">
               <a:schemeClr val="phClr">
-                <a:tint val="93000"/>
-                <a:satMod val="150000"/>
-                <a:shade val="98000"/>
-                <a:lumMod val="102000"/>
+                <a:tint val="80000"/>
+                <a:satMod val="400000"/>
               </a:schemeClr>
             </a:gs>
-            <a:gs pos="50000">
+            <a:gs pos="25000">
               <a:schemeClr val="phClr">
-                <a:tint val="98000"/>
-                <a:satMod val="130000"/>
-                <a:shade val="90000"/>
-                <a:lumMod val="103000"/>
+                <a:tint val="83000"/>
+                <a:satMod val="320000"/>
               </a:schemeClr>
             </a:gs>
             <a:gs pos="100000">
               <a:schemeClr val="phClr">
-                <a:shade val="63000"/>
-                <a:satMod val="120000"/>
+                <a:shade val="15000"/>
+                <a:satMod val="320000"/>
               </a:schemeClr>
             </a:gs>
           </a:gsLst>
-          <a:lin ang="5400000" scaled="0"/>
+          <a:path path="circle">
+            <a:fillToRect l="10000" t="110000" r="10000" b="100000"/>
+          </a:path>
         </a:gradFill>
+        <a:blipFill>
+          <a:blip xmlns:r="http://schemas.openxmlformats.org/officeDocument/2006/relationships" r:embed="rId1">
+            <a:duotone>
+              <a:schemeClr val="phClr">
+                <a:shade val="90000"/>
+                <a:satMod val="150000"/>
+              </a:schemeClr>
+              <a:schemeClr val="phClr">
+                <a:tint val="88000"/>
+                <a:satMod val="150000"/>
+              </a:schemeClr>
+            </a:duotone>
+          </a:blip>
+          <a:tile tx="0" ty="0" sx="65000" sy="65000" flip="none" algn="tl"/>
+        </a:blipFill>
       </a:bgFillStyleLst>
     </a:fmtScheme>
   </a:themeElements>
   <a:objectDefaults/>
   <a:extraClrSchemeLst/>
-  <a:extLst>
-    <a:ext uri="{05A4C25C-085E-4340-85A3-A5531E510DB2}">
-      <thm15:themeFamily xmlns:thm15="http://schemas.microsoft.com/office/thememl/2012/main" xmlns="" name="Office Theme" id="{62F939B6-93AF-4DB8-9C6B-D6C7DFDC589F}" vid="{4A3C46E8-61CC-4603-A589-7422A47A8E4A}"/>
-    </a:ext>
-  </a:extLst>
 </a:theme>
 </file>
 
@@ -17623,7 +18904,7 @@
   <a:extraClrSchemeLst/>
   <a:extLst>
     <a:ext uri="{05A4C25C-085E-4340-85A3-A5531E510DB2}">
-      <thm15:themeFamily xmlns:thm15="http://schemas.microsoft.com/office/thememl/2012/main" xmlns="" name="Office Theme" id="{62F939B6-93AF-4DB8-9C6B-D6C7DFDC589F}" vid="{4A3C46E8-61CC-4603-A589-7422A47A8E4A}"/>
+      <thm15:themeFamily xmlns="" xmlns:thm15="http://schemas.microsoft.com/office/thememl/2012/main" name="Office Theme" id="{62F939B6-93AF-4DB8-9C6B-D6C7DFDC589F}" vid="{4A3C46E8-61CC-4603-A589-7422A47A8E4A}"/>
     </a:ext>
   </a:extLst>
 </a:theme>
